--- a/hash_table_presentation/hashing.pptx
+++ b/hash_table_presentation/hashing.pptx
@@ -16,13 +16,17 @@
     <p:sldId id="268" r:id="rId10"/>
     <p:sldId id="269" r:id="rId11"/>
     <p:sldId id="271" r:id="rId12"/>
-    <p:sldId id="272" r:id="rId13"/>
-    <p:sldId id="275" r:id="rId14"/>
-    <p:sldId id="274" r:id="rId15"/>
-    <p:sldId id="276" r:id="rId16"/>
-    <p:sldId id="270" r:id="rId17"/>
-    <p:sldId id="277" r:id="rId18"/>
-    <p:sldId id="273" r:id="rId19"/>
+    <p:sldId id="278" r:id="rId13"/>
+    <p:sldId id="272" r:id="rId14"/>
+    <p:sldId id="275" r:id="rId15"/>
+    <p:sldId id="274" r:id="rId16"/>
+    <p:sldId id="276" r:id="rId17"/>
+    <p:sldId id="270" r:id="rId18"/>
+    <p:sldId id="279" r:id="rId19"/>
+    <p:sldId id="281" r:id="rId20"/>
+    <p:sldId id="280" r:id="rId21"/>
+    <p:sldId id="277" r:id="rId22"/>
+    <p:sldId id="273" r:id="rId23"/>
   </p:sldIdLst>
   <p:sldSz cx="12192000" cy="6858000"/>
   <p:notesSz cx="6858000" cy="9144000"/>
@@ -284,7 +288,7 @@
           <a:p>
             <a:fld id="{B63B952D-58BF-4557-ACCB-77351F743635}" type="datetimeFigureOut">
               <a:rPr lang="en-IN" smtClean="0"/>
-              <a:t>21-11-2023</a:t>
+              <a:t>29-11-2023</a:t>
             </a:fld>
             <a:endParaRPr lang="en-IN"/>
           </a:p>
@@ -484,7 +488,7 @@
           <a:p>
             <a:fld id="{B63B952D-58BF-4557-ACCB-77351F743635}" type="datetimeFigureOut">
               <a:rPr lang="en-IN" smtClean="0"/>
-              <a:t>21-11-2023</a:t>
+              <a:t>29-11-2023</a:t>
             </a:fld>
             <a:endParaRPr lang="en-IN"/>
           </a:p>
@@ -694,7 +698,7 @@
           <a:p>
             <a:fld id="{B63B952D-58BF-4557-ACCB-77351F743635}" type="datetimeFigureOut">
               <a:rPr lang="en-IN" smtClean="0"/>
-              <a:t>21-11-2023</a:t>
+              <a:t>29-11-2023</a:t>
             </a:fld>
             <a:endParaRPr lang="en-IN"/>
           </a:p>
@@ -894,7 +898,7 @@
           <a:p>
             <a:fld id="{B63B952D-58BF-4557-ACCB-77351F743635}" type="datetimeFigureOut">
               <a:rPr lang="en-IN" smtClean="0"/>
-              <a:t>21-11-2023</a:t>
+              <a:t>29-11-2023</a:t>
             </a:fld>
             <a:endParaRPr lang="en-IN"/>
           </a:p>
@@ -1170,7 +1174,7 @@
           <a:p>
             <a:fld id="{B63B952D-58BF-4557-ACCB-77351F743635}" type="datetimeFigureOut">
               <a:rPr lang="en-IN" smtClean="0"/>
-              <a:t>21-11-2023</a:t>
+              <a:t>29-11-2023</a:t>
             </a:fld>
             <a:endParaRPr lang="en-IN"/>
           </a:p>
@@ -1438,7 +1442,7 @@
           <a:p>
             <a:fld id="{B63B952D-58BF-4557-ACCB-77351F743635}" type="datetimeFigureOut">
               <a:rPr lang="en-IN" smtClean="0"/>
-              <a:t>21-11-2023</a:t>
+              <a:t>29-11-2023</a:t>
             </a:fld>
             <a:endParaRPr lang="en-IN"/>
           </a:p>
@@ -1853,7 +1857,7 @@
           <a:p>
             <a:fld id="{B63B952D-58BF-4557-ACCB-77351F743635}" type="datetimeFigureOut">
               <a:rPr lang="en-IN" smtClean="0"/>
-              <a:t>21-11-2023</a:t>
+              <a:t>29-11-2023</a:t>
             </a:fld>
             <a:endParaRPr lang="en-IN"/>
           </a:p>
@@ -1995,7 +1999,7 @@
           <a:p>
             <a:fld id="{B63B952D-58BF-4557-ACCB-77351F743635}" type="datetimeFigureOut">
               <a:rPr lang="en-IN" smtClean="0"/>
-              <a:t>21-11-2023</a:t>
+              <a:t>29-11-2023</a:t>
             </a:fld>
             <a:endParaRPr lang="en-IN"/>
           </a:p>
@@ -2108,7 +2112,7 @@
           <a:p>
             <a:fld id="{B63B952D-58BF-4557-ACCB-77351F743635}" type="datetimeFigureOut">
               <a:rPr lang="en-IN" smtClean="0"/>
-              <a:t>21-11-2023</a:t>
+              <a:t>29-11-2023</a:t>
             </a:fld>
             <a:endParaRPr lang="en-IN"/>
           </a:p>
@@ -2421,7 +2425,7 @@
           <a:p>
             <a:fld id="{B63B952D-58BF-4557-ACCB-77351F743635}" type="datetimeFigureOut">
               <a:rPr lang="en-IN" smtClean="0"/>
-              <a:t>21-11-2023</a:t>
+              <a:t>29-11-2023</a:t>
             </a:fld>
             <a:endParaRPr lang="en-IN"/>
           </a:p>
@@ -2710,7 +2714,7 @@
           <a:p>
             <a:fld id="{B63B952D-58BF-4557-ACCB-77351F743635}" type="datetimeFigureOut">
               <a:rPr lang="en-IN" smtClean="0"/>
-              <a:t>21-11-2023</a:t>
+              <a:t>29-11-2023</a:t>
             </a:fld>
             <a:endParaRPr lang="en-IN"/>
           </a:p>
@@ -2953,7 +2957,7 @@
           <a:p>
             <a:fld id="{B63B952D-58BF-4557-ACCB-77351F743635}" type="datetimeFigureOut">
               <a:rPr lang="en-IN" smtClean="0"/>
-              <a:t>21-11-2023</a:t>
+              <a:t>29-11-2023</a:t>
             </a:fld>
             <a:endParaRPr lang="en-IN"/>
           </a:p>
@@ -4268,31 +4272,36 @@
           </a:p>
         </p:txBody>
       </p:sp>
-      <p:sp>
-        <p:nvSpPr>
-          <p:cNvPr id="4" name="Content Placeholder 3">
+      <p:pic>
+        <p:nvPicPr>
+          <p:cNvPr id="6" name="Picture 5">
             <a:extLst>
               <a:ext uri="{FF2B5EF4-FFF2-40B4-BE49-F238E27FC236}">
-                <a16:creationId xmlns:a16="http://schemas.microsoft.com/office/drawing/2014/main" id="{A787D858-AC23-E19F-98FE-ED1EFCD18F97}"/>
+                <a16:creationId xmlns:a16="http://schemas.microsoft.com/office/drawing/2014/main" id="{DC706A76-DAD6-564B-A1A3-13FB21F68776}"/>
               </a:ext>
             </a:extLst>
           </p:cNvPr>
-          <p:cNvSpPr>
-            <a:spLocks noGrp="1"/>
-          </p:cNvSpPr>
-          <p:nvPr>
-            <p:ph sz="half" idx="2"/>
-          </p:nvPr>
-        </p:nvSpPr>
-        <p:spPr/>
-        <p:txBody>
-          <a:bodyPr/>
-          <a:lstStyle/>
-          <a:p>
-            <a:endParaRPr lang="en-IN"/>
-          </a:p>
-        </p:txBody>
-      </p:sp>
+          <p:cNvPicPr>
+            <a:picLocks/>
+          </p:cNvPicPr>
+          <p:nvPr/>
+        </p:nvPicPr>
+        <p:blipFill>
+          <a:blip r:embed="rId2"/>
+          <a:stretch>
+            <a:fillRect/>
+          </a:stretch>
+        </p:blipFill>
+        <p:spPr>
+          <a:xfrm>
+            <a:off x="6172202" y="2847079"/>
+            <a:ext cx="5181600" cy="2308429"/>
+          </a:xfrm>
+          <a:prstGeom prst="rect">
+            <a:avLst/>
+          </a:prstGeom>
+        </p:spPr>
+      </p:pic>
     </p:spTree>
     <p:extLst>
       <p:ext uri="{BB962C8B-B14F-4D97-AF65-F5344CB8AC3E}">
@@ -4307,6 +4316,129 @@
 </file>
 
 <file path=ppt/slides/slide12.xml><?xml version="1.0" encoding="utf-8"?>
+<p:sld xmlns:a="http://schemas.openxmlformats.org/drawingml/2006/main" xmlns:r="http://schemas.openxmlformats.org/officeDocument/2006/relationships" xmlns:p="http://schemas.openxmlformats.org/presentationml/2006/main">
+  <p:cSld>
+    <p:spTree>
+      <p:nvGrpSpPr>
+        <p:cNvPr id="1" name=""/>
+        <p:cNvGrpSpPr/>
+        <p:nvPr/>
+      </p:nvGrpSpPr>
+      <p:grpSpPr>
+        <a:xfrm>
+          <a:off x="0" y="0"/>
+          <a:ext cx="0" cy="0"/>
+          <a:chOff x="0" y="0"/>
+          <a:chExt cx="0" cy="0"/>
+        </a:xfrm>
+      </p:grpSpPr>
+      <p:sp>
+        <p:nvSpPr>
+          <p:cNvPr id="2" name="Title 1">
+            <a:extLst>
+              <a:ext uri="{FF2B5EF4-FFF2-40B4-BE49-F238E27FC236}">
+                <a16:creationId xmlns:a16="http://schemas.microsoft.com/office/drawing/2014/main" id="{0CA54D3A-90F6-3FEA-5D49-0851589EEF65}"/>
+              </a:ext>
+            </a:extLst>
+          </p:cNvPr>
+          <p:cNvSpPr>
+            <a:spLocks noGrp="1"/>
+          </p:cNvSpPr>
+          <p:nvPr>
+            <p:ph type="title"/>
+          </p:nvPr>
+        </p:nvSpPr>
+        <p:spPr/>
+        <p:txBody>
+          <a:bodyPr/>
+          <a:lstStyle/>
+          <a:p>
+            <a:r>
+              <a:rPr lang="en-US" dirty="0"/>
+              <a:t>Collision resolution techniques</a:t>
+            </a:r>
+            <a:endParaRPr lang="en-IN" dirty="0"/>
+          </a:p>
+        </p:txBody>
+      </p:sp>
+      <p:sp>
+        <p:nvSpPr>
+          <p:cNvPr id="3" name="Content Placeholder 2">
+            <a:extLst>
+              <a:ext uri="{FF2B5EF4-FFF2-40B4-BE49-F238E27FC236}">
+                <a16:creationId xmlns:a16="http://schemas.microsoft.com/office/drawing/2014/main" id="{437434F8-BB36-379C-F52F-F5A19D427D9D}"/>
+              </a:ext>
+            </a:extLst>
+          </p:cNvPr>
+          <p:cNvSpPr>
+            <a:spLocks noGrp="1"/>
+          </p:cNvSpPr>
+          <p:nvPr>
+            <p:ph sz="half" idx="1"/>
+          </p:nvPr>
+        </p:nvSpPr>
+        <p:spPr/>
+        <p:txBody>
+          <a:bodyPr>
+            <a:noAutofit/>
+          </a:bodyPr>
+          <a:lstStyle/>
+          <a:p>
+            <a:r>
+              <a:rPr lang="en-US" dirty="0"/>
+              <a:t>Separate chaining: Each bucket is a node which contains reference to the hash table items. It can be any data structure like a linked list, a tree or maybe even another hash table.</a:t>
+            </a:r>
+          </a:p>
+          <a:p>
+            <a:r>
+              <a:rPr lang="en-US" dirty="0"/>
+              <a:t>Open addressing: Instead of creating another data structure to hold colliding items, it can be stored in another empty bucket in the hash table.</a:t>
+            </a:r>
+            <a:endParaRPr lang="en-IN" dirty="0"/>
+          </a:p>
+        </p:txBody>
+      </p:sp>
+      <p:sp>
+        <p:nvSpPr>
+          <p:cNvPr id="4" name="Content Placeholder 3">
+            <a:extLst>
+              <a:ext uri="{FF2B5EF4-FFF2-40B4-BE49-F238E27FC236}">
+                <a16:creationId xmlns:a16="http://schemas.microsoft.com/office/drawing/2014/main" id="{9742D46E-BF8B-C100-E736-171B7ADE0D61}"/>
+              </a:ext>
+            </a:extLst>
+          </p:cNvPr>
+          <p:cNvSpPr>
+            <a:spLocks noGrp="1"/>
+          </p:cNvSpPr>
+          <p:nvPr>
+            <p:ph sz="half" idx="2"/>
+          </p:nvPr>
+        </p:nvSpPr>
+        <p:spPr/>
+        <p:txBody>
+          <a:bodyPr>
+            <a:normAutofit/>
+          </a:bodyPr>
+          <a:lstStyle/>
+          <a:p>
+            <a:endParaRPr lang="en-IN" dirty="0"/>
+          </a:p>
+        </p:txBody>
+      </p:sp>
+    </p:spTree>
+    <p:extLst>
+      <p:ext uri="{BB962C8B-B14F-4D97-AF65-F5344CB8AC3E}">
+        <p14:creationId xmlns:p14="http://schemas.microsoft.com/office/powerpoint/2010/main" val="2997787156"/>
+      </p:ext>
+    </p:extLst>
+  </p:cSld>
+  <p:clrMapOvr>
+    <a:masterClrMapping/>
+  </p:clrMapOvr>
+</p:sld>
+</file>
+
+<file path=ppt/slides/slide13.xml><?xml version="1.0" encoding="utf-8"?>
 <p:sld xmlns:a="http://schemas.openxmlformats.org/drawingml/2006/main" xmlns:r="http://schemas.openxmlformats.org/officeDocument/2006/relationships" xmlns:p="http://schemas.openxmlformats.org/presentationml/2006/main">
   <p:cSld>
     <p:spTree>
@@ -4346,7 +4478,7 @@
           <a:p>
             <a:r>
               <a:rPr lang="en-IN" dirty="0"/>
-              <a:t>Collision resolution – Separate chaining</a:t>
+              <a:t>Separate chaining – Linked list</a:t>
             </a:r>
           </a:p>
         </p:txBody>
@@ -4413,8 +4545,8 @@
         </p:blipFill>
         <p:spPr>
           <a:xfrm>
-            <a:off x="6172200" y="2872010"/>
-            <a:ext cx="5181600" cy="2258567"/>
+            <a:off x="6172200" y="2844019"/>
+            <a:ext cx="5181600" cy="2314549"/>
           </a:xfrm>
           <a:prstGeom prst="rect">
             <a:avLst/>
@@ -4434,7 +4566,7 @@
 </p:sld>
 </file>
 
-<file path=ppt/slides/slide13.xml><?xml version="1.0" encoding="utf-8"?>
+<file path=ppt/slides/slide14.xml><?xml version="1.0" encoding="utf-8"?>
 <p:sld xmlns:a="http://schemas.openxmlformats.org/drawingml/2006/main" xmlns:r="http://schemas.openxmlformats.org/officeDocument/2006/relationships" xmlns:p="http://schemas.openxmlformats.org/presentationml/2006/main">
   <p:cSld>
     <p:spTree>
@@ -4474,7 +4606,7 @@
           <a:p>
             <a:r>
               <a:rPr lang="en-IN" dirty="0"/>
-              <a:t>Collision resolution – Separate chaining</a:t>
+              <a:t>Separate chaining – Linked list</a:t>
             </a:r>
           </a:p>
         </p:txBody>
@@ -5996,7 +6128,7 @@
 </p:sld>
 </file>
 
-<file path=ppt/slides/slide14.xml><?xml version="1.0" encoding="utf-8"?>
+<file path=ppt/slides/slide15.xml><?xml version="1.0" encoding="utf-8"?>
 <p:sld xmlns:a="http://schemas.openxmlformats.org/drawingml/2006/main" xmlns:r="http://schemas.openxmlformats.org/officeDocument/2006/relationships" xmlns:p="http://schemas.openxmlformats.org/presentationml/2006/main">
   <p:cSld>
     <p:spTree>
@@ -6036,7 +6168,7 @@
           <a:p>
             <a:r>
               <a:rPr lang="en-US" dirty="0"/>
-              <a:t>Collision resolution – Linear probing</a:t>
+              <a:t>Open addressing – Linear probing</a:t>
             </a:r>
             <a:endParaRPr lang="en-IN" dirty="0"/>
           </a:p>
@@ -6149,7 +6281,7 @@
 </p:sld>
 </file>
 
-<file path=ppt/slides/slide15.xml><?xml version="1.0" encoding="utf-8"?>
+<file path=ppt/slides/slide16.xml><?xml version="1.0" encoding="utf-8"?>
 <p:sld xmlns:a="http://schemas.openxmlformats.org/drawingml/2006/main" xmlns:r="http://schemas.openxmlformats.org/officeDocument/2006/relationships" xmlns:p="http://schemas.openxmlformats.org/presentationml/2006/main">
   <p:cSld>
     <p:spTree>
@@ -6189,7 +6321,7 @@
           <a:p>
             <a:r>
               <a:rPr lang="en-IN" dirty="0"/>
-              <a:t>Collision resolution – Linear probing</a:t>
+              <a:t>Open addressing – Linear probing</a:t>
             </a:r>
           </a:p>
         </p:txBody>
@@ -7777,7 +7909,7 @@
 </p:sld>
 </file>
 
-<file path=ppt/slides/slide16.xml><?xml version="1.0" encoding="utf-8"?>
+<file path=ppt/slides/slide17.xml><?xml version="1.0" encoding="utf-8"?>
 <p:sld xmlns:a="http://schemas.openxmlformats.org/drawingml/2006/main" xmlns:r="http://schemas.openxmlformats.org/officeDocument/2006/relationships" xmlns:p="http://schemas.openxmlformats.org/presentationml/2006/main">
   <p:cSld>
     <p:spTree>
@@ -7817,7 +7949,7 @@
           <a:p>
             <a:r>
               <a:rPr lang="en-IN" dirty="0"/>
-              <a:t>Collision resolution – Linear probing</a:t>
+              <a:t>Open addressing – Linear probing</a:t>
             </a:r>
           </a:p>
         </p:txBody>
@@ -8908,114 +9040,6 @@
     <p:extLst>
       <p:ext uri="{BB962C8B-B14F-4D97-AF65-F5344CB8AC3E}">
         <p14:creationId xmlns:p14="http://schemas.microsoft.com/office/powerpoint/2010/main" val="3611722517"/>
-      </p:ext>
-    </p:extLst>
-  </p:cSld>
-  <p:clrMapOvr>
-    <a:masterClrMapping/>
-  </p:clrMapOvr>
-</p:sld>
-</file>
-
-<file path=ppt/slides/slide17.xml><?xml version="1.0" encoding="utf-8"?>
-<p:sld xmlns:a="http://schemas.openxmlformats.org/drawingml/2006/main" xmlns:r="http://schemas.openxmlformats.org/officeDocument/2006/relationships" xmlns:p="http://schemas.openxmlformats.org/presentationml/2006/main">
-  <p:cSld>
-    <p:spTree>
-      <p:nvGrpSpPr>
-        <p:cNvPr id="1" name=""/>
-        <p:cNvGrpSpPr/>
-        <p:nvPr/>
-      </p:nvGrpSpPr>
-      <p:grpSpPr>
-        <a:xfrm>
-          <a:off x="0" y="0"/>
-          <a:ext cx="0" cy="0"/>
-          <a:chOff x="0" y="0"/>
-          <a:chExt cx="0" cy="0"/>
-        </a:xfrm>
-      </p:grpSpPr>
-      <p:sp>
-        <p:nvSpPr>
-          <p:cNvPr id="2" name="Title 1">
-            <a:extLst>
-              <a:ext uri="{FF2B5EF4-FFF2-40B4-BE49-F238E27FC236}">
-                <a16:creationId xmlns:a16="http://schemas.microsoft.com/office/drawing/2014/main" id="{177984F2-2C07-34A6-A756-B81ACD86F9E3}"/>
-              </a:ext>
-            </a:extLst>
-          </p:cNvPr>
-          <p:cNvSpPr>
-            <a:spLocks noGrp="1"/>
-          </p:cNvSpPr>
-          <p:nvPr>
-            <p:ph type="title"/>
-          </p:nvPr>
-        </p:nvSpPr>
-        <p:spPr/>
-        <p:txBody>
-          <a:bodyPr/>
-          <a:lstStyle/>
-          <a:p>
-            <a:r>
-              <a:rPr lang="en-IN" dirty="0"/>
-              <a:t>Conclusion</a:t>
-            </a:r>
-          </a:p>
-        </p:txBody>
-      </p:sp>
-      <p:sp>
-        <p:nvSpPr>
-          <p:cNvPr id="3" name="Content Placeholder 2">
-            <a:extLst>
-              <a:ext uri="{FF2B5EF4-FFF2-40B4-BE49-F238E27FC236}">
-                <a16:creationId xmlns:a16="http://schemas.microsoft.com/office/drawing/2014/main" id="{434398F7-A577-7892-999D-9D50670F6FE7}"/>
-              </a:ext>
-            </a:extLst>
-          </p:cNvPr>
-          <p:cNvSpPr>
-            <a:spLocks noGrp="1"/>
-          </p:cNvSpPr>
-          <p:nvPr>
-            <p:ph sz="half" idx="1"/>
-          </p:nvPr>
-        </p:nvSpPr>
-        <p:spPr/>
-        <p:txBody>
-          <a:bodyPr/>
-          <a:lstStyle/>
-          <a:p>
-            <a:endParaRPr lang="en-IN"/>
-          </a:p>
-        </p:txBody>
-      </p:sp>
-      <p:sp>
-        <p:nvSpPr>
-          <p:cNvPr id="4" name="Content Placeholder 3">
-            <a:extLst>
-              <a:ext uri="{FF2B5EF4-FFF2-40B4-BE49-F238E27FC236}">
-                <a16:creationId xmlns:a16="http://schemas.microsoft.com/office/drawing/2014/main" id="{694375CC-F8BE-0B5E-E901-FE82E658D3CB}"/>
-              </a:ext>
-            </a:extLst>
-          </p:cNvPr>
-          <p:cNvSpPr>
-            <a:spLocks noGrp="1"/>
-          </p:cNvSpPr>
-          <p:nvPr>
-            <p:ph sz="half" idx="2"/>
-          </p:nvPr>
-        </p:nvSpPr>
-        <p:spPr/>
-        <p:txBody>
-          <a:bodyPr/>
-          <a:lstStyle/>
-          <a:p>
-            <a:endParaRPr lang="en-IN"/>
-          </a:p>
-        </p:txBody>
-      </p:sp>
-    </p:spTree>
-    <p:extLst>
-      <p:ext uri="{BB962C8B-B14F-4D97-AF65-F5344CB8AC3E}">
-        <p14:creationId xmlns:p14="http://schemas.microsoft.com/office/powerpoint/2010/main" val="2491182698"/>
       </p:ext>
     </p:extLst>
   </p:cSld>
@@ -9047,7 +9071,7 @@
           <p:cNvPr id="2" name="Title 1">
             <a:extLst>
               <a:ext uri="{FF2B5EF4-FFF2-40B4-BE49-F238E27FC236}">
-                <a16:creationId xmlns:a16="http://schemas.microsoft.com/office/drawing/2014/main" id="{81AAA083-C95D-10A9-1BDA-567D40E3E3A6}"/>
+                <a16:creationId xmlns:a16="http://schemas.microsoft.com/office/drawing/2014/main" id="{520E1DFA-5A0E-F585-E076-F9AC865B03CD}"/>
               </a:ext>
             </a:extLst>
           </p:cNvPr>
@@ -9064,18 +9088,204 @@
           <a:lstStyle/>
           <a:p>
             <a:r>
-              <a:rPr lang="en-IN" dirty="0"/>
-              <a:t>Bibliography</a:t>
-            </a:r>
+              <a:rPr lang="en-US" dirty="0"/>
+              <a:t>Open addressing – Quadratic probing</a:t>
+            </a:r>
+            <a:endParaRPr lang="en-IN" dirty="0"/>
           </a:p>
         </p:txBody>
       </p:sp>
+      <mc:AlternateContent xmlns:mc="http://schemas.openxmlformats.org/markup-compatibility/2006" xmlns:a14="http://schemas.microsoft.com/office/drawing/2010/main">
+        <mc:Choice Requires="a14">
+          <p:sp>
+            <p:nvSpPr>
+              <p:cNvPr id="3" name="Content Placeholder 2">
+                <a:extLst>
+                  <a:ext uri="{FF2B5EF4-FFF2-40B4-BE49-F238E27FC236}">
+                    <a16:creationId xmlns:a16="http://schemas.microsoft.com/office/drawing/2014/main" id="{EAC91E92-BC99-6C80-6494-16799C56B072}"/>
+                  </a:ext>
+                </a:extLst>
+              </p:cNvPr>
+              <p:cNvSpPr>
+                <a:spLocks noGrp="1"/>
+              </p:cNvSpPr>
+              <p:nvPr>
+                <p:ph sz="half" idx="1"/>
+              </p:nvPr>
+            </p:nvSpPr>
+            <p:spPr/>
+            <p:txBody>
+              <a:bodyPr>
+                <a:noAutofit/>
+              </a:bodyPr>
+              <a:lstStyle/>
+              <a:p>
+                <a:r>
+                  <a:rPr lang="en-IN" dirty="0"/>
+                  <a:t>In linear probing, if two keys collided, the later key would iterate the table, one element at a time, to find an empty bucket.</a:t>
+                </a:r>
+              </a:p>
+              <a:p>
+                <a:r>
+                  <a:rPr lang="en-IN" dirty="0"/>
+                  <a:t>In quadratic probing, instead of </a:t>
+                </a:r>
+                <a14:m>
+                  <m:oMath xmlns:m="http://schemas.openxmlformats.org/officeDocument/2006/math">
+                    <m:r>
+                      <a:rPr lang="en-IN" b="0" i="1" smtClean="0">
+                        <a:latin typeface="Cambria Math" panose="02040503050406030204" pitchFamily="18" charset="0"/>
+                      </a:rPr>
+                      <m:t>𝐻</m:t>
+                    </m:r>
+                    <m:r>
+                      <a:rPr lang="en-IN" b="0" i="1" smtClean="0">
+                        <a:latin typeface="Cambria Math" panose="02040503050406030204" pitchFamily="18" charset="0"/>
+                      </a:rPr>
+                      <m:t>(</m:t>
+                    </m:r>
+                    <m:r>
+                      <a:rPr lang="en-IN" b="0" i="1" smtClean="0">
+                        <a:latin typeface="Cambria Math" panose="02040503050406030204" pitchFamily="18" charset="0"/>
+                      </a:rPr>
+                      <m:t>𝑘𝑒𝑦</m:t>
+                    </m:r>
+                    <m:r>
+                      <a:rPr lang="en-IN" b="0" i="1" smtClean="0">
+                        <a:latin typeface="Cambria Math" panose="02040503050406030204" pitchFamily="18" charset="0"/>
+                      </a:rPr>
+                      <m:t>)+</m:t>
+                    </m:r>
+                    <m:r>
+                      <a:rPr lang="en-IN" b="0" i="1" smtClean="0">
+                        <a:latin typeface="Cambria Math" panose="02040503050406030204" pitchFamily="18" charset="0"/>
+                      </a:rPr>
+                      <m:t>𝑖</m:t>
+                    </m:r>
+                  </m:oMath>
+                </a14:m>
+                <a:r>
+                  <a:rPr lang="en-IN" dirty="0"/>
+                  <a:t>, </a:t>
+                </a:r>
+                <a14:m>
+                  <m:oMath xmlns:m="http://schemas.openxmlformats.org/officeDocument/2006/math">
+                    <m:r>
+                      <a:rPr lang="en-IN" b="0" i="1" smtClean="0">
+                        <a:latin typeface="Cambria Math" panose="02040503050406030204" pitchFamily="18" charset="0"/>
+                      </a:rPr>
+                      <m:t>𝐻</m:t>
+                    </m:r>
+                    <m:d>
+                      <m:dPr>
+                        <m:ctrlPr>
+                          <a:rPr lang="en-IN" b="0" i="1" smtClean="0">
+                            <a:latin typeface="Cambria Math" panose="02040503050406030204" pitchFamily="18" charset="0"/>
+                          </a:rPr>
+                        </m:ctrlPr>
+                      </m:dPr>
+                      <m:e>
+                        <m:r>
+                          <a:rPr lang="en-IN" b="0" i="1" smtClean="0">
+                            <a:latin typeface="Cambria Math" panose="02040503050406030204" pitchFamily="18" charset="0"/>
+                          </a:rPr>
+                          <m:t>𝑘𝑒𝑦</m:t>
+                        </m:r>
+                      </m:e>
+                    </m:d>
+                    <m:r>
+                      <a:rPr lang="en-IN" b="0" i="1" smtClean="0">
+                        <a:latin typeface="Cambria Math" panose="02040503050406030204" pitchFamily="18" charset="0"/>
+                      </a:rPr>
+                      <m:t>+</m:t>
+                    </m:r>
+                    <m:sSup>
+                      <m:sSupPr>
+                        <m:ctrlPr>
+                          <a:rPr lang="en-IN" b="0" i="1" smtClean="0">
+                            <a:latin typeface="Cambria Math" panose="02040503050406030204" pitchFamily="18" charset="0"/>
+                          </a:rPr>
+                        </m:ctrlPr>
+                      </m:sSupPr>
+                      <m:e>
+                        <m:r>
+                          <a:rPr lang="en-IN" b="0" i="1" smtClean="0">
+                            <a:latin typeface="Cambria Math" panose="02040503050406030204" pitchFamily="18" charset="0"/>
+                          </a:rPr>
+                          <m:t>𝑖</m:t>
+                        </m:r>
+                      </m:e>
+                      <m:sup>
+                        <m:r>
+                          <a:rPr lang="en-IN" b="0" i="1" smtClean="0">
+                            <a:latin typeface="Cambria Math" panose="02040503050406030204" pitchFamily="18" charset="0"/>
+                          </a:rPr>
+                          <m:t>2</m:t>
+                        </m:r>
+                      </m:sup>
+                    </m:sSup>
+                  </m:oMath>
+                </a14:m>
+                <a:r>
+                  <a:rPr lang="en-IN" dirty="0"/>
+                  <a:t> is used.</a:t>
+                </a:r>
+              </a:p>
+              <a:p>
+                <a:r>
+                  <a:rPr lang="en-IN" dirty="0"/>
+                  <a:t>This prevents clustering, but the table size must be a prime number and the load factor must not exceed 0.5.</a:t>
+                </a:r>
+              </a:p>
+            </p:txBody>
+          </p:sp>
+        </mc:Choice>
+        <mc:Fallback xmlns="">
+          <p:sp>
+            <p:nvSpPr>
+              <p:cNvPr id="3" name="Content Placeholder 2">
+                <a:extLst>
+                  <a:ext uri="{FF2B5EF4-FFF2-40B4-BE49-F238E27FC236}">
+                    <a16:creationId xmlns:a16="http://schemas.microsoft.com/office/drawing/2014/main" id="{EAC91E92-BC99-6C80-6494-16799C56B072}"/>
+                  </a:ext>
+                </a:extLst>
+              </p:cNvPr>
+              <p:cNvSpPr>
+                <a:spLocks noGrp="1" noRot="1" noChangeAspect="1" noMove="1" noResize="1" noEditPoints="1" noAdjustHandles="1" noChangeArrowheads="1" noChangeShapeType="1" noTextEdit="1"/>
+              </p:cNvSpPr>
+              <p:nvPr>
+                <p:ph sz="half" idx="1"/>
+              </p:nvPr>
+            </p:nvSpPr>
+            <p:spPr>
+              <a:blipFill>
+                <a:blip r:embed="rId2"/>
+                <a:stretch>
+                  <a:fillRect l="-2118" t="-2241" r="-2353" b="-8964"/>
+                </a:stretch>
+              </a:blipFill>
+            </p:spPr>
+            <p:txBody>
+              <a:bodyPr/>
+              <a:lstStyle/>
+              <a:p>
+                <a:r>
+                  <a:rPr lang="en-IN">
+                    <a:noFill/>
+                  </a:rPr>
+                  <a:t> </a:t>
+                </a:r>
+              </a:p>
+            </p:txBody>
+          </p:sp>
+        </mc:Fallback>
+      </mc:AlternateContent>
       <p:sp>
         <p:nvSpPr>
-          <p:cNvPr id="5" name="Content Placeholder 4">
+          <p:cNvPr id="4" name="Content Placeholder 3">
             <a:extLst>
               <a:ext uri="{FF2B5EF4-FFF2-40B4-BE49-F238E27FC236}">
-                <a16:creationId xmlns:a16="http://schemas.microsoft.com/office/drawing/2014/main" id="{D52BD79F-4C1F-1388-265A-2B5382F117B8}"/>
+                <a16:creationId xmlns:a16="http://schemas.microsoft.com/office/drawing/2014/main" id="{6B27B960-CBC6-526E-E285-D7428F1E0D4D}"/>
               </a:ext>
             </a:extLst>
           </p:cNvPr>
@@ -9083,7 +9293,64 @@
             <a:spLocks noGrp="1"/>
           </p:cNvSpPr>
           <p:nvPr>
-            <p:ph idx="1"/>
+            <p:ph sz="half" idx="2"/>
+          </p:nvPr>
+        </p:nvSpPr>
+        <p:spPr/>
+        <p:txBody>
+          <a:bodyPr>
+            <a:normAutofit/>
+          </a:bodyPr>
+          <a:lstStyle/>
+          <a:p>
+            <a:endParaRPr lang="en-IN"/>
+          </a:p>
+        </p:txBody>
+      </p:sp>
+    </p:spTree>
+    <p:extLst>
+      <p:ext uri="{BB962C8B-B14F-4D97-AF65-F5344CB8AC3E}">
+        <p14:creationId xmlns:p14="http://schemas.microsoft.com/office/powerpoint/2010/main" val="3686960378"/>
+      </p:ext>
+    </p:extLst>
+  </p:cSld>
+  <p:clrMapOvr>
+    <a:masterClrMapping/>
+  </p:clrMapOvr>
+</p:sld>
+</file>
+
+<file path=ppt/slides/slide19.xml><?xml version="1.0" encoding="utf-8"?>
+<p:sld xmlns:a="http://schemas.openxmlformats.org/drawingml/2006/main" xmlns:r="http://schemas.openxmlformats.org/officeDocument/2006/relationships" xmlns:p="http://schemas.openxmlformats.org/presentationml/2006/main">
+  <p:cSld>
+    <p:spTree>
+      <p:nvGrpSpPr>
+        <p:cNvPr id="1" name=""/>
+        <p:cNvGrpSpPr/>
+        <p:nvPr/>
+      </p:nvGrpSpPr>
+      <p:grpSpPr>
+        <a:xfrm>
+          <a:off x="0" y="0"/>
+          <a:ext cx="0" cy="0"/>
+          <a:chOff x="0" y="0"/>
+          <a:chExt cx="0" cy="0"/>
+        </a:xfrm>
+      </p:grpSpPr>
+      <p:sp>
+        <p:nvSpPr>
+          <p:cNvPr id="2" name="Title 1">
+            <a:extLst>
+              <a:ext uri="{FF2B5EF4-FFF2-40B4-BE49-F238E27FC236}">
+                <a16:creationId xmlns:a16="http://schemas.microsoft.com/office/drawing/2014/main" id="{8B5087D1-6D36-424E-3A3A-4E5C6069B141}"/>
+              </a:ext>
+            </a:extLst>
+          </p:cNvPr>
+          <p:cNvSpPr>
+            <a:spLocks noGrp="1"/>
+          </p:cNvSpPr>
+          <p:nvPr>
+            <p:ph type="title"/>
           </p:nvPr>
         </p:nvSpPr>
         <p:spPr/>
@@ -9092,31 +9359,1604 @@
           <a:lstStyle/>
           <a:p>
             <a:r>
-              <a:rPr lang="en-IN" dirty="0">
-                <a:hlinkClick r:id="rId2"/>
-              </a:rPr>
-              <a:t>Hash table – Wikipedia</a:t>
-            </a:r>
-            <a:endParaRPr lang="en-IN" dirty="0"/>
-          </a:p>
-          <a:p>
-            <a:r>
-              <a:rPr lang="en-IN" dirty="0">
-                <a:hlinkClick r:id="rId3"/>
-              </a:rPr>
-              <a:t>Hash function – Wikipedia</a:t>
-            </a:r>
-            <a:endParaRPr lang="en-IN" dirty="0"/>
-          </a:p>
-          <a:p>
-            <a:endParaRPr lang="en-IN" dirty="0"/>
+              <a:rPr lang="en-IN" dirty="0"/>
+              <a:t>Open addressing – Linear probing</a:t>
+            </a:r>
+          </a:p>
+        </p:txBody>
+      </p:sp>
+      <p:sp>
+        <p:nvSpPr>
+          <p:cNvPr id="4" name="Content Placeholder 3">
+            <a:extLst>
+              <a:ext uri="{FF2B5EF4-FFF2-40B4-BE49-F238E27FC236}">
+                <a16:creationId xmlns:a16="http://schemas.microsoft.com/office/drawing/2014/main" id="{99FAC047-7B78-38EA-9054-1F04A2F12BD9}"/>
+              </a:ext>
+            </a:extLst>
+          </p:cNvPr>
+          <p:cNvSpPr>
+            <a:spLocks noGrp="1"/>
+          </p:cNvSpPr>
+          <p:nvPr>
+            <p:ph sz="half" idx="2"/>
+          </p:nvPr>
+        </p:nvSpPr>
+        <p:spPr>
+          <a:xfrm>
+            <a:off x="6172202" y="1825623"/>
+            <a:ext cx="5181600" cy="4667249"/>
+          </a:xfrm>
+        </p:spPr>
+        <p:txBody>
+          <a:bodyPr>
+            <a:noAutofit/>
+          </a:bodyPr>
+          <a:lstStyle/>
+          <a:p>
+            <a:pPr marL="0" indent="0">
+              <a:buNone/>
+            </a:pPr>
+            <a:r>
+              <a:rPr lang="en-IN" sz="1800" dirty="0">
+                <a:solidFill>
+                  <a:srgbClr val="000000"/>
+                </a:solidFill>
+                <a:latin typeface="Cascadia Mono" panose="020B0609020000020004" pitchFamily="49" charset="0"/>
+              </a:rPr>
+              <a:t>        </a:t>
+            </a:r>
+            <a:r>
+              <a:rPr lang="en-IN" sz="1800" dirty="0">
+                <a:solidFill>
+                  <a:srgbClr val="AF00DB"/>
+                </a:solidFill>
+                <a:latin typeface="Cascadia Mono" panose="020B0609020000020004" pitchFamily="49" charset="0"/>
+              </a:rPr>
+              <a:t>if</a:t>
+            </a:r>
+            <a:r>
+              <a:rPr lang="en-IN" sz="1800" dirty="0">
+                <a:solidFill>
+                  <a:srgbClr val="000000"/>
+                </a:solidFill>
+                <a:latin typeface="Cascadia Mono" panose="020B0609020000020004" pitchFamily="49" charset="0"/>
+              </a:rPr>
+              <a:t> (</a:t>
+            </a:r>
+            <a:r>
+              <a:rPr lang="en-IN" sz="1800" dirty="0">
+                <a:solidFill>
+                  <a:srgbClr val="001080"/>
+                </a:solidFill>
+                <a:latin typeface="Cascadia Mono" panose="020B0609020000020004" pitchFamily="49" charset="0"/>
+              </a:rPr>
+              <a:t>array</a:t>
+            </a:r>
+            <a:r>
+              <a:rPr lang="en-IN" sz="1800" dirty="0">
+                <a:solidFill>
+                  <a:srgbClr val="000000"/>
+                </a:solidFill>
+                <a:latin typeface="Cascadia Mono" panose="020B0609020000020004" pitchFamily="49" charset="0"/>
+              </a:rPr>
+              <a:t>[</a:t>
+            </a:r>
+            <a:r>
+              <a:rPr lang="en-IN" sz="1800" dirty="0">
+                <a:solidFill>
+                  <a:srgbClr val="001080"/>
+                </a:solidFill>
+                <a:latin typeface="Cascadia Mono" panose="020B0609020000020004" pitchFamily="49" charset="0"/>
+              </a:rPr>
+              <a:t>index</a:t>
+            </a:r>
+            <a:r>
+              <a:rPr lang="en-IN" sz="1800" dirty="0">
+                <a:solidFill>
+                  <a:srgbClr val="000000"/>
+                </a:solidFill>
+                <a:latin typeface="Cascadia Mono" panose="020B0609020000020004" pitchFamily="49" charset="0"/>
+              </a:rPr>
+              <a:t>] &amp;&amp; </a:t>
+            </a:r>
+          </a:p>
+          <a:p>
+            <a:pPr marL="0" indent="0">
+              <a:buNone/>
+            </a:pPr>
+            <a:r>
+              <a:rPr lang="en-IN" sz="1800" dirty="0" err="1">
+                <a:solidFill>
+                  <a:srgbClr val="795E26"/>
+                </a:solidFill>
+                <a:latin typeface="Cascadia Mono" panose="020B0609020000020004" pitchFamily="49" charset="0"/>
+              </a:rPr>
+              <a:t>strcmp</a:t>
+            </a:r>
+            <a:r>
+              <a:rPr lang="en-IN" sz="1800" dirty="0">
+                <a:solidFill>
+                  <a:srgbClr val="000000"/>
+                </a:solidFill>
+                <a:latin typeface="Cascadia Mono" panose="020B0609020000020004" pitchFamily="49" charset="0"/>
+              </a:rPr>
+              <a:t>(</a:t>
+            </a:r>
+            <a:r>
+              <a:rPr lang="en-IN" sz="1800" dirty="0">
+                <a:solidFill>
+                  <a:srgbClr val="001080"/>
+                </a:solidFill>
+                <a:latin typeface="Cascadia Mono" panose="020B0609020000020004" pitchFamily="49" charset="0"/>
+              </a:rPr>
+              <a:t>array</a:t>
+            </a:r>
+            <a:r>
+              <a:rPr lang="en-IN" sz="1800" dirty="0">
+                <a:solidFill>
+                  <a:srgbClr val="000000"/>
+                </a:solidFill>
+                <a:latin typeface="Cascadia Mono" panose="020B0609020000020004" pitchFamily="49" charset="0"/>
+              </a:rPr>
+              <a:t>[</a:t>
+            </a:r>
+            <a:r>
+              <a:rPr lang="en-IN" sz="1800" dirty="0">
+                <a:solidFill>
+                  <a:srgbClr val="001080"/>
+                </a:solidFill>
+                <a:latin typeface="Cascadia Mono" panose="020B0609020000020004" pitchFamily="49" charset="0"/>
+              </a:rPr>
+              <a:t>index</a:t>
+            </a:r>
+            <a:r>
+              <a:rPr lang="en-IN" sz="1800" dirty="0">
+                <a:solidFill>
+                  <a:srgbClr val="000000"/>
+                </a:solidFill>
+                <a:latin typeface="Cascadia Mono" panose="020B0609020000020004" pitchFamily="49" charset="0"/>
+              </a:rPr>
+              <a:t>]-&gt;</a:t>
+            </a:r>
+            <a:r>
+              <a:rPr lang="en-IN" sz="1800" dirty="0">
+                <a:solidFill>
+                  <a:srgbClr val="001080"/>
+                </a:solidFill>
+                <a:latin typeface="Cascadia Mono" panose="020B0609020000020004" pitchFamily="49" charset="0"/>
+              </a:rPr>
+              <a:t>name</a:t>
+            </a:r>
+            <a:r>
+              <a:rPr lang="en-IN" sz="1800" dirty="0">
+                <a:solidFill>
+                  <a:srgbClr val="000000"/>
+                </a:solidFill>
+                <a:latin typeface="Cascadia Mono" panose="020B0609020000020004" pitchFamily="49" charset="0"/>
+              </a:rPr>
+              <a:t>, </a:t>
+            </a:r>
+            <a:r>
+              <a:rPr lang="en-IN" sz="1800" dirty="0">
+                <a:solidFill>
+                  <a:srgbClr val="001080"/>
+                </a:solidFill>
+                <a:latin typeface="Cascadia Mono" panose="020B0609020000020004" pitchFamily="49" charset="0"/>
+              </a:rPr>
+              <a:t>movie</a:t>
+            </a:r>
+          </a:p>
+          <a:p>
+            <a:pPr marL="0" indent="0">
+              <a:buNone/>
+            </a:pPr>
+            <a:r>
+              <a:rPr lang="en-IN" sz="1800" dirty="0">
+                <a:solidFill>
+                  <a:srgbClr val="000000"/>
+                </a:solidFill>
+                <a:latin typeface="Cascadia Mono" panose="020B0609020000020004" pitchFamily="49" charset="0"/>
+              </a:rPr>
+              <a:t>-&gt;</a:t>
+            </a:r>
+            <a:r>
+              <a:rPr lang="en-IN" sz="1800" dirty="0">
+                <a:solidFill>
+                  <a:srgbClr val="001080"/>
+                </a:solidFill>
+                <a:latin typeface="Cascadia Mono" panose="020B0609020000020004" pitchFamily="49" charset="0"/>
+              </a:rPr>
+              <a:t>name</a:t>
+            </a:r>
+            <a:r>
+              <a:rPr lang="en-IN" sz="1800" dirty="0">
+                <a:solidFill>
+                  <a:srgbClr val="000000"/>
+                </a:solidFill>
+                <a:latin typeface="Cascadia Mono" panose="020B0609020000020004" pitchFamily="49" charset="0"/>
+              </a:rPr>
+              <a:t>) == </a:t>
+            </a:r>
+            <a:r>
+              <a:rPr lang="en-IN" sz="1800" dirty="0">
+                <a:solidFill>
+                  <a:srgbClr val="098658"/>
+                </a:solidFill>
+                <a:latin typeface="Cascadia Mono" panose="020B0609020000020004" pitchFamily="49" charset="0"/>
+              </a:rPr>
+              <a:t>0</a:t>
+            </a:r>
+            <a:r>
+              <a:rPr lang="en-IN" sz="1800" dirty="0">
+                <a:solidFill>
+                  <a:srgbClr val="000000"/>
+                </a:solidFill>
+                <a:latin typeface="Cascadia Mono" panose="020B0609020000020004" pitchFamily="49" charset="0"/>
+              </a:rPr>
+              <a:t>) </a:t>
+            </a:r>
+            <a:r>
+              <a:rPr lang="en-IN" sz="1800" dirty="0">
+                <a:solidFill>
+                  <a:srgbClr val="AF00DB"/>
+                </a:solidFill>
+                <a:latin typeface="Cascadia Mono" panose="020B0609020000020004" pitchFamily="49" charset="0"/>
+              </a:rPr>
+              <a:t>return</a:t>
+            </a:r>
+            <a:r>
+              <a:rPr lang="en-IN" sz="1800" dirty="0">
+                <a:solidFill>
+                  <a:srgbClr val="000000"/>
+                </a:solidFill>
+                <a:latin typeface="Cascadia Mono" panose="020B0609020000020004" pitchFamily="49" charset="0"/>
+              </a:rPr>
+              <a:t> </a:t>
+            </a:r>
+            <a:r>
+              <a:rPr lang="en-IN" sz="1800" dirty="0">
+                <a:solidFill>
+                  <a:srgbClr val="0000FF"/>
+                </a:solidFill>
+                <a:latin typeface="Cascadia Mono" panose="020B0609020000020004" pitchFamily="49" charset="0"/>
+              </a:rPr>
+              <a:t>false</a:t>
+            </a:r>
+            <a:r>
+              <a:rPr lang="en-IN" sz="1800" dirty="0">
+                <a:solidFill>
+                  <a:srgbClr val="000000"/>
+                </a:solidFill>
+                <a:latin typeface="Cascadia Mono" panose="020B0609020000020004" pitchFamily="49" charset="0"/>
+              </a:rPr>
+              <a:t>;</a:t>
+            </a:r>
+          </a:p>
+          <a:p>
+            <a:pPr marL="0" indent="0">
+              <a:buNone/>
+            </a:pPr>
+            <a:r>
+              <a:rPr lang="en-IN" sz="1800" dirty="0">
+                <a:solidFill>
+                  <a:srgbClr val="000000"/>
+                </a:solidFill>
+                <a:latin typeface="Cascadia Mono" panose="020B0609020000020004" pitchFamily="49" charset="0"/>
+              </a:rPr>
+              <a:t>        </a:t>
+            </a:r>
+            <a:r>
+              <a:rPr lang="en-IN" sz="1800" dirty="0">
+                <a:solidFill>
+                  <a:srgbClr val="AF00DB"/>
+                </a:solidFill>
+                <a:latin typeface="Cascadia Mono" panose="020B0609020000020004" pitchFamily="49" charset="0"/>
+              </a:rPr>
+              <a:t>else</a:t>
+            </a:r>
+            <a:r>
+              <a:rPr lang="en-IN" sz="1800" dirty="0">
+                <a:solidFill>
+                  <a:srgbClr val="000000"/>
+                </a:solidFill>
+                <a:latin typeface="Cascadia Mono" panose="020B0609020000020004" pitchFamily="49" charset="0"/>
+              </a:rPr>
+              <a:t> </a:t>
+            </a:r>
+            <a:r>
+              <a:rPr lang="en-IN" sz="1800" dirty="0">
+                <a:solidFill>
+                  <a:srgbClr val="AF00DB"/>
+                </a:solidFill>
+                <a:latin typeface="Cascadia Mono" panose="020B0609020000020004" pitchFamily="49" charset="0"/>
+              </a:rPr>
+              <a:t>if</a:t>
+            </a:r>
+            <a:r>
+              <a:rPr lang="en-IN" sz="1800" dirty="0">
+                <a:solidFill>
+                  <a:srgbClr val="000000"/>
+                </a:solidFill>
+                <a:latin typeface="Cascadia Mono" panose="020B0609020000020004" pitchFamily="49" charset="0"/>
+              </a:rPr>
+              <a:t> (!</a:t>
+            </a:r>
+            <a:r>
+              <a:rPr lang="en-IN" sz="1800" dirty="0">
+                <a:solidFill>
+                  <a:srgbClr val="001080"/>
+                </a:solidFill>
+                <a:latin typeface="Cascadia Mono" panose="020B0609020000020004" pitchFamily="49" charset="0"/>
+              </a:rPr>
+              <a:t>array</a:t>
+            </a:r>
+            <a:r>
+              <a:rPr lang="en-IN" sz="1800" dirty="0">
+                <a:solidFill>
+                  <a:srgbClr val="000000"/>
+                </a:solidFill>
+                <a:latin typeface="Cascadia Mono" panose="020B0609020000020004" pitchFamily="49" charset="0"/>
+              </a:rPr>
+              <a:t>[</a:t>
+            </a:r>
+            <a:r>
+              <a:rPr lang="en-IN" sz="1800" dirty="0">
+                <a:solidFill>
+                  <a:srgbClr val="001080"/>
+                </a:solidFill>
+                <a:latin typeface="Cascadia Mono" panose="020B0609020000020004" pitchFamily="49" charset="0"/>
+              </a:rPr>
+              <a:t>index</a:t>
+            </a:r>
+            <a:r>
+              <a:rPr lang="en-IN" sz="1800" dirty="0">
+                <a:solidFill>
+                  <a:srgbClr val="000000"/>
+                </a:solidFill>
+                <a:latin typeface="Cascadia Mono" panose="020B0609020000020004" pitchFamily="49" charset="0"/>
+              </a:rPr>
+              <a:t>]) {</a:t>
+            </a:r>
+          </a:p>
+          <a:p>
+            <a:pPr marL="0" indent="0">
+              <a:buNone/>
+            </a:pPr>
+            <a:r>
+              <a:rPr lang="en-IN" sz="1800" dirty="0">
+                <a:solidFill>
+                  <a:srgbClr val="000000"/>
+                </a:solidFill>
+                <a:latin typeface="Cascadia Mono" panose="020B0609020000020004" pitchFamily="49" charset="0"/>
+              </a:rPr>
+              <a:t>            </a:t>
+            </a:r>
+            <a:r>
+              <a:rPr lang="en-IN" sz="1800" dirty="0">
+                <a:solidFill>
+                  <a:srgbClr val="001080"/>
+                </a:solidFill>
+                <a:latin typeface="Cascadia Mono" panose="020B0609020000020004" pitchFamily="49" charset="0"/>
+              </a:rPr>
+              <a:t>array</a:t>
+            </a:r>
+            <a:r>
+              <a:rPr lang="en-IN" sz="1800" dirty="0">
+                <a:solidFill>
+                  <a:srgbClr val="000000"/>
+                </a:solidFill>
+                <a:latin typeface="Cascadia Mono" panose="020B0609020000020004" pitchFamily="49" charset="0"/>
+              </a:rPr>
+              <a:t>[</a:t>
+            </a:r>
+            <a:r>
+              <a:rPr lang="en-IN" sz="1800" dirty="0">
+                <a:solidFill>
+                  <a:srgbClr val="001080"/>
+                </a:solidFill>
+                <a:latin typeface="Cascadia Mono" panose="020B0609020000020004" pitchFamily="49" charset="0"/>
+              </a:rPr>
+              <a:t>index</a:t>
+            </a:r>
+            <a:r>
+              <a:rPr lang="en-IN" sz="1800" dirty="0">
+                <a:solidFill>
+                  <a:srgbClr val="000000"/>
+                </a:solidFill>
+                <a:latin typeface="Cascadia Mono" panose="020B0609020000020004" pitchFamily="49" charset="0"/>
+              </a:rPr>
+              <a:t>] = </a:t>
+            </a:r>
+            <a:r>
+              <a:rPr lang="en-IN" sz="1800" dirty="0">
+                <a:solidFill>
+                  <a:srgbClr val="001080"/>
+                </a:solidFill>
+                <a:latin typeface="Cascadia Mono" panose="020B0609020000020004" pitchFamily="49" charset="0"/>
+              </a:rPr>
+              <a:t>movie</a:t>
+            </a:r>
+            <a:r>
+              <a:rPr lang="en-IN" sz="1800" dirty="0">
+                <a:solidFill>
+                  <a:srgbClr val="000000"/>
+                </a:solidFill>
+                <a:latin typeface="Cascadia Mono" panose="020B0609020000020004" pitchFamily="49" charset="0"/>
+              </a:rPr>
+              <a:t>;</a:t>
+            </a:r>
+          </a:p>
+          <a:p>
+            <a:pPr marL="0" indent="0">
+              <a:buNone/>
+            </a:pPr>
+            <a:r>
+              <a:rPr lang="en-IN" sz="1800" dirty="0">
+                <a:solidFill>
+                  <a:srgbClr val="000000"/>
+                </a:solidFill>
+                <a:latin typeface="Cascadia Mono" panose="020B0609020000020004" pitchFamily="49" charset="0"/>
+              </a:rPr>
+              <a:t>            ++</a:t>
+            </a:r>
+            <a:r>
+              <a:rPr lang="en-IN" sz="1800" dirty="0">
+                <a:solidFill>
+                  <a:srgbClr val="001080"/>
+                </a:solidFill>
+                <a:latin typeface="Cascadia Mono" panose="020B0609020000020004" pitchFamily="49" charset="0"/>
+              </a:rPr>
+              <a:t>table</a:t>
+            </a:r>
+            <a:r>
+              <a:rPr lang="en-IN" sz="1800" dirty="0">
+                <a:solidFill>
+                  <a:srgbClr val="000000"/>
+                </a:solidFill>
+                <a:latin typeface="Cascadia Mono" panose="020B0609020000020004" pitchFamily="49" charset="0"/>
+              </a:rPr>
+              <a:t>-&gt;</a:t>
+            </a:r>
+            <a:r>
+              <a:rPr lang="en-IN" sz="1800" dirty="0">
+                <a:solidFill>
+                  <a:srgbClr val="001080"/>
+                </a:solidFill>
+                <a:latin typeface="Cascadia Mono" panose="020B0609020000020004" pitchFamily="49" charset="0"/>
+              </a:rPr>
+              <a:t>length</a:t>
+            </a:r>
+            <a:r>
+              <a:rPr lang="en-IN" sz="1800" dirty="0">
+                <a:solidFill>
+                  <a:srgbClr val="000000"/>
+                </a:solidFill>
+                <a:latin typeface="Cascadia Mono" panose="020B0609020000020004" pitchFamily="49" charset="0"/>
+              </a:rPr>
+              <a:t>;</a:t>
+            </a:r>
+          </a:p>
+          <a:p>
+            <a:pPr marL="0" indent="0">
+              <a:buNone/>
+            </a:pPr>
+            <a:r>
+              <a:rPr lang="en-IN" sz="1800" dirty="0">
+                <a:solidFill>
+                  <a:srgbClr val="000000"/>
+                </a:solidFill>
+                <a:latin typeface="Cascadia Mono" panose="020B0609020000020004" pitchFamily="49" charset="0"/>
+              </a:rPr>
+              <a:t>            </a:t>
+            </a:r>
+            <a:r>
+              <a:rPr lang="en-IN" sz="1800" dirty="0">
+                <a:solidFill>
+                  <a:srgbClr val="AF00DB"/>
+                </a:solidFill>
+                <a:latin typeface="Cascadia Mono" panose="020B0609020000020004" pitchFamily="49" charset="0"/>
+              </a:rPr>
+              <a:t>return</a:t>
+            </a:r>
+            <a:r>
+              <a:rPr lang="en-IN" sz="1800" dirty="0">
+                <a:solidFill>
+                  <a:srgbClr val="000000"/>
+                </a:solidFill>
+                <a:latin typeface="Cascadia Mono" panose="020B0609020000020004" pitchFamily="49" charset="0"/>
+              </a:rPr>
+              <a:t> </a:t>
+            </a:r>
+            <a:r>
+              <a:rPr lang="en-IN" sz="1800" dirty="0">
+                <a:solidFill>
+                  <a:srgbClr val="0000FF"/>
+                </a:solidFill>
+                <a:latin typeface="Cascadia Mono" panose="020B0609020000020004" pitchFamily="49" charset="0"/>
+              </a:rPr>
+              <a:t>true</a:t>
+            </a:r>
+            <a:r>
+              <a:rPr lang="en-IN" sz="1800" dirty="0">
+                <a:solidFill>
+                  <a:srgbClr val="000000"/>
+                </a:solidFill>
+                <a:latin typeface="Cascadia Mono" panose="020B0609020000020004" pitchFamily="49" charset="0"/>
+              </a:rPr>
+              <a:t>;</a:t>
+            </a:r>
+          </a:p>
+          <a:p>
+            <a:pPr marL="0" indent="0">
+              <a:buNone/>
+            </a:pPr>
+            <a:r>
+              <a:rPr lang="en-IN" sz="1800" dirty="0">
+                <a:solidFill>
+                  <a:srgbClr val="000000"/>
+                </a:solidFill>
+                <a:latin typeface="Cascadia Mono" panose="020B0609020000020004" pitchFamily="49" charset="0"/>
+              </a:rPr>
+              <a:t>        }</a:t>
+            </a:r>
+          </a:p>
+          <a:p>
+            <a:pPr marL="0" indent="0">
+              <a:buNone/>
+            </a:pPr>
+            <a:r>
+              <a:rPr lang="en-IN" sz="1800" dirty="0">
+                <a:solidFill>
+                  <a:srgbClr val="000000"/>
+                </a:solidFill>
+                <a:latin typeface="Cascadia Mono" panose="020B0609020000020004" pitchFamily="49" charset="0"/>
+              </a:rPr>
+              <a:t>    }</a:t>
+            </a:r>
+          </a:p>
+          <a:p>
+            <a:pPr marL="0" indent="0">
+              <a:buNone/>
+            </a:pPr>
+            <a:r>
+              <a:rPr lang="en-IN" sz="1800" dirty="0">
+                <a:solidFill>
+                  <a:srgbClr val="000000"/>
+                </a:solidFill>
+                <a:latin typeface="Cascadia Mono" panose="020B0609020000020004" pitchFamily="49" charset="0"/>
+              </a:rPr>
+              <a:t>    </a:t>
+            </a:r>
+            <a:r>
+              <a:rPr lang="en-IN" sz="1800" dirty="0">
+                <a:solidFill>
+                  <a:srgbClr val="AF00DB"/>
+                </a:solidFill>
+                <a:latin typeface="Cascadia Mono" panose="020B0609020000020004" pitchFamily="49" charset="0"/>
+              </a:rPr>
+              <a:t>return</a:t>
+            </a:r>
+            <a:r>
+              <a:rPr lang="en-IN" sz="1800" dirty="0">
+                <a:solidFill>
+                  <a:srgbClr val="000000"/>
+                </a:solidFill>
+                <a:latin typeface="Cascadia Mono" panose="020B0609020000020004" pitchFamily="49" charset="0"/>
+              </a:rPr>
+              <a:t> </a:t>
+            </a:r>
+            <a:r>
+              <a:rPr lang="en-IN" sz="1800" dirty="0">
+                <a:solidFill>
+                  <a:srgbClr val="0000FF"/>
+                </a:solidFill>
+                <a:latin typeface="Cascadia Mono" panose="020B0609020000020004" pitchFamily="49" charset="0"/>
+              </a:rPr>
+              <a:t>false</a:t>
+            </a:r>
+            <a:r>
+              <a:rPr lang="en-IN" sz="1800" dirty="0">
+                <a:solidFill>
+                  <a:srgbClr val="000000"/>
+                </a:solidFill>
+                <a:latin typeface="Cascadia Mono" panose="020B0609020000020004" pitchFamily="49" charset="0"/>
+              </a:rPr>
+              <a:t>;</a:t>
+            </a:r>
+          </a:p>
+          <a:p>
+            <a:pPr marL="0" indent="0">
+              <a:buNone/>
+            </a:pPr>
+            <a:r>
+              <a:rPr lang="en-IN" sz="1800" dirty="0">
+                <a:solidFill>
+                  <a:srgbClr val="000000"/>
+                </a:solidFill>
+                <a:latin typeface="Cascadia Mono" panose="020B0609020000020004" pitchFamily="49" charset="0"/>
+              </a:rPr>
+              <a:t>}</a:t>
+            </a:r>
+          </a:p>
+          <a:p>
+            <a:endParaRPr lang="en-IN" sz="1800" dirty="0"/>
+          </a:p>
+        </p:txBody>
+      </p:sp>
+      <p:sp>
+        <p:nvSpPr>
+          <p:cNvPr id="10" name="Content Placeholder 2">
+            <a:extLst>
+              <a:ext uri="{FF2B5EF4-FFF2-40B4-BE49-F238E27FC236}">
+                <a16:creationId xmlns:a16="http://schemas.microsoft.com/office/drawing/2014/main" id="{47D481D3-6388-0A16-51B7-CC51B0C33863}"/>
+              </a:ext>
+            </a:extLst>
+          </p:cNvPr>
+          <p:cNvSpPr txBox="1">
+            <a:spLocks/>
+          </p:cNvSpPr>
+          <p:nvPr/>
+        </p:nvSpPr>
+        <p:spPr>
+          <a:xfrm>
+            <a:off x="838199" y="1825623"/>
+            <a:ext cx="5181600" cy="4667250"/>
+          </a:xfrm>
+          <a:prstGeom prst="rect">
+            <a:avLst/>
+          </a:prstGeom>
+        </p:spPr>
+        <p:txBody>
+          <a:bodyPr vert="horz" lIns="91440" tIns="45720" rIns="91440" bIns="45720" rtlCol="0">
+            <a:noAutofit/>
+          </a:bodyPr>
+          <a:lstStyle>
+            <a:lvl1pPr marL="228600" indent="-228600" algn="l" defTabSz="914400" rtl="0" eaLnBrk="1" latinLnBrk="0" hangingPunct="1">
+              <a:lnSpc>
+                <a:spcPct val="90000"/>
+              </a:lnSpc>
+              <a:spcBef>
+                <a:spcPts val="1000"/>
+              </a:spcBef>
+              <a:buFont typeface="Arial" panose="020B0604020202020204" pitchFamily="34" charset="0"/>
+              <a:buChar char="•"/>
+              <a:defRPr sz="2800" kern="1200">
+                <a:solidFill>
+                  <a:schemeClr val="tx1"/>
+                </a:solidFill>
+                <a:latin typeface="+mn-lt"/>
+                <a:ea typeface="+mn-ea"/>
+                <a:cs typeface="+mn-cs"/>
+              </a:defRPr>
+            </a:lvl1pPr>
+            <a:lvl2pPr marL="685800" indent="-228600" algn="l" defTabSz="914400" rtl="0" eaLnBrk="1" latinLnBrk="0" hangingPunct="1">
+              <a:lnSpc>
+                <a:spcPct val="90000"/>
+              </a:lnSpc>
+              <a:spcBef>
+                <a:spcPts val="500"/>
+              </a:spcBef>
+              <a:buFont typeface="Arial" panose="020B0604020202020204" pitchFamily="34" charset="0"/>
+              <a:buChar char="•"/>
+              <a:defRPr sz="2400" kern="1200">
+                <a:solidFill>
+                  <a:schemeClr val="tx1"/>
+                </a:solidFill>
+                <a:latin typeface="+mn-lt"/>
+                <a:ea typeface="+mn-ea"/>
+                <a:cs typeface="+mn-cs"/>
+              </a:defRPr>
+            </a:lvl2pPr>
+            <a:lvl3pPr marL="1143000" indent="-228600" algn="l" defTabSz="914400" rtl="0" eaLnBrk="1" latinLnBrk="0" hangingPunct="1">
+              <a:lnSpc>
+                <a:spcPct val="90000"/>
+              </a:lnSpc>
+              <a:spcBef>
+                <a:spcPts val="500"/>
+              </a:spcBef>
+              <a:buFont typeface="Arial" panose="020B0604020202020204" pitchFamily="34" charset="0"/>
+              <a:buChar char="•"/>
+              <a:defRPr sz="2000" kern="1200">
+                <a:solidFill>
+                  <a:schemeClr val="tx1"/>
+                </a:solidFill>
+                <a:latin typeface="+mn-lt"/>
+                <a:ea typeface="+mn-ea"/>
+                <a:cs typeface="+mn-cs"/>
+              </a:defRPr>
+            </a:lvl3pPr>
+            <a:lvl4pPr marL="1600200" indent="-228600" algn="l" defTabSz="914400" rtl="0" eaLnBrk="1" latinLnBrk="0" hangingPunct="1">
+              <a:lnSpc>
+                <a:spcPct val="90000"/>
+              </a:lnSpc>
+              <a:spcBef>
+                <a:spcPts val="500"/>
+              </a:spcBef>
+              <a:buFont typeface="Arial" panose="020B0604020202020204" pitchFamily="34" charset="0"/>
+              <a:buChar char="•"/>
+              <a:defRPr sz="1800" kern="1200">
+                <a:solidFill>
+                  <a:schemeClr val="tx1"/>
+                </a:solidFill>
+                <a:latin typeface="+mn-lt"/>
+                <a:ea typeface="+mn-ea"/>
+                <a:cs typeface="+mn-cs"/>
+              </a:defRPr>
+            </a:lvl4pPr>
+            <a:lvl5pPr marL="2057400" indent="-228600" algn="l" defTabSz="914400" rtl="0" eaLnBrk="1" latinLnBrk="0" hangingPunct="1">
+              <a:lnSpc>
+                <a:spcPct val="90000"/>
+              </a:lnSpc>
+              <a:spcBef>
+                <a:spcPts val="500"/>
+              </a:spcBef>
+              <a:buFont typeface="Arial" panose="020B0604020202020204" pitchFamily="34" charset="0"/>
+              <a:buChar char="•"/>
+              <a:defRPr sz="1800" kern="1200">
+                <a:solidFill>
+                  <a:schemeClr val="tx1"/>
+                </a:solidFill>
+                <a:latin typeface="+mn-lt"/>
+                <a:ea typeface="+mn-ea"/>
+                <a:cs typeface="+mn-cs"/>
+              </a:defRPr>
+            </a:lvl5pPr>
+            <a:lvl6pPr marL="2514600" indent="-228600" algn="l" defTabSz="914400" rtl="0" eaLnBrk="1" latinLnBrk="0" hangingPunct="1">
+              <a:lnSpc>
+                <a:spcPct val="90000"/>
+              </a:lnSpc>
+              <a:spcBef>
+                <a:spcPts val="500"/>
+              </a:spcBef>
+              <a:buFont typeface="Arial" panose="020B0604020202020204" pitchFamily="34" charset="0"/>
+              <a:buChar char="•"/>
+              <a:defRPr sz="1800" kern="1200">
+                <a:solidFill>
+                  <a:schemeClr val="tx1"/>
+                </a:solidFill>
+                <a:latin typeface="+mn-lt"/>
+                <a:ea typeface="+mn-ea"/>
+                <a:cs typeface="+mn-cs"/>
+              </a:defRPr>
+            </a:lvl6pPr>
+            <a:lvl7pPr marL="2971800" indent="-228600" algn="l" defTabSz="914400" rtl="0" eaLnBrk="1" latinLnBrk="0" hangingPunct="1">
+              <a:lnSpc>
+                <a:spcPct val="90000"/>
+              </a:lnSpc>
+              <a:spcBef>
+                <a:spcPts val="500"/>
+              </a:spcBef>
+              <a:buFont typeface="Arial" panose="020B0604020202020204" pitchFamily="34" charset="0"/>
+              <a:buChar char="•"/>
+              <a:defRPr sz="1800" kern="1200">
+                <a:solidFill>
+                  <a:schemeClr val="tx1"/>
+                </a:solidFill>
+                <a:latin typeface="+mn-lt"/>
+                <a:ea typeface="+mn-ea"/>
+                <a:cs typeface="+mn-cs"/>
+              </a:defRPr>
+            </a:lvl7pPr>
+            <a:lvl8pPr marL="3429000" indent="-228600" algn="l" defTabSz="914400" rtl="0" eaLnBrk="1" latinLnBrk="0" hangingPunct="1">
+              <a:lnSpc>
+                <a:spcPct val="90000"/>
+              </a:lnSpc>
+              <a:spcBef>
+                <a:spcPts val="500"/>
+              </a:spcBef>
+              <a:buFont typeface="Arial" panose="020B0604020202020204" pitchFamily="34" charset="0"/>
+              <a:buChar char="•"/>
+              <a:defRPr sz="1800" kern="1200">
+                <a:solidFill>
+                  <a:schemeClr val="tx1"/>
+                </a:solidFill>
+                <a:latin typeface="+mn-lt"/>
+                <a:ea typeface="+mn-ea"/>
+                <a:cs typeface="+mn-cs"/>
+              </a:defRPr>
+            </a:lvl8pPr>
+            <a:lvl9pPr marL="3886200" indent="-228600" algn="l" defTabSz="914400" rtl="0" eaLnBrk="1" latinLnBrk="0" hangingPunct="1">
+              <a:lnSpc>
+                <a:spcPct val="90000"/>
+              </a:lnSpc>
+              <a:spcBef>
+                <a:spcPts val="500"/>
+              </a:spcBef>
+              <a:buFont typeface="Arial" panose="020B0604020202020204" pitchFamily="34" charset="0"/>
+              <a:buChar char="•"/>
+              <a:defRPr sz="1800" kern="1200">
+                <a:solidFill>
+                  <a:schemeClr val="tx1"/>
+                </a:solidFill>
+                <a:latin typeface="+mn-lt"/>
+                <a:ea typeface="+mn-ea"/>
+                <a:cs typeface="+mn-cs"/>
+              </a:defRPr>
+            </a:lvl9pPr>
+          </a:lstStyle>
+          <a:p>
+            <a:pPr marL="0" indent="0">
+              <a:buFont typeface="Arial" panose="020B0604020202020204" pitchFamily="34" charset="0"/>
+              <a:buNone/>
+            </a:pPr>
+            <a:r>
+              <a:rPr lang="en-IN" sz="1800" dirty="0">
+                <a:solidFill>
+                  <a:srgbClr val="0000FF"/>
+                </a:solidFill>
+                <a:latin typeface="Cascadia Mono" panose="020B0609020000020004" pitchFamily="49" charset="0"/>
+              </a:rPr>
+              <a:t>bool</a:t>
+            </a:r>
+            <a:r>
+              <a:rPr lang="en-IN" sz="1800" dirty="0">
+                <a:solidFill>
+                  <a:srgbClr val="000000"/>
+                </a:solidFill>
+                <a:latin typeface="Cascadia Mono" panose="020B0609020000020004" pitchFamily="49" charset="0"/>
+              </a:rPr>
+              <a:t> </a:t>
+            </a:r>
+            <a:r>
+              <a:rPr lang="en-IN" sz="1800" dirty="0" err="1">
+                <a:solidFill>
+                  <a:srgbClr val="795E26"/>
+                </a:solidFill>
+                <a:latin typeface="Cascadia Mono" panose="020B0609020000020004" pitchFamily="49" charset="0"/>
+              </a:rPr>
+              <a:t>hash_insert</a:t>
+            </a:r>
+            <a:r>
+              <a:rPr lang="en-IN" sz="1800" dirty="0">
+                <a:solidFill>
+                  <a:srgbClr val="000000"/>
+                </a:solidFill>
+                <a:latin typeface="Cascadia Mono" panose="020B0609020000020004" pitchFamily="49" charset="0"/>
+              </a:rPr>
+              <a:t>(</a:t>
+            </a:r>
+            <a:r>
+              <a:rPr lang="en-IN" sz="1800" dirty="0" err="1">
+                <a:solidFill>
+                  <a:srgbClr val="267F99"/>
+                </a:solidFill>
+                <a:latin typeface="Cascadia Mono" panose="020B0609020000020004" pitchFamily="49" charset="0"/>
+              </a:rPr>
+              <a:t>HashTable</a:t>
+            </a:r>
+            <a:r>
+              <a:rPr lang="en-IN" sz="1800" dirty="0">
+                <a:solidFill>
+                  <a:srgbClr val="000000"/>
+                </a:solidFill>
+                <a:latin typeface="Cascadia Mono" panose="020B0609020000020004" pitchFamily="49" charset="0"/>
+              </a:rPr>
+              <a:t> *</a:t>
+            </a:r>
+            <a:r>
+              <a:rPr lang="en-IN" sz="1800" dirty="0">
+                <a:solidFill>
+                  <a:srgbClr val="001080"/>
+                </a:solidFill>
+                <a:latin typeface="Cascadia Mono" panose="020B0609020000020004" pitchFamily="49" charset="0"/>
+              </a:rPr>
+              <a:t>table</a:t>
+            </a:r>
+            <a:r>
+              <a:rPr lang="en-IN" sz="1800" dirty="0">
+                <a:solidFill>
+                  <a:srgbClr val="000000"/>
+                </a:solidFill>
+                <a:latin typeface="Cascadia Mono" panose="020B0609020000020004" pitchFamily="49" charset="0"/>
+              </a:rPr>
+              <a:t>, </a:t>
+            </a:r>
+          </a:p>
+          <a:p>
+            <a:pPr marL="0" indent="0">
+              <a:buFont typeface="Arial" panose="020B0604020202020204" pitchFamily="34" charset="0"/>
+              <a:buNone/>
+            </a:pPr>
+            <a:r>
+              <a:rPr lang="en-IN" sz="1800" dirty="0">
+                <a:solidFill>
+                  <a:srgbClr val="267F99"/>
+                </a:solidFill>
+                <a:latin typeface="Cascadia Mono" panose="020B0609020000020004" pitchFamily="49" charset="0"/>
+              </a:rPr>
+              <a:t>Movie</a:t>
+            </a:r>
+            <a:r>
+              <a:rPr lang="en-IN" sz="1800" dirty="0">
+                <a:solidFill>
+                  <a:srgbClr val="000000"/>
+                </a:solidFill>
+                <a:latin typeface="Cascadia Mono" panose="020B0609020000020004" pitchFamily="49" charset="0"/>
+              </a:rPr>
+              <a:t> *</a:t>
+            </a:r>
+            <a:r>
+              <a:rPr lang="en-IN" sz="1800" dirty="0">
+                <a:solidFill>
+                  <a:srgbClr val="001080"/>
+                </a:solidFill>
+                <a:latin typeface="Cascadia Mono" panose="020B0609020000020004" pitchFamily="49" charset="0"/>
+              </a:rPr>
+              <a:t>movie</a:t>
+            </a:r>
+            <a:r>
+              <a:rPr lang="en-IN" sz="1800" dirty="0">
+                <a:solidFill>
+                  <a:srgbClr val="000000"/>
+                </a:solidFill>
+                <a:latin typeface="Cascadia Mono" panose="020B0609020000020004" pitchFamily="49" charset="0"/>
+              </a:rPr>
+              <a:t>)</a:t>
+            </a:r>
+          </a:p>
+          <a:p>
+            <a:pPr marL="0" indent="0">
+              <a:buFont typeface="Arial" panose="020B0604020202020204" pitchFamily="34" charset="0"/>
+              <a:buNone/>
+            </a:pPr>
+            <a:r>
+              <a:rPr lang="en-IN" sz="1800" dirty="0">
+                <a:solidFill>
+                  <a:srgbClr val="000000"/>
+                </a:solidFill>
+                <a:latin typeface="Cascadia Mono" panose="020B0609020000020004" pitchFamily="49" charset="0"/>
+              </a:rPr>
+              <a:t>{</a:t>
+            </a:r>
+          </a:p>
+          <a:p>
+            <a:pPr marL="0" indent="0">
+              <a:buFont typeface="Arial" panose="020B0604020202020204" pitchFamily="34" charset="0"/>
+              <a:buNone/>
+            </a:pPr>
+            <a:r>
+              <a:rPr lang="en-IN" sz="1800" dirty="0">
+                <a:solidFill>
+                  <a:srgbClr val="000000"/>
+                </a:solidFill>
+                <a:latin typeface="Cascadia Mono" panose="020B0609020000020004" pitchFamily="49" charset="0"/>
+              </a:rPr>
+              <a:t>    </a:t>
+            </a:r>
+            <a:r>
+              <a:rPr lang="en-IN" sz="1800" dirty="0">
+                <a:solidFill>
+                  <a:srgbClr val="AF00DB"/>
+                </a:solidFill>
+                <a:latin typeface="Cascadia Mono" panose="020B0609020000020004" pitchFamily="49" charset="0"/>
+              </a:rPr>
+              <a:t>if</a:t>
+            </a:r>
+            <a:r>
+              <a:rPr lang="en-IN" sz="1800" dirty="0">
+                <a:solidFill>
+                  <a:srgbClr val="000000"/>
+                </a:solidFill>
+                <a:latin typeface="Cascadia Mono" panose="020B0609020000020004" pitchFamily="49" charset="0"/>
+              </a:rPr>
+              <a:t> (</a:t>
+            </a:r>
+            <a:r>
+              <a:rPr lang="en-IN" sz="1800" dirty="0">
+                <a:solidFill>
+                  <a:srgbClr val="001080"/>
+                </a:solidFill>
+                <a:latin typeface="Cascadia Mono" panose="020B0609020000020004" pitchFamily="49" charset="0"/>
+              </a:rPr>
+              <a:t>table</a:t>
+            </a:r>
+            <a:r>
+              <a:rPr lang="en-IN" sz="1800" dirty="0">
+                <a:solidFill>
+                  <a:srgbClr val="000000"/>
+                </a:solidFill>
+                <a:latin typeface="Cascadia Mono" panose="020B0609020000020004" pitchFamily="49" charset="0"/>
+              </a:rPr>
+              <a:t>-&gt;</a:t>
+            </a:r>
+            <a:r>
+              <a:rPr lang="en-IN" sz="1800" dirty="0">
+                <a:solidFill>
+                  <a:srgbClr val="001080"/>
+                </a:solidFill>
+                <a:latin typeface="Cascadia Mono" panose="020B0609020000020004" pitchFamily="49" charset="0"/>
+              </a:rPr>
+              <a:t>length</a:t>
+            </a:r>
+            <a:r>
+              <a:rPr lang="en-IN" sz="1800" dirty="0">
+                <a:solidFill>
+                  <a:srgbClr val="000000"/>
+                </a:solidFill>
+                <a:latin typeface="Cascadia Mono" panose="020B0609020000020004" pitchFamily="49" charset="0"/>
+              </a:rPr>
+              <a:t> &gt;= </a:t>
+            </a:r>
+          </a:p>
+          <a:p>
+            <a:pPr marL="0" indent="0">
+              <a:buFont typeface="Arial" panose="020B0604020202020204" pitchFamily="34" charset="0"/>
+              <a:buNone/>
+            </a:pPr>
+            <a:r>
+              <a:rPr lang="en-IN" sz="1800" dirty="0">
+                <a:solidFill>
+                  <a:srgbClr val="0000FF"/>
+                </a:solidFill>
+                <a:latin typeface="Cascadia Mono" panose="020B0609020000020004" pitchFamily="49" charset="0"/>
+              </a:rPr>
+              <a:t>LOAD_FACTOR</a:t>
+            </a:r>
+            <a:r>
+              <a:rPr lang="en-IN" sz="1800" dirty="0">
+                <a:solidFill>
+                  <a:srgbClr val="000000"/>
+                </a:solidFill>
+                <a:latin typeface="Cascadia Mono" panose="020B0609020000020004" pitchFamily="49" charset="0"/>
+              </a:rPr>
+              <a:t>*</a:t>
+            </a:r>
+            <a:r>
+              <a:rPr lang="en-IN" sz="1800" dirty="0">
+                <a:solidFill>
+                  <a:srgbClr val="0000FF"/>
+                </a:solidFill>
+                <a:latin typeface="Cascadia Mono" panose="020B0609020000020004" pitchFamily="49" charset="0"/>
+              </a:rPr>
+              <a:t>TABLE_SIZE</a:t>
+            </a:r>
+            <a:r>
+              <a:rPr lang="en-IN" sz="1800" dirty="0">
+                <a:solidFill>
+                  <a:srgbClr val="000000"/>
+                </a:solidFill>
+                <a:latin typeface="Cascadia Mono" panose="020B0609020000020004" pitchFamily="49" charset="0"/>
+              </a:rPr>
+              <a:t>) </a:t>
+            </a:r>
+            <a:r>
+              <a:rPr lang="en-IN" sz="1800" dirty="0">
+                <a:solidFill>
+                  <a:srgbClr val="AF00DB"/>
+                </a:solidFill>
+                <a:latin typeface="Cascadia Mono" panose="020B0609020000020004" pitchFamily="49" charset="0"/>
+              </a:rPr>
+              <a:t>return</a:t>
+            </a:r>
+            <a:r>
+              <a:rPr lang="en-IN" sz="1800" dirty="0">
+                <a:solidFill>
+                  <a:srgbClr val="000000"/>
+                </a:solidFill>
+                <a:latin typeface="Cascadia Mono" panose="020B0609020000020004" pitchFamily="49" charset="0"/>
+              </a:rPr>
+              <a:t> </a:t>
+            </a:r>
+            <a:r>
+              <a:rPr lang="en-IN" sz="1800" dirty="0">
+                <a:solidFill>
+                  <a:srgbClr val="0000FF"/>
+                </a:solidFill>
+                <a:latin typeface="Cascadia Mono" panose="020B0609020000020004" pitchFamily="49" charset="0"/>
+              </a:rPr>
+              <a:t>false</a:t>
+            </a:r>
+            <a:r>
+              <a:rPr lang="en-IN" sz="1800" dirty="0">
+                <a:solidFill>
+                  <a:srgbClr val="000000"/>
+                </a:solidFill>
+                <a:latin typeface="Cascadia Mono" panose="020B0609020000020004" pitchFamily="49" charset="0"/>
+              </a:rPr>
+              <a:t>;</a:t>
+            </a:r>
+          </a:p>
+          <a:p>
+            <a:pPr marL="0" indent="0">
+              <a:buFont typeface="Arial" panose="020B0604020202020204" pitchFamily="34" charset="0"/>
+              <a:buNone/>
+            </a:pPr>
+            <a:r>
+              <a:rPr lang="en-IN" sz="1800" dirty="0">
+                <a:solidFill>
+                  <a:srgbClr val="000000"/>
+                </a:solidFill>
+                <a:latin typeface="Cascadia Mono" panose="020B0609020000020004" pitchFamily="49" charset="0"/>
+              </a:rPr>
+              <a:t>    </a:t>
+            </a:r>
+            <a:r>
+              <a:rPr lang="en-IN" sz="1800" dirty="0" err="1">
+                <a:solidFill>
+                  <a:srgbClr val="267F99"/>
+                </a:solidFill>
+                <a:latin typeface="Cascadia Mono" panose="020B0609020000020004" pitchFamily="49" charset="0"/>
+              </a:rPr>
+              <a:t>uint</a:t>
+            </a:r>
+            <a:r>
+              <a:rPr lang="en-IN" sz="1800" dirty="0">
+                <a:solidFill>
+                  <a:srgbClr val="000000"/>
+                </a:solidFill>
+                <a:latin typeface="Cascadia Mono" panose="020B0609020000020004" pitchFamily="49" charset="0"/>
+              </a:rPr>
+              <a:t> </a:t>
+            </a:r>
+            <a:r>
+              <a:rPr lang="en-IN" sz="1800" dirty="0">
+                <a:solidFill>
+                  <a:srgbClr val="001080"/>
+                </a:solidFill>
+                <a:latin typeface="Cascadia Mono" panose="020B0609020000020004" pitchFamily="49" charset="0"/>
+              </a:rPr>
+              <a:t>hash</a:t>
+            </a:r>
+            <a:r>
+              <a:rPr lang="en-IN" sz="1800" dirty="0">
+                <a:solidFill>
+                  <a:srgbClr val="000000"/>
+                </a:solidFill>
+                <a:latin typeface="Cascadia Mono" panose="020B0609020000020004" pitchFamily="49" charset="0"/>
+              </a:rPr>
+              <a:t> = </a:t>
+            </a:r>
+            <a:r>
+              <a:rPr lang="en-IN" sz="1800" dirty="0" err="1">
+                <a:solidFill>
+                  <a:srgbClr val="795E26"/>
+                </a:solidFill>
+                <a:latin typeface="Cascadia Mono" panose="020B0609020000020004" pitchFamily="49" charset="0"/>
+              </a:rPr>
+              <a:t>hash_function</a:t>
+            </a:r>
+            <a:r>
+              <a:rPr lang="en-IN" sz="1800" dirty="0">
+                <a:solidFill>
+                  <a:srgbClr val="000000"/>
+                </a:solidFill>
+                <a:latin typeface="Cascadia Mono" panose="020B0609020000020004" pitchFamily="49" charset="0"/>
+              </a:rPr>
+              <a:t>(</a:t>
+            </a:r>
+            <a:r>
+              <a:rPr lang="en-IN" sz="1800" dirty="0">
+                <a:solidFill>
+                  <a:srgbClr val="001080"/>
+                </a:solidFill>
+                <a:latin typeface="Cascadia Mono" panose="020B0609020000020004" pitchFamily="49" charset="0"/>
+              </a:rPr>
+              <a:t>movie</a:t>
+            </a:r>
+          </a:p>
+          <a:p>
+            <a:pPr marL="0" indent="0">
+              <a:buFont typeface="Arial" panose="020B0604020202020204" pitchFamily="34" charset="0"/>
+              <a:buNone/>
+            </a:pPr>
+            <a:r>
+              <a:rPr lang="en-IN" sz="1800" dirty="0">
+                <a:solidFill>
+                  <a:srgbClr val="000000"/>
+                </a:solidFill>
+                <a:latin typeface="Cascadia Mono" panose="020B0609020000020004" pitchFamily="49" charset="0"/>
+              </a:rPr>
+              <a:t>-&gt;</a:t>
+            </a:r>
+            <a:r>
+              <a:rPr lang="en-IN" sz="1800" dirty="0">
+                <a:solidFill>
+                  <a:srgbClr val="001080"/>
+                </a:solidFill>
+                <a:latin typeface="Cascadia Mono" panose="020B0609020000020004" pitchFamily="49" charset="0"/>
+              </a:rPr>
+              <a:t>name</a:t>
+            </a:r>
+            <a:r>
+              <a:rPr lang="en-IN" sz="1800" dirty="0">
+                <a:solidFill>
+                  <a:srgbClr val="000000"/>
+                </a:solidFill>
+                <a:latin typeface="Cascadia Mono" panose="020B0609020000020004" pitchFamily="49" charset="0"/>
+              </a:rPr>
+              <a:t>);</a:t>
+            </a:r>
+          </a:p>
+          <a:p>
+            <a:pPr marL="0" indent="0">
+              <a:buFont typeface="Arial" panose="020B0604020202020204" pitchFamily="34" charset="0"/>
+              <a:buNone/>
+            </a:pPr>
+            <a:r>
+              <a:rPr lang="en-IN" sz="1800" dirty="0">
+                <a:solidFill>
+                  <a:srgbClr val="000000"/>
+                </a:solidFill>
+                <a:latin typeface="Cascadia Mono" panose="020B0609020000020004" pitchFamily="49" charset="0"/>
+              </a:rPr>
+              <a:t>    </a:t>
+            </a:r>
+            <a:r>
+              <a:rPr lang="en-IN" sz="1800" dirty="0">
+                <a:solidFill>
+                  <a:srgbClr val="0000FF"/>
+                </a:solidFill>
+                <a:latin typeface="Cascadia Mono" panose="020B0609020000020004" pitchFamily="49" charset="0"/>
+              </a:rPr>
+              <a:t>int</a:t>
+            </a:r>
+            <a:r>
+              <a:rPr lang="en-IN" sz="1800" dirty="0">
+                <a:solidFill>
+                  <a:srgbClr val="000000"/>
+                </a:solidFill>
+                <a:latin typeface="Cascadia Mono" panose="020B0609020000020004" pitchFamily="49" charset="0"/>
+              </a:rPr>
+              <a:t> </a:t>
+            </a:r>
+            <a:r>
+              <a:rPr lang="en-IN" sz="1800" dirty="0" err="1">
+                <a:solidFill>
+                  <a:srgbClr val="001080"/>
+                </a:solidFill>
+                <a:latin typeface="Cascadia Mono" panose="020B0609020000020004" pitchFamily="49" charset="0"/>
+              </a:rPr>
+              <a:t>i</a:t>
+            </a:r>
+            <a:r>
+              <a:rPr lang="en-IN" sz="1800" dirty="0">
+                <a:solidFill>
+                  <a:srgbClr val="000000"/>
+                </a:solidFill>
+                <a:latin typeface="Cascadia Mono" panose="020B0609020000020004" pitchFamily="49" charset="0"/>
+              </a:rPr>
+              <a:t>, </a:t>
+            </a:r>
+            <a:r>
+              <a:rPr lang="en-IN" sz="1800" dirty="0">
+                <a:solidFill>
+                  <a:srgbClr val="001080"/>
+                </a:solidFill>
+                <a:latin typeface="Cascadia Mono" panose="020B0609020000020004" pitchFamily="49" charset="0"/>
+              </a:rPr>
+              <a:t>index</a:t>
+            </a:r>
+            <a:r>
+              <a:rPr lang="en-IN" sz="1800" dirty="0">
+                <a:solidFill>
+                  <a:srgbClr val="000000"/>
+                </a:solidFill>
+                <a:latin typeface="Cascadia Mono" panose="020B0609020000020004" pitchFamily="49" charset="0"/>
+              </a:rPr>
+              <a:t>;</a:t>
+            </a:r>
+          </a:p>
+          <a:p>
+            <a:pPr marL="0" indent="0">
+              <a:buFont typeface="Arial" panose="020B0604020202020204" pitchFamily="34" charset="0"/>
+              <a:buNone/>
+            </a:pPr>
+            <a:r>
+              <a:rPr lang="en-IN" sz="1800" dirty="0">
+                <a:solidFill>
+                  <a:srgbClr val="000000"/>
+                </a:solidFill>
+                <a:latin typeface="Cascadia Mono" panose="020B0609020000020004" pitchFamily="49" charset="0"/>
+              </a:rPr>
+              <a:t>    </a:t>
+            </a:r>
+            <a:r>
+              <a:rPr lang="en-IN" sz="1800" dirty="0">
+                <a:solidFill>
+                  <a:srgbClr val="267F99"/>
+                </a:solidFill>
+                <a:latin typeface="Cascadia Mono" panose="020B0609020000020004" pitchFamily="49" charset="0"/>
+              </a:rPr>
+              <a:t>Movie</a:t>
+            </a:r>
+            <a:r>
+              <a:rPr lang="en-IN" sz="1800" dirty="0">
+                <a:solidFill>
+                  <a:srgbClr val="000000"/>
+                </a:solidFill>
+                <a:latin typeface="Cascadia Mono" panose="020B0609020000020004" pitchFamily="49" charset="0"/>
+              </a:rPr>
+              <a:t> **</a:t>
+            </a:r>
+            <a:r>
+              <a:rPr lang="en-IN" sz="1800" dirty="0">
+                <a:solidFill>
+                  <a:srgbClr val="001080"/>
+                </a:solidFill>
+                <a:latin typeface="Cascadia Mono" panose="020B0609020000020004" pitchFamily="49" charset="0"/>
+              </a:rPr>
+              <a:t>array</a:t>
+            </a:r>
+            <a:r>
+              <a:rPr lang="en-IN" sz="1800" dirty="0">
+                <a:solidFill>
+                  <a:srgbClr val="000000"/>
+                </a:solidFill>
+                <a:latin typeface="Cascadia Mono" panose="020B0609020000020004" pitchFamily="49" charset="0"/>
+              </a:rPr>
+              <a:t> = </a:t>
+            </a:r>
+            <a:r>
+              <a:rPr lang="en-IN" sz="1800" dirty="0">
+                <a:solidFill>
+                  <a:srgbClr val="001080"/>
+                </a:solidFill>
+                <a:latin typeface="Cascadia Mono" panose="020B0609020000020004" pitchFamily="49" charset="0"/>
+              </a:rPr>
+              <a:t>table</a:t>
+            </a:r>
+            <a:r>
+              <a:rPr lang="en-IN" sz="1800" dirty="0">
+                <a:solidFill>
+                  <a:srgbClr val="000000"/>
+                </a:solidFill>
+                <a:latin typeface="Cascadia Mono" panose="020B0609020000020004" pitchFamily="49" charset="0"/>
+              </a:rPr>
+              <a:t>-&gt;</a:t>
+            </a:r>
+            <a:r>
+              <a:rPr lang="en-IN" sz="1800" dirty="0">
+                <a:solidFill>
+                  <a:srgbClr val="001080"/>
+                </a:solidFill>
+                <a:latin typeface="Cascadia Mono" panose="020B0609020000020004" pitchFamily="49" charset="0"/>
+              </a:rPr>
+              <a:t>array</a:t>
+            </a:r>
+            <a:r>
+              <a:rPr lang="en-IN" sz="1800" dirty="0">
+                <a:solidFill>
+                  <a:srgbClr val="000000"/>
+                </a:solidFill>
+                <a:latin typeface="Cascadia Mono" panose="020B0609020000020004" pitchFamily="49" charset="0"/>
+              </a:rPr>
+              <a:t>;</a:t>
+            </a:r>
+          </a:p>
+          <a:p>
+            <a:pPr marL="0" indent="0">
+              <a:buFont typeface="Arial" panose="020B0604020202020204" pitchFamily="34" charset="0"/>
+              <a:buNone/>
+            </a:pPr>
+            <a:r>
+              <a:rPr lang="en-IN" sz="1800" dirty="0">
+                <a:solidFill>
+                  <a:srgbClr val="000000"/>
+                </a:solidFill>
+                <a:latin typeface="Cascadia Mono" panose="020B0609020000020004" pitchFamily="49" charset="0"/>
+              </a:rPr>
+              <a:t>    </a:t>
+            </a:r>
+            <a:r>
+              <a:rPr lang="en-IN" sz="1800" dirty="0">
+                <a:solidFill>
+                  <a:srgbClr val="AF00DB"/>
+                </a:solidFill>
+                <a:latin typeface="Cascadia Mono" panose="020B0609020000020004" pitchFamily="49" charset="0"/>
+              </a:rPr>
+              <a:t>for</a:t>
+            </a:r>
+            <a:r>
+              <a:rPr lang="en-IN" sz="1800" dirty="0">
+                <a:solidFill>
+                  <a:srgbClr val="000000"/>
+                </a:solidFill>
+                <a:latin typeface="Cascadia Mono" panose="020B0609020000020004" pitchFamily="49" charset="0"/>
+              </a:rPr>
+              <a:t> (</a:t>
+            </a:r>
+            <a:r>
+              <a:rPr lang="en-IN" sz="1800" dirty="0" err="1">
+                <a:solidFill>
+                  <a:srgbClr val="001080"/>
+                </a:solidFill>
+                <a:latin typeface="Cascadia Mono" panose="020B0609020000020004" pitchFamily="49" charset="0"/>
+              </a:rPr>
+              <a:t>i</a:t>
+            </a:r>
+            <a:r>
+              <a:rPr lang="en-IN" sz="1800" dirty="0">
+                <a:solidFill>
+                  <a:srgbClr val="000000"/>
+                </a:solidFill>
+                <a:latin typeface="Cascadia Mono" panose="020B0609020000020004" pitchFamily="49" charset="0"/>
+              </a:rPr>
+              <a:t> = </a:t>
+            </a:r>
+            <a:r>
+              <a:rPr lang="en-IN" sz="1800" dirty="0">
+                <a:solidFill>
+                  <a:srgbClr val="098658"/>
+                </a:solidFill>
+                <a:latin typeface="Cascadia Mono" panose="020B0609020000020004" pitchFamily="49" charset="0"/>
+              </a:rPr>
+              <a:t>0</a:t>
+            </a:r>
+            <a:r>
+              <a:rPr lang="en-IN" sz="1800" dirty="0">
+                <a:solidFill>
+                  <a:srgbClr val="000000"/>
+                </a:solidFill>
+                <a:latin typeface="Cascadia Mono" panose="020B0609020000020004" pitchFamily="49" charset="0"/>
+              </a:rPr>
+              <a:t>; </a:t>
+            </a:r>
+            <a:r>
+              <a:rPr lang="en-IN" sz="1800" dirty="0" err="1">
+                <a:solidFill>
+                  <a:srgbClr val="001080"/>
+                </a:solidFill>
+                <a:latin typeface="Cascadia Mono" panose="020B0609020000020004" pitchFamily="49" charset="0"/>
+              </a:rPr>
+              <a:t>i</a:t>
+            </a:r>
+            <a:r>
+              <a:rPr lang="en-IN" sz="1800" dirty="0">
+                <a:solidFill>
+                  <a:srgbClr val="000000"/>
+                </a:solidFill>
+                <a:latin typeface="Cascadia Mono" panose="020B0609020000020004" pitchFamily="49" charset="0"/>
+              </a:rPr>
+              <a:t> &lt; </a:t>
+            </a:r>
+            <a:r>
+              <a:rPr lang="en-IN" sz="1800" dirty="0">
+                <a:solidFill>
+                  <a:srgbClr val="0000FF"/>
+                </a:solidFill>
+                <a:latin typeface="Cascadia Mono" panose="020B0609020000020004" pitchFamily="49" charset="0"/>
+              </a:rPr>
+              <a:t>TABLE_SIZE</a:t>
+            </a:r>
+            <a:r>
+              <a:rPr lang="en-IN" sz="1800" dirty="0">
+                <a:solidFill>
+                  <a:srgbClr val="000000"/>
+                </a:solidFill>
+                <a:latin typeface="Cascadia Mono" panose="020B0609020000020004" pitchFamily="49" charset="0"/>
+              </a:rPr>
+              <a:t>; ++</a:t>
+            </a:r>
+            <a:r>
+              <a:rPr lang="en-IN" sz="1800" dirty="0" err="1">
+                <a:solidFill>
+                  <a:srgbClr val="001080"/>
+                </a:solidFill>
+                <a:latin typeface="Cascadia Mono" panose="020B0609020000020004" pitchFamily="49" charset="0"/>
+              </a:rPr>
+              <a:t>i</a:t>
+            </a:r>
+            <a:r>
+              <a:rPr lang="en-IN" sz="1800" dirty="0">
+                <a:solidFill>
+                  <a:srgbClr val="000000"/>
+                </a:solidFill>
+                <a:latin typeface="Cascadia Mono" panose="020B0609020000020004" pitchFamily="49" charset="0"/>
+              </a:rPr>
+              <a:t>) {</a:t>
+            </a:r>
+          </a:p>
+          <a:p>
+            <a:pPr marL="0" indent="0">
+              <a:buNone/>
+            </a:pPr>
+            <a:r>
+              <a:rPr lang="en-IN" sz="1800" dirty="0">
+                <a:solidFill>
+                  <a:srgbClr val="000000"/>
+                </a:solidFill>
+                <a:latin typeface="Cascadia Mono" panose="020B0609020000020004" pitchFamily="49" charset="0"/>
+              </a:rPr>
+              <a:t>       </a:t>
+            </a:r>
+            <a:r>
+              <a:rPr lang="en-IN" sz="1800" dirty="0">
+                <a:solidFill>
+                  <a:srgbClr val="001080"/>
+                </a:solidFill>
+                <a:latin typeface="Cascadia Mono" panose="020B0609020000020004" pitchFamily="49" charset="0"/>
+              </a:rPr>
+              <a:t> index</a:t>
+            </a:r>
+            <a:r>
+              <a:rPr lang="en-IN" sz="1800" dirty="0">
+                <a:solidFill>
+                  <a:srgbClr val="000000"/>
+                </a:solidFill>
+                <a:latin typeface="Cascadia Mono" panose="020B0609020000020004" pitchFamily="49" charset="0"/>
+              </a:rPr>
+              <a:t> = (</a:t>
+            </a:r>
+            <a:r>
+              <a:rPr lang="en-IN" sz="1800" dirty="0" err="1">
+                <a:solidFill>
+                  <a:srgbClr val="001080"/>
+                </a:solidFill>
+                <a:latin typeface="Cascadia Mono" panose="020B0609020000020004" pitchFamily="49" charset="0"/>
+              </a:rPr>
+              <a:t>hash</a:t>
+            </a:r>
+            <a:r>
+              <a:rPr lang="en-IN" sz="1800" dirty="0" err="1">
+                <a:solidFill>
+                  <a:srgbClr val="000000"/>
+                </a:solidFill>
+                <a:latin typeface="Cascadia Mono" panose="020B0609020000020004" pitchFamily="49" charset="0"/>
+              </a:rPr>
+              <a:t>+</a:t>
+            </a:r>
+            <a:r>
+              <a:rPr lang="en-IN" sz="1800" dirty="0" err="1">
+                <a:solidFill>
+                  <a:srgbClr val="001080"/>
+                </a:solidFill>
+                <a:latin typeface="Cascadia Mono" panose="020B0609020000020004" pitchFamily="49" charset="0"/>
+              </a:rPr>
+              <a:t>i</a:t>
+            </a:r>
+            <a:r>
+              <a:rPr lang="en-IN" sz="1800" dirty="0">
+                <a:solidFill>
+                  <a:srgbClr val="001080"/>
+                </a:solidFill>
+                <a:latin typeface="Cascadia Mono" panose="020B0609020000020004" pitchFamily="49" charset="0"/>
+              </a:rPr>
+              <a:t>*</a:t>
+            </a:r>
+            <a:r>
+              <a:rPr lang="en-IN" sz="1800" dirty="0" err="1">
+                <a:solidFill>
+                  <a:srgbClr val="001080"/>
+                </a:solidFill>
+                <a:latin typeface="Cascadia Mono" panose="020B0609020000020004" pitchFamily="49" charset="0"/>
+              </a:rPr>
+              <a:t>i</a:t>
+            </a:r>
+            <a:r>
+              <a:rPr lang="en-IN" sz="1800" dirty="0">
+                <a:solidFill>
+                  <a:srgbClr val="000000"/>
+                </a:solidFill>
+                <a:latin typeface="Cascadia Mono" panose="020B0609020000020004" pitchFamily="49" charset="0"/>
+              </a:rPr>
+              <a:t>)%</a:t>
+            </a:r>
+            <a:r>
+              <a:rPr lang="en-IN" sz="1800" dirty="0">
+                <a:solidFill>
+                  <a:srgbClr val="0000FF"/>
+                </a:solidFill>
+                <a:latin typeface="Cascadia Mono" panose="020B0609020000020004" pitchFamily="49" charset="0"/>
+              </a:rPr>
+              <a:t>TABLE_SIZE</a:t>
+            </a:r>
+            <a:r>
+              <a:rPr lang="en-IN" sz="1800" dirty="0">
+                <a:solidFill>
+                  <a:srgbClr val="000000"/>
+                </a:solidFill>
+                <a:latin typeface="Cascadia Mono" panose="020B0609020000020004" pitchFamily="49" charset="0"/>
+              </a:rPr>
+              <a:t>;</a:t>
+            </a:r>
+            <a:endParaRPr lang="en-IN" sz="1800" dirty="0"/>
           </a:p>
         </p:txBody>
       </p:sp>
     </p:spTree>
     <p:extLst>
       <p:ext uri="{BB962C8B-B14F-4D97-AF65-F5344CB8AC3E}">
-        <p14:creationId xmlns:p14="http://schemas.microsoft.com/office/powerpoint/2010/main" val="1661005657"/>
+        <p14:creationId xmlns:p14="http://schemas.microsoft.com/office/powerpoint/2010/main" val="2115158241"/>
       </p:ext>
     </p:extLst>
   </p:cSld>
@@ -9245,6 +11085,1375 @@
     <p:extLst>
       <p:ext uri="{BB962C8B-B14F-4D97-AF65-F5344CB8AC3E}">
         <p14:creationId xmlns:p14="http://schemas.microsoft.com/office/powerpoint/2010/main" val="3367724876"/>
+      </p:ext>
+    </p:extLst>
+  </p:cSld>
+  <p:clrMapOvr>
+    <a:masterClrMapping/>
+  </p:clrMapOvr>
+</p:sld>
+</file>
+
+<file path=ppt/slides/slide20.xml><?xml version="1.0" encoding="utf-8"?>
+<p:sld xmlns:a="http://schemas.openxmlformats.org/drawingml/2006/main" xmlns:r="http://schemas.openxmlformats.org/officeDocument/2006/relationships" xmlns:p="http://schemas.openxmlformats.org/presentationml/2006/main">
+  <p:cSld>
+    <p:spTree>
+      <p:nvGrpSpPr>
+        <p:cNvPr id="1" name=""/>
+        <p:cNvGrpSpPr/>
+        <p:nvPr/>
+      </p:nvGrpSpPr>
+      <p:grpSpPr>
+        <a:xfrm>
+          <a:off x="0" y="0"/>
+          <a:ext cx="0" cy="0"/>
+          <a:chOff x="0" y="0"/>
+          <a:chExt cx="0" cy="0"/>
+        </a:xfrm>
+      </p:grpSpPr>
+      <p:sp>
+        <p:nvSpPr>
+          <p:cNvPr id="2" name="Title 1">
+            <a:extLst>
+              <a:ext uri="{FF2B5EF4-FFF2-40B4-BE49-F238E27FC236}">
+                <a16:creationId xmlns:a16="http://schemas.microsoft.com/office/drawing/2014/main" id="{E1543B07-1AB1-3363-0619-8049FA7723E7}"/>
+              </a:ext>
+            </a:extLst>
+          </p:cNvPr>
+          <p:cNvSpPr>
+            <a:spLocks noGrp="1"/>
+          </p:cNvSpPr>
+          <p:nvPr>
+            <p:ph type="title"/>
+          </p:nvPr>
+        </p:nvSpPr>
+        <p:spPr/>
+        <p:txBody>
+          <a:bodyPr/>
+          <a:lstStyle/>
+          <a:p>
+            <a:r>
+              <a:rPr lang="en-IN" dirty="0"/>
+              <a:t>Open addressing – Quadratic probing</a:t>
+            </a:r>
+          </a:p>
+        </p:txBody>
+      </p:sp>
+      <p:sp>
+        <p:nvSpPr>
+          <p:cNvPr id="6" name="Content Placeholder 5">
+            <a:extLst>
+              <a:ext uri="{FF2B5EF4-FFF2-40B4-BE49-F238E27FC236}">
+                <a16:creationId xmlns:a16="http://schemas.microsoft.com/office/drawing/2014/main" id="{C3FC72A9-DF44-5887-922C-F1277DB79346}"/>
+              </a:ext>
+            </a:extLst>
+          </p:cNvPr>
+          <p:cNvSpPr>
+            <a:spLocks noGrp="1"/>
+          </p:cNvSpPr>
+          <p:nvPr>
+            <p:ph sz="half" idx="1"/>
+          </p:nvPr>
+        </p:nvSpPr>
+        <p:spPr/>
+        <p:txBody>
+          <a:bodyPr>
+            <a:noAutofit/>
+          </a:bodyPr>
+          <a:lstStyle/>
+          <a:p>
+            <a:pPr marL="0" indent="0">
+              <a:buNone/>
+            </a:pPr>
+            <a:r>
+              <a:rPr lang="en-IN" sz="2000" b="0" dirty="0">
+                <a:solidFill>
+                  <a:srgbClr val="0000FF"/>
+                </a:solidFill>
+                <a:effectLst/>
+                <a:latin typeface="Cascadia Mono" panose="020B0609020000020004" pitchFamily="49" charset="0"/>
+              </a:rPr>
+              <a:t>int</a:t>
+            </a:r>
+            <a:r>
+              <a:rPr lang="en-IN" sz="2000" b="0" dirty="0">
+                <a:solidFill>
+                  <a:srgbClr val="000000"/>
+                </a:solidFill>
+                <a:effectLst/>
+                <a:latin typeface="Cascadia Mono" panose="020B0609020000020004" pitchFamily="49" charset="0"/>
+              </a:rPr>
+              <a:t> </a:t>
+            </a:r>
+            <a:r>
+              <a:rPr lang="en-IN" sz="2000" b="0" dirty="0" err="1">
+                <a:solidFill>
+                  <a:srgbClr val="795E26"/>
+                </a:solidFill>
+                <a:effectLst/>
+                <a:latin typeface="Cascadia Mono" panose="020B0609020000020004" pitchFamily="49" charset="0"/>
+              </a:rPr>
+              <a:t>hash_search</a:t>
+            </a:r>
+            <a:r>
+              <a:rPr lang="en-IN" sz="2000" b="0" dirty="0">
+                <a:solidFill>
+                  <a:srgbClr val="000000"/>
+                </a:solidFill>
+                <a:effectLst/>
+                <a:latin typeface="Cascadia Mono" panose="020B0609020000020004" pitchFamily="49" charset="0"/>
+              </a:rPr>
+              <a:t>(</a:t>
+            </a:r>
+            <a:r>
+              <a:rPr lang="en-IN" sz="2000" b="0" dirty="0" err="1">
+                <a:solidFill>
+                  <a:srgbClr val="267F99"/>
+                </a:solidFill>
+                <a:effectLst/>
+                <a:latin typeface="Cascadia Mono" panose="020B0609020000020004" pitchFamily="49" charset="0"/>
+              </a:rPr>
+              <a:t>HashTable</a:t>
+            </a:r>
+            <a:r>
+              <a:rPr lang="en-IN" sz="2000" b="0" dirty="0">
+                <a:solidFill>
+                  <a:srgbClr val="000000"/>
+                </a:solidFill>
+                <a:effectLst/>
+                <a:latin typeface="Cascadia Mono" panose="020B0609020000020004" pitchFamily="49" charset="0"/>
+              </a:rPr>
+              <a:t> *</a:t>
+            </a:r>
+            <a:r>
+              <a:rPr lang="en-IN" sz="2000" b="0" dirty="0">
+                <a:solidFill>
+                  <a:srgbClr val="001080"/>
+                </a:solidFill>
+                <a:effectLst/>
+                <a:latin typeface="Cascadia Mono" panose="020B0609020000020004" pitchFamily="49" charset="0"/>
+              </a:rPr>
+              <a:t>table</a:t>
+            </a:r>
+            <a:r>
+              <a:rPr lang="en-IN" sz="2000" b="0" dirty="0">
+                <a:solidFill>
+                  <a:srgbClr val="000000"/>
+                </a:solidFill>
+                <a:effectLst/>
+                <a:latin typeface="Cascadia Mono" panose="020B0609020000020004" pitchFamily="49" charset="0"/>
+              </a:rPr>
+              <a:t>, </a:t>
+            </a:r>
+          </a:p>
+          <a:p>
+            <a:pPr marL="0" indent="0">
+              <a:buNone/>
+            </a:pPr>
+            <a:r>
+              <a:rPr lang="en-IN" sz="2000" b="0" dirty="0">
+                <a:solidFill>
+                  <a:srgbClr val="0000FF"/>
+                </a:solidFill>
+                <a:effectLst/>
+                <a:latin typeface="Cascadia Mono" panose="020B0609020000020004" pitchFamily="49" charset="0"/>
+              </a:rPr>
+              <a:t>char</a:t>
+            </a:r>
+            <a:r>
+              <a:rPr lang="en-IN" sz="2000" b="0" dirty="0">
+                <a:solidFill>
+                  <a:srgbClr val="000000"/>
+                </a:solidFill>
+                <a:effectLst/>
+                <a:latin typeface="Cascadia Mono" panose="020B0609020000020004" pitchFamily="49" charset="0"/>
+              </a:rPr>
+              <a:t> *</a:t>
+            </a:r>
+            <a:r>
+              <a:rPr lang="en-IN" sz="2000" b="0" dirty="0" err="1">
+                <a:solidFill>
+                  <a:srgbClr val="001080"/>
+                </a:solidFill>
+                <a:effectLst/>
+                <a:latin typeface="Cascadia Mono" panose="020B0609020000020004" pitchFamily="49" charset="0"/>
+              </a:rPr>
+              <a:t>movie_name</a:t>
+            </a:r>
+            <a:r>
+              <a:rPr lang="en-IN" sz="2000" b="0" dirty="0">
+                <a:solidFill>
+                  <a:srgbClr val="000000"/>
+                </a:solidFill>
+                <a:effectLst/>
+                <a:latin typeface="Cascadia Mono" panose="020B0609020000020004" pitchFamily="49" charset="0"/>
+              </a:rPr>
+              <a:t>)</a:t>
+            </a:r>
+          </a:p>
+          <a:p>
+            <a:pPr marL="0" indent="0">
+              <a:buNone/>
+            </a:pPr>
+            <a:r>
+              <a:rPr lang="en-IN" sz="2000" b="0" dirty="0">
+                <a:solidFill>
+                  <a:srgbClr val="000000"/>
+                </a:solidFill>
+                <a:effectLst/>
+                <a:latin typeface="Cascadia Mono" panose="020B0609020000020004" pitchFamily="49" charset="0"/>
+              </a:rPr>
+              <a:t>{</a:t>
+            </a:r>
+          </a:p>
+          <a:p>
+            <a:pPr marL="0" indent="0">
+              <a:buNone/>
+            </a:pPr>
+            <a:r>
+              <a:rPr lang="en-IN" sz="2000" b="0" dirty="0">
+                <a:solidFill>
+                  <a:srgbClr val="000000"/>
+                </a:solidFill>
+                <a:effectLst/>
+                <a:latin typeface="Cascadia Mono" panose="020B0609020000020004" pitchFamily="49" charset="0"/>
+              </a:rPr>
+              <a:t>    </a:t>
+            </a:r>
+            <a:r>
+              <a:rPr lang="en-IN" sz="2000" b="0" dirty="0" err="1">
+                <a:solidFill>
+                  <a:srgbClr val="267F99"/>
+                </a:solidFill>
+                <a:effectLst/>
+                <a:latin typeface="Cascadia Mono" panose="020B0609020000020004" pitchFamily="49" charset="0"/>
+              </a:rPr>
+              <a:t>uint</a:t>
+            </a:r>
+            <a:r>
+              <a:rPr lang="en-IN" sz="2000" b="0" dirty="0">
+                <a:solidFill>
+                  <a:srgbClr val="000000"/>
+                </a:solidFill>
+                <a:effectLst/>
+                <a:latin typeface="Cascadia Mono" panose="020B0609020000020004" pitchFamily="49" charset="0"/>
+              </a:rPr>
+              <a:t> </a:t>
+            </a:r>
+            <a:r>
+              <a:rPr lang="en-IN" sz="2000" b="0" dirty="0">
+                <a:solidFill>
+                  <a:srgbClr val="001080"/>
+                </a:solidFill>
+                <a:effectLst/>
+                <a:latin typeface="Cascadia Mono" panose="020B0609020000020004" pitchFamily="49" charset="0"/>
+              </a:rPr>
+              <a:t>hash</a:t>
+            </a:r>
+            <a:r>
+              <a:rPr lang="en-IN" sz="2000" b="0" dirty="0">
+                <a:solidFill>
+                  <a:srgbClr val="000000"/>
+                </a:solidFill>
+                <a:effectLst/>
+                <a:latin typeface="Cascadia Mono" panose="020B0609020000020004" pitchFamily="49" charset="0"/>
+              </a:rPr>
+              <a:t> = </a:t>
+            </a:r>
+          </a:p>
+          <a:p>
+            <a:pPr marL="0" indent="0">
+              <a:buNone/>
+            </a:pPr>
+            <a:r>
+              <a:rPr lang="en-IN" sz="2000" b="0" dirty="0" err="1">
+                <a:solidFill>
+                  <a:srgbClr val="795E26"/>
+                </a:solidFill>
+                <a:effectLst/>
+                <a:latin typeface="Cascadia Mono" panose="020B0609020000020004" pitchFamily="49" charset="0"/>
+              </a:rPr>
+              <a:t>hash_function</a:t>
+            </a:r>
+            <a:r>
+              <a:rPr lang="en-IN" sz="2000" b="0" dirty="0">
+                <a:solidFill>
+                  <a:srgbClr val="000000"/>
+                </a:solidFill>
+                <a:effectLst/>
+                <a:latin typeface="Cascadia Mono" panose="020B0609020000020004" pitchFamily="49" charset="0"/>
+              </a:rPr>
+              <a:t>(</a:t>
+            </a:r>
+            <a:r>
+              <a:rPr lang="en-IN" sz="2000" b="0" dirty="0" err="1">
+                <a:solidFill>
+                  <a:srgbClr val="001080"/>
+                </a:solidFill>
+                <a:effectLst/>
+                <a:latin typeface="Cascadia Mono" panose="020B0609020000020004" pitchFamily="49" charset="0"/>
+              </a:rPr>
+              <a:t>movie_name</a:t>
+            </a:r>
+            <a:r>
+              <a:rPr lang="en-IN" sz="2000" b="0" dirty="0">
+                <a:solidFill>
+                  <a:srgbClr val="000000"/>
+                </a:solidFill>
+                <a:effectLst/>
+                <a:latin typeface="Cascadia Mono" panose="020B0609020000020004" pitchFamily="49" charset="0"/>
+              </a:rPr>
+              <a:t>);</a:t>
+            </a:r>
+          </a:p>
+          <a:p>
+            <a:pPr marL="0" indent="0">
+              <a:buNone/>
+            </a:pPr>
+            <a:r>
+              <a:rPr lang="en-IN" sz="2000" b="0" dirty="0">
+                <a:solidFill>
+                  <a:srgbClr val="000000"/>
+                </a:solidFill>
+                <a:effectLst/>
+                <a:latin typeface="Cascadia Mono" panose="020B0609020000020004" pitchFamily="49" charset="0"/>
+              </a:rPr>
+              <a:t>    </a:t>
+            </a:r>
+            <a:r>
+              <a:rPr lang="en-IN" sz="2000" b="0" dirty="0">
+                <a:solidFill>
+                  <a:srgbClr val="0000FF"/>
+                </a:solidFill>
+                <a:effectLst/>
+                <a:latin typeface="Cascadia Mono" panose="020B0609020000020004" pitchFamily="49" charset="0"/>
+              </a:rPr>
+              <a:t>int</a:t>
+            </a:r>
+            <a:r>
+              <a:rPr lang="en-IN" sz="2000" b="0" dirty="0">
+                <a:solidFill>
+                  <a:srgbClr val="000000"/>
+                </a:solidFill>
+                <a:effectLst/>
+                <a:latin typeface="Cascadia Mono" panose="020B0609020000020004" pitchFamily="49" charset="0"/>
+              </a:rPr>
+              <a:t> </a:t>
+            </a:r>
+            <a:r>
+              <a:rPr lang="en-IN" sz="2000" b="0" dirty="0" err="1">
+                <a:solidFill>
+                  <a:srgbClr val="001080"/>
+                </a:solidFill>
+                <a:effectLst/>
+                <a:latin typeface="Cascadia Mono" panose="020B0609020000020004" pitchFamily="49" charset="0"/>
+              </a:rPr>
+              <a:t>i</a:t>
+            </a:r>
+            <a:r>
+              <a:rPr lang="en-IN" sz="2000" b="0" dirty="0">
+                <a:solidFill>
+                  <a:srgbClr val="000000"/>
+                </a:solidFill>
+                <a:effectLst/>
+                <a:latin typeface="Cascadia Mono" panose="020B0609020000020004" pitchFamily="49" charset="0"/>
+              </a:rPr>
+              <a:t>, </a:t>
+            </a:r>
+            <a:r>
+              <a:rPr lang="en-IN" sz="2000" b="0" dirty="0">
+                <a:solidFill>
+                  <a:srgbClr val="001080"/>
+                </a:solidFill>
+                <a:effectLst/>
+                <a:latin typeface="Cascadia Mono" panose="020B0609020000020004" pitchFamily="49" charset="0"/>
+              </a:rPr>
+              <a:t>index</a:t>
+            </a:r>
+            <a:r>
+              <a:rPr lang="en-IN" sz="2000" b="0" dirty="0">
+                <a:solidFill>
+                  <a:srgbClr val="000000"/>
+                </a:solidFill>
+                <a:effectLst/>
+                <a:latin typeface="Cascadia Mono" panose="020B0609020000020004" pitchFamily="49" charset="0"/>
+              </a:rPr>
+              <a:t> = </a:t>
+            </a:r>
+            <a:r>
+              <a:rPr lang="en-IN" sz="2000" b="0" dirty="0">
+                <a:solidFill>
+                  <a:srgbClr val="001080"/>
+                </a:solidFill>
+                <a:effectLst/>
+                <a:latin typeface="Cascadia Mono" panose="020B0609020000020004" pitchFamily="49" charset="0"/>
+              </a:rPr>
+              <a:t>hash</a:t>
+            </a:r>
+            <a:r>
+              <a:rPr lang="en-IN" sz="2000" b="0" dirty="0">
+                <a:solidFill>
+                  <a:srgbClr val="000000"/>
+                </a:solidFill>
+                <a:effectLst/>
+                <a:latin typeface="Cascadia Mono" panose="020B0609020000020004" pitchFamily="49" charset="0"/>
+              </a:rPr>
+              <a:t>;</a:t>
+            </a:r>
+          </a:p>
+          <a:p>
+            <a:pPr marL="0" indent="0">
+              <a:buNone/>
+            </a:pPr>
+            <a:r>
+              <a:rPr lang="en-IN" sz="2000" b="0" dirty="0">
+                <a:solidFill>
+                  <a:srgbClr val="000000"/>
+                </a:solidFill>
+                <a:effectLst/>
+                <a:latin typeface="Cascadia Mono" panose="020B0609020000020004" pitchFamily="49" charset="0"/>
+              </a:rPr>
+              <a:t>    </a:t>
+            </a:r>
+            <a:r>
+              <a:rPr lang="en-IN" sz="2000" b="0" dirty="0">
+                <a:solidFill>
+                  <a:srgbClr val="267F99"/>
+                </a:solidFill>
+                <a:effectLst/>
+                <a:latin typeface="Cascadia Mono" panose="020B0609020000020004" pitchFamily="49" charset="0"/>
+              </a:rPr>
+              <a:t>Movie</a:t>
+            </a:r>
+            <a:r>
+              <a:rPr lang="en-IN" sz="2000" b="0" dirty="0">
+                <a:solidFill>
+                  <a:srgbClr val="000000"/>
+                </a:solidFill>
+                <a:effectLst/>
+                <a:latin typeface="Cascadia Mono" panose="020B0609020000020004" pitchFamily="49" charset="0"/>
+              </a:rPr>
+              <a:t> **</a:t>
+            </a:r>
+            <a:r>
+              <a:rPr lang="en-IN" sz="2000" b="0" dirty="0">
+                <a:solidFill>
+                  <a:srgbClr val="001080"/>
+                </a:solidFill>
+                <a:effectLst/>
+                <a:latin typeface="Cascadia Mono" panose="020B0609020000020004" pitchFamily="49" charset="0"/>
+              </a:rPr>
+              <a:t>array</a:t>
+            </a:r>
+            <a:r>
+              <a:rPr lang="en-IN" sz="2000" b="0" dirty="0">
+                <a:solidFill>
+                  <a:srgbClr val="000000"/>
+                </a:solidFill>
+                <a:effectLst/>
+                <a:latin typeface="Cascadia Mono" panose="020B0609020000020004" pitchFamily="49" charset="0"/>
+              </a:rPr>
+              <a:t> = </a:t>
+            </a:r>
+            <a:r>
+              <a:rPr lang="en-IN" sz="2000" b="0" dirty="0">
+                <a:solidFill>
+                  <a:srgbClr val="001080"/>
+                </a:solidFill>
+                <a:effectLst/>
+                <a:latin typeface="Cascadia Mono" panose="020B0609020000020004" pitchFamily="49" charset="0"/>
+              </a:rPr>
+              <a:t>table</a:t>
+            </a:r>
+            <a:r>
+              <a:rPr lang="en-IN" sz="2000" b="0" dirty="0">
+                <a:solidFill>
+                  <a:srgbClr val="000000"/>
+                </a:solidFill>
+                <a:effectLst/>
+                <a:latin typeface="Cascadia Mono" panose="020B0609020000020004" pitchFamily="49" charset="0"/>
+              </a:rPr>
+              <a:t>-&gt;</a:t>
+            </a:r>
+            <a:r>
+              <a:rPr lang="en-IN" sz="2000" b="0" dirty="0">
+                <a:solidFill>
+                  <a:srgbClr val="001080"/>
+                </a:solidFill>
+                <a:effectLst/>
+                <a:latin typeface="Cascadia Mono" panose="020B0609020000020004" pitchFamily="49" charset="0"/>
+              </a:rPr>
+              <a:t>array</a:t>
+            </a:r>
+            <a:r>
+              <a:rPr lang="en-IN" sz="2000" b="0" dirty="0">
+                <a:solidFill>
+                  <a:srgbClr val="000000"/>
+                </a:solidFill>
+                <a:effectLst/>
+                <a:latin typeface="Cascadia Mono" panose="020B0609020000020004" pitchFamily="49" charset="0"/>
+              </a:rPr>
+              <a:t>;</a:t>
+            </a:r>
+          </a:p>
+          <a:p>
+            <a:pPr marL="0" indent="0">
+              <a:buNone/>
+            </a:pPr>
+            <a:r>
+              <a:rPr lang="en-IN" sz="2000" b="0" dirty="0">
+                <a:solidFill>
+                  <a:srgbClr val="000000"/>
+                </a:solidFill>
+                <a:effectLst/>
+                <a:latin typeface="Cascadia Mono" panose="020B0609020000020004" pitchFamily="49" charset="0"/>
+              </a:rPr>
+              <a:t>    </a:t>
+            </a:r>
+            <a:r>
+              <a:rPr lang="en-IN" sz="2000" b="0" dirty="0">
+                <a:solidFill>
+                  <a:srgbClr val="AF00DB"/>
+                </a:solidFill>
+                <a:effectLst/>
+                <a:latin typeface="Cascadia Mono" panose="020B0609020000020004" pitchFamily="49" charset="0"/>
+              </a:rPr>
+              <a:t>for</a:t>
+            </a:r>
+            <a:r>
+              <a:rPr lang="en-IN" sz="2000" b="0" dirty="0">
+                <a:solidFill>
+                  <a:srgbClr val="000000"/>
+                </a:solidFill>
+                <a:effectLst/>
+                <a:latin typeface="Cascadia Mono" panose="020B0609020000020004" pitchFamily="49" charset="0"/>
+              </a:rPr>
+              <a:t> (</a:t>
+            </a:r>
+            <a:r>
+              <a:rPr lang="en-IN" sz="2000" b="0" dirty="0" err="1">
+                <a:solidFill>
+                  <a:srgbClr val="001080"/>
+                </a:solidFill>
+                <a:effectLst/>
+                <a:latin typeface="Cascadia Mono" panose="020B0609020000020004" pitchFamily="49" charset="0"/>
+              </a:rPr>
+              <a:t>i</a:t>
+            </a:r>
+            <a:r>
+              <a:rPr lang="en-IN" sz="2000" b="0" dirty="0">
+                <a:solidFill>
+                  <a:srgbClr val="000000"/>
+                </a:solidFill>
+                <a:effectLst/>
+                <a:latin typeface="Cascadia Mono" panose="020B0609020000020004" pitchFamily="49" charset="0"/>
+              </a:rPr>
+              <a:t> = </a:t>
+            </a:r>
+            <a:r>
+              <a:rPr lang="en-IN" sz="2000" b="0" dirty="0">
+                <a:solidFill>
+                  <a:srgbClr val="098658"/>
+                </a:solidFill>
+                <a:effectLst/>
+                <a:latin typeface="Cascadia Mono" panose="020B0609020000020004" pitchFamily="49" charset="0"/>
+              </a:rPr>
+              <a:t>0</a:t>
+            </a:r>
+            <a:r>
+              <a:rPr lang="en-IN" sz="2000" b="0" dirty="0">
+                <a:solidFill>
+                  <a:srgbClr val="000000"/>
+                </a:solidFill>
+                <a:effectLst/>
+                <a:latin typeface="Cascadia Mono" panose="020B0609020000020004" pitchFamily="49" charset="0"/>
+              </a:rPr>
+              <a:t>; </a:t>
+            </a:r>
+            <a:r>
+              <a:rPr lang="en-IN" sz="2000" b="0" dirty="0" err="1">
+                <a:solidFill>
+                  <a:srgbClr val="001080"/>
+                </a:solidFill>
+                <a:effectLst/>
+                <a:latin typeface="Cascadia Mono" panose="020B0609020000020004" pitchFamily="49" charset="0"/>
+              </a:rPr>
+              <a:t>i</a:t>
+            </a:r>
+            <a:r>
+              <a:rPr lang="en-IN" sz="2000" b="0" dirty="0">
+                <a:solidFill>
+                  <a:srgbClr val="000000"/>
+                </a:solidFill>
+                <a:effectLst/>
+                <a:latin typeface="Cascadia Mono" panose="020B0609020000020004" pitchFamily="49" charset="0"/>
+              </a:rPr>
+              <a:t> &lt; </a:t>
+            </a:r>
+            <a:r>
+              <a:rPr lang="en-IN" sz="2000" b="0" dirty="0">
+                <a:solidFill>
+                  <a:srgbClr val="0000FF"/>
+                </a:solidFill>
+                <a:effectLst/>
+                <a:latin typeface="Cascadia Mono" panose="020B0609020000020004" pitchFamily="49" charset="0"/>
+              </a:rPr>
+              <a:t>TABLE_SIZE</a:t>
+            </a:r>
+            <a:r>
+              <a:rPr lang="en-IN" sz="2000" b="0" dirty="0">
+                <a:solidFill>
+                  <a:srgbClr val="000000"/>
+                </a:solidFill>
+                <a:effectLst/>
+                <a:latin typeface="Cascadia Mono" panose="020B0609020000020004" pitchFamily="49" charset="0"/>
+              </a:rPr>
+              <a:t>; ++</a:t>
+            </a:r>
+            <a:r>
+              <a:rPr lang="en-IN" sz="2000" b="0" dirty="0" err="1">
+                <a:solidFill>
+                  <a:srgbClr val="001080"/>
+                </a:solidFill>
+                <a:effectLst/>
+                <a:latin typeface="Cascadia Mono" panose="020B0609020000020004" pitchFamily="49" charset="0"/>
+              </a:rPr>
+              <a:t>i</a:t>
+            </a:r>
+            <a:r>
+              <a:rPr lang="en-IN" sz="2000" b="0" dirty="0">
+                <a:solidFill>
+                  <a:srgbClr val="000000"/>
+                </a:solidFill>
+                <a:effectLst/>
+                <a:latin typeface="Cascadia Mono" panose="020B0609020000020004" pitchFamily="49" charset="0"/>
+              </a:rPr>
+              <a:t>) {</a:t>
+            </a:r>
+          </a:p>
+          <a:p>
+            <a:pPr marL="0" indent="0">
+              <a:buNone/>
+            </a:pPr>
+            <a:r>
+              <a:rPr lang="en-IN" sz="2000" b="0" dirty="0">
+                <a:solidFill>
+                  <a:srgbClr val="000000"/>
+                </a:solidFill>
+                <a:effectLst/>
+                <a:latin typeface="Cascadia Mono" panose="020B0609020000020004" pitchFamily="49" charset="0"/>
+              </a:rPr>
+              <a:t>        </a:t>
+            </a:r>
+            <a:r>
+              <a:rPr lang="en-IN" sz="2000" b="0" dirty="0">
+                <a:solidFill>
+                  <a:srgbClr val="001080"/>
+                </a:solidFill>
+                <a:effectLst/>
+                <a:latin typeface="Cascadia Mono" panose="020B0609020000020004" pitchFamily="49" charset="0"/>
+              </a:rPr>
+              <a:t>index</a:t>
+            </a:r>
+            <a:r>
+              <a:rPr lang="en-IN" sz="2000" b="0" dirty="0">
+                <a:solidFill>
+                  <a:srgbClr val="000000"/>
+                </a:solidFill>
+                <a:effectLst/>
+                <a:latin typeface="Cascadia Mono" panose="020B0609020000020004" pitchFamily="49" charset="0"/>
+              </a:rPr>
+              <a:t> = </a:t>
+            </a:r>
+          </a:p>
+          <a:p>
+            <a:pPr marL="0" indent="0">
+              <a:buNone/>
+            </a:pPr>
+            <a:r>
+              <a:rPr lang="en-IN" sz="2000" b="0" dirty="0">
+                <a:solidFill>
+                  <a:srgbClr val="000000"/>
+                </a:solidFill>
+                <a:effectLst/>
+                <a:latin typeface="Cascadia Mono" panose="020B0609020000020004" pitchFamily="49" charset="0"/>
+              </a:rPr>
+              <a:t>(</a:t>
+            </a:r>
+            <a:r>
+              <a:rPr lang="en-IN" sz="2000" b="0" dirty="0" err="1">
+                <a:solidFill>
+                  <a:srgbClr val="001080"/>
+                </a:solidFill>
+                <a:effectLst/>
+                <a:latin typeface="Cascadia Mono" panose="020B0609020000020004" pitchFamily="49" charset="0"/>
+              </a:rPr>
+              <a:t>hash</a:t>
+            </a:r>
+            <a:r>
+              <a:rPr lang="en-IN" sz="2000" b="0" dirty="0" err="1">
+                <a:solidFill>
+                  <a:srgbClr val="000000"/>
+                </a:solidFill>
+                <a:effectLst/>
+                <a:latin typeface="Cascadia Mono" panose="020B0609020000020004" pitchFamily="49" charset="0"/>
+              </a:rPr>
+              <a:t>+</a:t>
+            </a:r>
+            <a:r>
+              <a:rPr lang="en-IN" sz="2000" b="0" dirty="0" err="1">
+                <a:solidFill>
+                  <a:srgbClr val="001080"/>
+                </a:solidFill>
+                <a:effectLst/>
+                <a:latin typeface="Cascadia Mono" panose="020B0609020000020004" pitchFamily="49" charset="0"/>
+              </a:rPr>
+              <a:t>i</a:t>
+            </a:r>
+            <a:r>
+              <a:rPr lang="en-IN" sz="2000" b="0" dirty="0">
+                <a:solidFill>
+                  <a:srgbClr val="001080"/>
+                </a:solidFill>
+                <a:effectLst/>
+                <a:latin typeface="Cascadia Mono" panose="020B0609020000020004" pitchFamily="49" charset="0"/>
+              </a:rPr>
+              <a:t>*</a:t>
+            </a:r>
+            <a:r>
+              <a:rPr lang="en-IN" sz="2000" b="0" dirty="0" err="1">
+                <a:solidFill>
+                  <a:srgbClr val="001080"/>
+                </a:solidFill>
+                <a:effectLst/>
+                <a:latin typeface="Cascadia Mono" panose="020B0609020000020004" pitchFamily="49" charset="0"/>
+              </a:rPr>
+              <a:t>i</a:t>
+            </a:r>
+            <a:r>
+              <a:rPr lang="en-IN" sz="2000" b="0" dirty="0">
+                <a:solidFill>
+                  <a:srgbClr val="000000"/>
+                </a:solidFill>
+                <a:effectLst/>
+                <a:latin typeface="Cascadia Mono" panose="020B0609020000020004" pitchFamily="49" charset="0"/>
+              </a:rPr>
+              <a:t>)%</a:t>
+            </a:r>
+            <a:r>
+              <a:rPr lang="en-IN" sz="2000" b="0" dirty="0">
+                <a:solidFill>
+                  <a:srgbClr val="0000FF"/>
+                </a:solidFill>
+                <a:effectLst/>
+                <a:latin typeface="Cascadia Mono" panose="020B0609020000020004" pitchFamily="49" charset="0"/>
+              </a:rPr>
+              <a:t>TABLE_SIZE</a:t>
+            </a:r>
+            <a:r>
+              <a:rPr lang="en-IN" sz="2000" b="0" dirty="0">
+                <a:solidFill>
+                  <a:srgbClr val="000000"/>
+                </a:solidFill>
+                <a:effectLst/>
+                <a:latin typeface="Cascadia Mono" panose="020B0609020000020004" pitchFamily="49" charset="0"/>
+              </a:rPr>
+              <a:t>;</a:t>
+            </a:r>
+          </a:p>
+          <a:p>
+            <a:endParaRPr lang="en-IN" sz="2000" dirty="0"/>
+          </a:p>
+          <a:p>
+            <a:endParaRPr lang="en-IN" sz="2000" dirty="0"/>
+          </a:p>
+        </p:txBody>
+      </p:sp>
+      <p:sp>
+        <p:nvSpPr>
+          <p:cNvPr id="7" name="Content Placeholder 6">
+            <a:extLst>
+              <a:ext uri="{FF2B5EF4-FFF2-40B4-BE49-F238E27FC236}">
+                <a16:creationId xmlns:a16="http://schemas.microsoft.com/office/drawing/2014/main" id="{1DBBAF70-247D-18B8-ADD0-AA946A52E329}"/>
+              </a:ext>
+            </a:extLst>
+          </p:cNvPr>
+          <p:cNvSpPr>
+            <a:spLocks noGrp="1"/>
+          </p:cNvSpPr>
+          <p:nvPr>
+            <p:ph sz="half" idx="2"/>
+          </p:nvPr>
+        </p:nvSpPr>
+        <p:spPr/>
+        <p:txBody>
+          <a:bodyPr>
+            <a:noAutofit/>
+          </a:bodyPr>
+          <a:lstStyle/>
+          <a:p>
+            <a:pPr marL="0" indent="0">
+              <a:buNone/>
+            </a:pPr>
+            <a:r>
+              <a:rPr lang="en-IN" sz="2000" b="0" dirty="0">
+                <a:solidFill>
+                  <a:srgbClr val="000000"/>
+                </a:solidFill>
+                <a:effectLst/>
+                <a:latin typeface="Cascadia Mono" panose="020B0609020000020004" pitchFamily="49" charset="0"/>
+              </a:rPr>
+              <a:t>        </a:t>
+            </a:r>
+            <a:r>
+              <a:rPr lang="en-IN" sz="2000" b="0" dirty="0">
+                <a:solidFill>
+                  <a:srgbClr val="AF00DB"/>
+                </a:solidFill>
+                <a:effectLst/>
+                <a:latin typeface="Cascadia Mono" panose="020B0609020000020004" pitchFamily="49" charset="0"/>
+              </a:rPr>
+              <a:t>if</a:t>
+            </a:r>
+            <a:r>
+              <a:rPr lang="en-IN" sz="2000" b="0" dirty="0">
+                <a:solidFill>
+                  <a:srgbClr val="000000"/>
+                </a:solidFill>
+                <a:effectLst/>
+                <a:latin typeface="Cascadia Mono" panose="020B0609020000020004" pitchFamily="49" charset="0"/>
+              </a:rPr>
+              <a:t> (</a:t>
+            </a:r>
+            <a:r>
+              <a:rPr lang="en-IN" sz="2000" b="0" dirty="0">
+                <a:solidFill>
+                  <a:srgbClr val="001080"/>
+                </a:solidFill>
+                <a:effectLst/>
+                <a:latin typeface="Cascadia Mono" panose="020B0609020000020004" pitchFamily="49" charset="0"/>
+              </a:rPr>
+              <a:t>array</a:t>
+            </a:r>
+            <a:r>
+              <a:rPr lang="en-IN" sz="2000" b="0" dirty="0">
+                <a:solidFill>
+                  <a:srgbClr val="000000"/>
+                </a:solidFill>
+                <a:effectLst/>
+                <a:latin typeface="Cascadia Mono" panose="020B0609020000020004" pitchFamily="49" charset="0"/>
+              </a:rPr>
+              <a:t>[</a:t>
+            </a:r>
+            <a:r>
+              <a:rPr lang="en-IN" sz="2000" b="0" dirty="0">
+                <a:solidFill>
+                  <a:srgbClr val="001080"/>
+                </a:solidFill>
+                <a:effectLst/>
+                <a:latin typeface="Cascadia Mono" panose="020B0609020000020004" pitchFamily="49" charset="0"/>
+              </a:rPr>
+              <a:t>index</a:t>
+            </a:r>
+            <a:r>
+              <a:rPr lang="en-IN" sz="2000" b="0" dirty="0">
+                <a:solidFill>
+                  <a:srgbClr val="000000"/>
+                </a:solidFill>
+                <a:effectLst/>
+                <a:latin typeface="Cascadia Mono" panose="020B0609020000020004" pitchFamily="49" charset="0"/>
+              </a:rPr>
+              <a:t>] &amp;&amp; </a:t>
+            </a:r>
+          </a:p>
+          <a:p>
+            <a:pPr marL="0" indent="0">
+              <a:buNone/>
+            </a:pPr>
+            <a:r>
+              <a:rPr lang="en-IN" sz="2000" b="0" dirty="0" err="1">
+                <a:solidFill>
+                  <a:srgbClr val="795E26"/>
+                </a:solidFill>
+                <a:effectLst/>
+                <a:latin typeface="Cascadia Mono" panose="020B0609020000020004" pitchFamily="49" charset="0"/>
+              </a:rPr>
+              <a:t>strcmp</a:t>
+            </a:r>
+            <a:r>
+              <a:rPr lang="en-IN" sz="2000" b="0" dirty="0">
+                <a:solidFill>
+                  <a:srgbClr val="000000"/>
+                </a:solidFill>
+                <a:effectLst/>
+                <a:latin typeface="Cascadia Mono" panose="020B0609020000020004" pitchFamily="49" charset="0"/>
+              </a:rPr>
+              <a:t>(</a:t>
+            </a:r>
+            <a:r>
+              <a:rPr lang="en-IN" sz="2000" b="0" dirty="0">
+                <a:solidFill>
+                  <a:srgbClr val="001080"/>
+                </a:solidFill>
+                <a:effectLst/>
+                <a:latin typeface="Cascadia Mono" panose="020B0609020000020004" pitchFamily="49" charset="0"/>
+              </a:rPr>
+              <a:t>array</a:t>
+            </a:r>
+            <a:r>
+              <a:rPr lang="en-IN" sz="2000" b="0" dirty="0">
+                <a:solidFill>
+                  <a:srgbClr val="000000"/>
+                </a:solidFill>
+                <a:effectLst/>
+                <a:latin typeface="Cascadia Mono" panose="020B0609020000020004" pitchFamily="49" charset="0"/>
+              </a:rPr>
+              <a:t>[</a:t>
+            </a:r>
+            <a:r>
+              <a:rPr lang="en-IN" sz="2000" b="0" dirty="0">
+                <a:solidFill>
+                  <a:srgbClr val="001080"/>
+                </a:solidFill>
+                <a:effectLst/>
+                <a:latin typeface="Cascadia Mono" panose="020B0609020000020004" pitchFamily="49" charset="0"/>
+              </a:rPr>
+              <a:t>index</a:t>
+            </a:r>
+            <a:r>
+              <a:rPr lang="en-IN" sz="2000" b="0" dirty="0">
+                <a:solidFill>
+                  <a:srgbClr val="000000"/>
+                </a:solidFill>
+                <a:effectLst/>
+                <a:latin typeface="Cascadia Mono" panose="020B0609020000020004" pitchFamily="49" charset="0"/>
+              </a:rPr>
+              <a:t>]-&gt;</a:t>
+            </a:r>
+            <a:r>
+              <a:rPr lang="en-IN" sz="2000" b="0" dirty="0">
+                <a:solidFill>
+                  <a:srgbClr val="001080"/>
+                </a:solidFill>
+                <a:effectLst/>
+                <a:latin typeface="Cascadia Mono" panose="020B0609020000020004" pitchFamily="49" charset="0"/>
+              </a:rPr>
+              <a:t>name</a:t>
+            </a:r>
+            <a:r>
+              <a:rPr lang="en-IN" sz="2000" b="0" dirty="0">
+                <a:solidFill>
+                  <a:srgbClr val="000000"/>
+                </a:solidFill>
+                <a:effectLst/>
+                <a:latin typeface="Cascadia Mono" panose="020B0609020000020004" pitchFamily="49" charset="0"/>
+              </a:rPr>
+              <a:t>, </a:t>
+            </a:r>
+          </a:p>
+          <a:p>
+            <a:pPr marL="0" indent="0">
+              <a:buNone/>
+            </a:pPr>
+            <a:r>
+              <a:rPr lang="en-IN" sz="2000" b="0" dirty="0" err="1">
+                <a:solidFill>
+                  <a:srgbClr val="001080"/>
+                </a:solidFill>
+                <a:effectLst/>
+                <a:latin typeface="Cascadia Mono" panose="020B0609020000020004" pitchFamily="49" charset="0"/>
+              </a:rPr>
+              <a:t>movie_name</a:t>
+            </a:r>
+            <a:r>
+              <a:rPr lang="en-IN" sz="2000" b="0" dirty="0">
+                <a:solidFill>
+                  <a:srgbClr val="000000"/>
+                </a:solidFill>
+                <a:effectLst/>
+                <a:latin typeface="Cascadia Mono" panose="020B0609020000020004" pitchFamily="49" charset="0"/>
+              </a:rPr>
+              <a:t>) == </a:t>
+            </a:r>
+            <a:r>
+              <a:rPr lang="en-IN" sz="2000" b="0" dirty="0">
+                <a:solidFill>
+                  <a:srgbClr val="098658"/>
+                </a:solidFill>
+                <a:effectLst/>
+                <a:latin typeface="Cascadia Mono" panose="020B0609020000020004" pitchFamily="49" charset="0"/>
+              </a:rPr>
+              <a:t>0</a:t>
+            </a:r>
+            <a:r>
+              <a:rPr lang="en-IN" sz="2000" b="0" dirty="0">
+                <a:solidFill>
+                  <a:srgbClr val="000000"/>
+                </a:solidFill>
+                <a:effectLst/>
+                <a:latin typeface="Cascadia Mono" panose="020B0609020000020004" pitchFamily="49" charset="0"/>
+              </a:rPr>
+              <a:t>)</a:t>
+            </a:r>
+          </a:p>
+          <a:p>
+            <a:pPr marL="0" indent="0">
+              <a:buNone/>
+            </a:pPr>
+            <a:r>
+              <a:rPr lang="en-IN" sz="2000" b="0" dirty="0">
+                <a:solidFill>
+                  <a:srgbClr val="000000"/>
+                </a:solidFill>
+                <a:effectLst/>
+                <a:latin typeface="Cascadia Mono" panose="020B0609020000020004" pitchFamily="49" charset="0"/>
+              </a:rPr>
+              <a:t>            </a:t>
+            </a:r>
+            <a:r>
+              <a:rPr lang="en-IN" sz="2000" b="0" dirty="0">
+                <a:solidFill>
+                  <a:srgbClr val="AF00DB"/>
+                </a:solidFill>
+                <a:effectLst/>
+                <a:latin typeface="Cascadia Mono" panose="020B0609020000020004" pitchFamily="49" charset="0"/>
+              </a:rPr>
+              <a:t>return</a:t>
+            </a:r>
+            <a:r>
+              <a:rPr lang="en-IN" sz="2000" b="0" dirty="0">
+                <a:solidFill>
+                  <a:srgbClr val="000000"/>
+                </a:solidFill>
+                <a:effectLst/>
+                <a:latin typeface="Cascadia Mono" panose="020B0609020000020004" pitchFamily="49" charset="0"/>
+              </a:rPr>
+              <a:t> </a:t>
+            </a:r>
+            <a:r>
+              <a:rPr lang="en-IN" sz="2000" b="0" dirty="0">
+                <a:solidFill>
+                  <a:srgbClr val="001080"/>
+                </a:solidFill>
+                <a:effectLst/>
+                <a:latin typeface="Cascadia Mono" panose="020B0609020000020004" pitchFamily="49" charset="0"/>
+              </a:rPr>
+              <a:t>index</a:t>
+            </a:r>
+            <a:r>
+              <a:rPr lang="en-IN" sz="2000" b="0" dirty="0">
+                <a:solidFill>
+                  <a:srgbClr val="000000"/>
+                </a:solidFill>
+                <a:effectLst/>
+                <a:latin typeface="Cascadia Mono" panose="020B0609020000020004" pitchFamily="49" charset="0"/>
+              </a:rPr>
+              <a:t>;</a:t>
+            </a:r>
+          </a:p>
+          <a:p>
+            <a:pPr marL="0" indent="0">
+              <a:buNone/>
+            </a:pPr>
+            <a:r>
+              <a:rPr lang="en-IN" sz="2000" b="0" dirty="0">
+                <a:solidFill>
+                  <a:srgbClr val="000000"/>
+                </a:solidFill>
+                <a:effectLst/>
+                <a:latin typeface="Cascadia Mono" panose="020B0609020000020004" pitchFamily="49" charset="0"/>
+              </a:rPr>
+              <a:t>    }</a:t>
+            </a:r>
+          </a:p>
+          <a:p>
+            <a:pPr marL="0" indent="0">
+              <a:buNone/>
+            </a:pPr>
+            <a:r>
+              <a:rPr lang="en-IN" sz="2000" b="0" dirty="0">
+                <a:solidFill>
+                  <a:srgbClr val="000000"/>
+                </a:solidFill>
+                <a:effectLst/>
+                <a:latin typeface="Cascadia Mono" panose="020B0609020000020004" pitchFamily="49" charset="0"/>
+              </a:rPr>
+              <a:t>    </a:t>
+            </a:r>
+            <a:r>
+              <a:rPr lang="en-IN" sz="2000" b="0" dirty="0">
+                <a:solidFill>
+                  <a:srgbClr val="AF00DB"/>
+                </a:solidFill>
+                <a:effectLst/>
+                <a:latin typeface="Cascadia Mono" panose="020B0609020000020004" pitchFamily="49" charset="0"/>
+              </a:rPr>
+              <a:t>return</a:t>
+            </a:r>
+            <a:r>
+              <a:rPr lang="en-IN" sz="2000" b="0" dirty="0">
+                <a:solidFill>
+                  <a:srgbClr val="000000"/>
+                </a:solidFill>
+                <a:effectLst/>
+                <a:latin typeface="Cascadia Mono" panose="020B0609020000020004" pitchFamily="49" charset="0"/>
+              </a:rPr>
+              <a:t> -</a:t>
+            </a:r>
+            <a:r>
+              <a:rPr lang="en-IN" sz="2000" b="0" dirty="0">
+                <a:solidFill>
+                  <a:srgbClr val="098658"/>
+                </a:solidFill>
+                <a:effectLst/>
+                <a:latin typeface="Cascadia Mono" panose="020B0609020000020004" pitchFamily="49" charset="0"/>
+              </a:rPr>
+              <a:t>1</a:t>
+            </a:r>
+            <a:r>
+              <a:rPr lang="en-IN" sz="2000" b="0" dirty="0">
+                <a:solidFill>
+                  <a:srgbClr val="000000"/>
+                </a:solidFill>
+                <a:effectLst/>
+                <a:latin typeface="Cascadia Mono" panose="020B0609020000020004" pitchFamily="49" charset="0"/>
+              </a:rPr>
+              <a:t>;</a:t>
+            </a:r>
+          </a:p>
+          <a:p>
+            <a:pPr marL="0" indent="0">
+              <a:buNone/>
+            </a:pPr>
+            <a:r>
+              <a:rPr lang="en-IN" sz="2000" b="0" dirty="0">
+                <a:solidFill>
+                  <a:srgbClr val="000000"/>
+                </a:solidFill>
+                <a:effectLst/>
+                <a:latin typeface="Cascadia Mono" panose="020B0609020000020004" pitchFamily="49" charset="0"/>
+              </a:rPr>
+              <a:t>}</a:t>
+            </a:r>
+          </a:p>
+          <a:p>
+            <a:endParaRPr lang="en-IN" sz="2000" dirty="0"/>
+          </a:p>
+        </p:txBody>
+      </p:sp>
+    </p:spTree>
+    <p:extLst>
+      <p:ext uri="{BB962C8B-B14F-4D97-AF65-F5344CB8AC3E}">
+        <p14:creationId xmlns:p14="http://schemas.microsoft.com/office/powerpoint/2010/main" val="1432037606"/>
+      </p:ext>
+    </p:extLst>
+  </p:cSld>
+  <p:clrMapOvr>
+    <a:masterClrMapping/>
+  </p:clrMapOvr>
+</p:sld>
+</file>
+
+<file path=ppt/slides/slide21.xml><?xml version="1.0" encoding="utf-8"?>
+<p:sld xmlns:a="http://schemas.openxmlformats.org/drawingml/2006/main" xmlns:r="http://schemas.openxmlformats.org/officeDocument/2006/relationships" xmlns:p="http://schemas.openxmlformats.org/presentationml/2006/main">
+  <p:cSld>
+    <p:spTree>
+      <p:nvGrpSpPr>
+        <p:cNvPr id="1" name=""/>
+        <p:cNvGrpSpPr/>
+        <p:nvPr/>
+      </p:nvGrpSpPr>
+      <p:grpSpPr>
+        <a:xfrm>
+          <a:off x="0" y="0"/>
+          <a:ext cx="0" cy="0"/>
+          <a:chOff x="0" y="0"/>
+          <a:chExt cx="0" cy="0"/>
+        </a:xfrm>
+      </p:grpSpPr>
+      <p:sp>
+        <p:nvSpPr>
+          <p:cNvPr id="2" name="Title 1">
+            <a:extLst>
+              <a:ext uri="{FF2B5EF4-FFF2-40B4-BE49-F238E27FC236}">
+                <a16:creationId xmlns:a16="http://schemas.microsoft.com/office/drawing/2014/main" id="{177984F2-2C07-34A6-A756-B81ACD86F9E3}"/>
+              </a:ext>
+            </a:extLst>
+          </p:cNvPr>
+          <p:cNvSpPr>
+            <a:spLocks noGrp="1"/>
+          </p:cNvSpPr>
+          <p:nvPr>
+            <p:ph type="title"/>
+          </p:nvPr>
+        </p:nvSpPr>
+        <p:spPr/>
+        <p:txBody>
+          <a:bodyPr/>
+          <a:lstStyle/>
+          <a:p>
+            <a:r>
+              <a:rPr lang="en-IN" dirty="0"/>
+              <a:t>Conclusion</a:t>
+            </a:r>
+          </a:p>
+        </p:txBody>
+      </p:sp>
+      <p:sp>
+        <p:nvSpPr>
+          <p:cNvPr id="3" name="Content Placeholder 2">
+            <a:extLst>
+              <a:ext uri="{FF2B5EF4-FFF2-40B4-BE49-F238E27FC236}">
+                <a16:creationId xmlns:a16="http://schemas.microsoft.com/office/drawing/2014/main" id="{434398F7-A577-7892-999D-9D50670F6FE7}"/>
+              </a:ext>
+            </a:extLst>
+          </p:cNvPr>
+          <p:cNvSpPr>
+            <a:spLocks noGrp="1"/>
+          </p:cNvSpPr>
+          <p:nvPr>
+            <p:ph sz="half" idx="1"/>
+          </p:nvPr>
+        </p:nvSpPr>
+        <p:spPr/>
+        <p:txBody>
+          <a:bodyPr/>
+          <a:lstStyle/>
+          <a:p>
+            <a:endParaRPr lang="en-IN"/>
+          </a:p>
+        </p:txBody>
+      </p:sp>
+      <p:sp>
+        <p:nvSpPr>
+          <p:cNvPr id="4" name="Content Placeholder 3">
+            <a:extLst>
+              <a:ext uri="{FF2B5EF4-FFF2-40B4-BE49-F238E27FC236}">
+                <a16:creationId xmlns:a16="http://schemas.microsoft.com/office/drawing/2014/main" id="{694375CC-F8BE-0B5E-E901-FE82E658D3CB}"/>
+              </a:ext>
+            </a:extLst>
+          </p:cNvPr>
+          <p:cNvSpPr>
+            <a:spLocks noGrp="1"/>
+          </p:cNvSpPr>
+          <p:nvPr>
+            <p:ph sz="half" idx="2"/>
+          </p:nvPr>
+        </p:nvSpPr>
+        <p:spPr/>
+        <p:txBody>
+          <a:bodyPr/>
+          <a:lstStyle/>
+          <a:p>
+            <a:endParaRPr lang="en-IN"/>
+          </a:p>
+        </p:txBody>
+      </p:sp>
+    </p:spTree>
+    <p:extLst>
+      <p:ext uri="{BB962C8B-B14F-4D97-AF65-F5344CB8AC3E}">
+        <p14:creationId xmlns:p14="http://schemas.microsoft.com/office/powerpoint/2010/main" val="2491182698"/>
+      </p:ext>
+    </p:extLst>
+  </p:cSld>
+  <p:clrMapOvr>
+    <a:masterClrMapping/>
+  </p:clrMapOvr>
+</p:sld>
+</file>
+
+<file path=ppt/slides/slide22.xml><?xml version="1.0" encoding="utf-8"?>
+<p:sld xmlns:a="http://schemas.openxmlformats.org/drawingml/2006/main" xmlns:r="http://schemas.openxmlformats.org/officeDocument/2006/relationships" xmlns:p="http://schemas.openxmlformats.org/presentationml/2006/main">
+  <p:cSld>
+    <p:spTree>
+      <p:nvGrpSpPr>
+        <p:cNvPr id="1" name=""/>
+        <p:cNvGrpSpPr/>
+        <p:nvPr/>
+      </p:nvGrpSpPr>
+      <p:grpSpPr>
+        <a:xfrm>
+          <a:off x="0" y="0"/>
+          <a:ext cx="0" cy="0"/>
+          <a:chOff x="0" y="0"/>
+          <a:chExt cx="0" cy="0"/>
+        </a:xfrm>
+      </p:grpSpPr>
+      <p:sp>
+        <p:nvSpPr>
+          <p:cNvPr id="2" name="Title 1">
+            <a:extLst>
+              <a:ext uri="{FF2B5EF4-FFF2-40B4-BE49-F238E27FC236}">
+                <a16:creationId xmlns:a16="http://schemas.microsoft.com/office/drawing/2014/main" id="{81AAA083-C95D-10A9-1BDA-567D40E3E3A6}"/>
+              </a:ext>
+            </a:extLst>
+          </p:cNvPr>
+          <p:cNvSpPr>
+            <a:spLocks noGrp="1"/>
+          </p:cNvSpPr>
+          <p:nvPr>
+            <p:ph type="title"/>
+          </p:nvPr>
+        </p:nvSpPr>
+        <p:spPr/>
+        <p:txBody>
+          <a:bodyPr/>
+          <a:lstStyle/>
+          <a:p>
+            <a:r>
+              <a:rPr lang="en-IN" dirty="0"/>
+              <a:t>Bibliography</a:t>
+            </a:r>
+          </a:p>
+        </p:txBody>
+      </p:sp>
+      <p:sp>
+        <p:nvSpPr>
+          <p:cNvPr id="5" name="Content Placeholder 4">
+            <a:extLst>
+              <a:ext uri="{FF2B5EF4-FFF2-40B4-BE49-F238E27FC236}">
+                <a16:creationId xmlns:a16="http://schemas.microsoft.com/office/drawing/2014/main" id="{D52BD79F-4C1F-1388-265A-2B5382F117B8}"/>
+              </a:ext>
+            </a:extLst>
+          </p:cNvPr>
+          <p:cNvSpPr>
+            <a:spLocks noGrp="1"/>
+          </p:cNvSpPr>
+          <p:nvPr>
+            <p:ph idx="1"/>
+          </p:nvPr>
+        </p:nvSpPr>
+        <p:spPr/>
+        <p:txBody>
+          <a:bodyPr/>
+          <a:lstStyle/>
+          <a:p>
+            <a:r>
+              <a:rPr lang="en-IN" dirty="0">
+                <a:hlinkClick r:id="rId2"/>
+              </a:rPr>
+              <a:t>Hash table – Wikipedia</a:t>
+            </a:r>
+            <a:endParaRPr lang="en-IN" dirty="0"/>
+          </a:p>
+          <a:p>
+            <a:r>
+              <a:rPr lang="en-IN" dirty="0">
+                <a:hlinkClick r:id="rId3"/>
+              </a:rPr>
+              <a:t>Hash function – Wikipedia</a:t>
+            </a:r>
+            <a:endParaRPr lang="en-IN" dirty="0"/>
+          </a:p>
+          <a:p>
+            <a:endParaRPr lang="en-IN" dirty="0"/>
+          </a:p>
+        </p:txBody>
+      </p:sp>
+    </p:spTree>
+    <p:extLst>
+      <p:ext uri="{BB962C8B-B14F-4D97-AF65-F5344CB8AC3E}">
+        <p14:creationId xmlns:p14="http://schemas.microsoft.com/office/powerpoint/2010/main" val="1661005657"/>
       </p:ext>
     </p:extLst>
   </p:cSld>
@@ -14277,7 +17486,7 @@
 
 <file path=ppt/webextensions/taskpanes.xml><?xml version="1.0" encoding="utf-8"?>
 <wetp:taskpanes xmlns:wetp="http://schemas.microsoft.com/office/webextensions/taskpanes/2010/11">
-  <wetp:taskpane dockstate="right" visibility="0" width="525" row="2">
+  <wetp:taskpane dockstate="right" visibility="0" width="525" row="1">
     <wetp:webextensionref xmlns:r="http://schemas.openxmlformats.org/officeDocument/2006/relationships" r:id="rId1"/>
   </wetp:taskpane>
 </wetp:taskpanes>

--- a/hash_table_presentation/hashing.pptx
+++ b/hash_table_presentation/hashing.pptx
@@ -300,7 +300,7 @@
           <a:p>
             <a:fld id="{B63B952D-58BF-4557-ACCB-77351F743635}" type="datetimeFigureOut">
               <a:rPr lang="en-IN" smtClean="0"/>
-              <a:t>05-12-2023</a:t>
+              <a:t>07-12-2023</a:t>
             </a:fld>
             <a:endParaRPr lang="en-IN"/>
           </a:p>
@@ -500,7 +500,7 @@
           <a:p>
             <a:fld id="{B63B952D-58BF-4557-ACCB-77351F743635}" type="datetimeFigureOut">
               <a:rPr lang="en-IN" smtClean="0"/>
-              <a:t>05-12-2023</a:t>
+              <a:t>07-12-2023</a:t>
             </a:fld>
             <a:endParaRPr lang="en-IN"/>
           </a:p>
@@ -710,7 +710,7 @@
           <a:p>
             <a:fld id="{B63B952D-58BF-4557-ACCB-77351F743635}" type="datetimeFigureOut">
               <a:rPr lang="en-IN" smtClean="0"/>
-              <a:t>05-12-2023</a:t>
+              <a:t>07-12-2023</a:t>
             </a:fld>
             <a:endParaRPr lang="en-IN"/>
           </a:p>
@@ -910,7 +910,7 @@
           <a:p>
             <a:fld id="{B63B952D-58BF-4557-ACCB-77351F743635}" type="datetimeFigureOut">
               <a:rPr lang="en-IN" smtClean="0"/>
-              <a:t>05-12-2023</a:t>
+              <a:t>07-12-2023</a:t>
             </a:fld>
             <a:endParaRPr lang="en-IN"/>
           </a:p>
@@ -1186,7 +1186,7 @@
           <a:p>
             <a:fld id="{B63B952D-58BF-4557-ACCB-77351F743635}" type="datetimeFigureOut">
               <a:rPr lang="en-IN" smtClean="0"/>
-              <a:t>05-12-2023</a:t>
+              <a:t>07-12-2023</a:t>
             </a:fld>
             <a:endParaRPr lang="en-IN"/>
           </a:p>
@@ -1454,7 +1454,7 @@
           <a:p>
             <a:fld id="{B63B952D-58BF-4557-ACCB-77351F743635}" type="datetimeFigureOut">
               <a:rPr lang="en-IN" smtClean="0"/>
-              <a:t>05-12-2023</a:t>
+              <a:t>07-12-2023</a:t>
             </a:fld>
             <a:endParaRPr lang="en-IN"/>
           </a:p>
@@ -1869,7 +1869,7 @@
           <a:p>
             <a:fld id="{B63B952D-58BF-4557-ACCB-77351F743635}" type="datetimeFigureOut">
               <a:rPr lang="en-IN" smtClean="0"/>
-              <a:t>05-12-2023</a:t>
+              <a:t>07-12-2023</a:t>
             </a:fld>
             <a:endParaRPr lang="en-IN"/>
           </a:p>
@@ -2011,7 +2011,7 @@
           <a:p>
             <a:fld id="{B63B952D-58BF-4557-ACCB-77351F743635}" type="datetimeFigureOut">
               <a:rPr lang="en-IN" smtClean="0"/>
-              <a:t>05-12-2023</a:t>
+              <a:t>07-12-2023</a:t>
             </a:fld>
             <a:endParaRPr lang="en-IN"/>
           </a:p>
@@ -2124,7 +2124,7 @@
           <a:p>
             <a:fld id="{B63B952D-58BF-4557-ACCB-77351F743635}" type="datetimeFigureOut">
               <a:rPr lang="en-IN" smtClean="0"/>
-              <a:t>05-12-2023</a:t>
+              <a:t>07-12-2023</a:t>
             </a:fld>
             <a:endParaRPr lang="en-IN"/>
           </a:p>
@@ -2437,7 +2437,7 @@
           <a:p>
             <a:fld id="{B63B952D-58BF-4557-ACCB-77351F743635}" type="datetimeFigureOut">
               <a:rPr lang="en-IN" smtClean="0"/>
-              <a:t>05-12-2023</a:t>
+              <a:t>07-12-2023</a:t>
             </a:fld>
             <a:endParaRPr lang="en-IN"/>
           </a:p>
@@ -2726,7 +2726,7 @@
           <a:p>
             <a:fld id="{B63B952D-58BF-4557-ACCB-77351F743635}" type="datetimeFigureOut">
               <a:rPr lang="en-IN" smtClean="0"/>
-              <a:t>05-12-2023</a:t>
+              <a:t>07-12-2023</a:t>
             </a:fld>
             <a:endParaRPr lang="en-IN"/>
           </a:p>
@@ -2969,7 +2969,7 @@
           <a:p>
             <a:fld id="{B63B952D-58BF-4557-ACCB-77351F743635}" type="datetimeFigureOut">
               <a:rPr lang="en-IN" smtClean="0"/>
-              <a:t>05-12-2023</a:t>
+              <a:t>07-12-2023</a:t>
             </a:fld>
             <a:endParaRPr lang="en-IN"/>
           </a:p>
@@ -26302,6 +26302,16 @@
               <a:buNone/>
             </a:pPr>
             <a:r>
+              <a:rPr lang="en-US" sz="1800" b="0" dirty="0" err="1">
+                <a:solidFill>
+                  <a:srgbClr val="0000FF"/>
+                </a:solidFill>
+                <a:effectLst/>
+                <a:latin typeface="Cascadia Mono" panose="020B0609020000020004" pitchFamily="49" charset="0"/>
+              </a:rPr>
+              <a:t>division_method</a:t>
+            </a:r>
+            <a:r>
               <a:rPr lang="en-US" sz="1800" b="0" dirty="0">
                 <a:solidFill>
                   <a:srgbClr val="0000FF"/>
@@ -26309,263 +26319,29 @@
                 <a:effectLst/>
                 <a:latin typeface="Cascadia Mono" panose="020B0609020000020004" pitchFamily="49" charset="0"/>
               </a:rPr>
-              <a:t>int</a:t>
-            </a:r>
-            <a:r>
-              <a:rPr lang="en-US" sz="1800" b="0" dirty="0">
-                <a:solidFill>
-                  <a:srgbClr val="000000"/>
-                </a:solidFill>
-                <a:effectLst/>
-                <a:latin typeface="Cascadia Mono" panose="020B0609020000020004" pitchFamily="49" charset="0"/>
-              </a:rPr>
-              <a:t> </a:t>
-            </a:r>
-            <a:r>
-              <a:rPr lang="en-US" sz="1800" b="0" dirty="0" err="1">
-                <a:solidFill>
-                  <a:srgbClr val="795E26"/>
-                </a:solidFill>
-                <a:effectLst/>
-                <a:latin typeface="Cascadia Mono" panose="020B0609020000020004" pitchFamily="49" charset="0"/>
-              </a:rPr>
-              <a:t>division_method</a:t>
-            </a:r>
-            <a:r>
-              <a:rPr lang="en-US" sz="1800" b="0" dirty="0">
-                <a:solidFill>
-                  <a:srgbClr val="000000"/>
-                </a:solidFill>
-                <a:effectLst/>
-                <a:latin typeface="Cascadia Mono" panose="020B0609020000020004" pitchFamily="49" charset="0"/>
-              </a:rPr>
-              <a:t>(</a:t>
-            </a:r>
-            <a:r>
-              <a:rPr lang="en-US" sz="1800" b="0" dirty="0">
+              <a:t>: key</a:t>
+            </a:r>
+          </a:p>
+          <a:p>
+            <a:pPr marL="0" indent="0">
+              <a:buNone/>
+            </a:pPr>
+            <a:r>
+              <a:rPr lang="en-US" sz="1800" dirty="0">
                 <a:solidFill>
                   <a:srgbClr val="0000FF"/>
                 </a:solidFill>
-                <a:effectLst/>
-                <a:latin typeface="Cascadia Mono" panose="020B0609020000020004" pitchFamily="49" charset="0"/>
-              </a:rPr>
-              <a:t>int</a:t>
-            </a:r>
-            <a:r>
-              <a:rPr lang="en-US" sz="1800" b="0" dirty="0">
-                <a:solidFill>
-                  <a:srgbClr val="000000"/>
-                </a:solidFill>
-                <a:effectLst/>
-                <a:latin typeface="Cascadia Mono" panose="020B0609020000020004" pitchFamily="49" charset="0"/>
-              </a:rPr>
-              <a:t> </a:t>
-            </a:r>
-            <a:r>
-              <a:rPr lang="en-US" sz="1800" b="0" dirty="0">
-                <a:solidFill>
-                  <a:srgbClr val="001080"/>
-                </a:solidFill>
-                <a:effectLst/>
-                <a:latin typeface="Cascadia Mono" panose="020B0609020000020004" pitchFamily="49" charset="0"/>
-              </a:rPr>
-              <a:t>key</a:t>
-            </a:r>
-            <a:r>
-              <a:rPr lang="en-US" sz="1800" b="0" dirty="0">
-                <a:solidFill>
-                  <a:srgbClr val="000000"/>
-                </a:solidFill>
-                <a:effectLst/>
-                <a:latin typeface="Cascadia Mono" panose="020B0609020000020004" pitchFamily="49" charset="0"/>
-              </a:rPr>
-              <a:t>) {</a:t>
-            </a:r>
-          </a:p>
-          <a:p>
-            <a:pPr marL="0" indent="0">
-              <a:buNone/>
-            </a:pPr>
-            <a:r>
-              <a:rPr lang="en-US" sz="1800" b="0" dirty="0">
-                <a:solidFill>
-                  <a:srgbClr val="000000"/>
-                </a:solidFill>
-                <a:effectLst/>
-                <a:latin typeface="Cascadia Mono" panose="020B0609020000020004" pitchFamily="49" charset="0"/>
-              </a:rPr>
-              <a:t>    </a:t>
-            </a:r>
-            <a:r>
-              <a:rPr lang="en-US" sz="1800" b="0" dirty="0">
-                <a:solidFill>
-                  <a:srgbClr val="0000FF"/>
-                </a:solidFill>
-                <a:effectLst/>
-                <a:latin typeface="Cascadia Mono" panose="020B0609020000020004" pitchFamily="49" charset="0"/>
-              </a:rPr>
-              <a:t>const</a:t>
-            </a:r>
-            <a:r>
-              <a:rPr lang="en-US" sz="1800" b="0" dirty="0">
-                <a:solidFill>
-                  <a:srgbClr val="000000"/>
-                </a:solidFill>
-                <a:effectLst/>
-                <a:latin typeface="Cascadia Mono" panose="020B0609020000020004" pitchFamily="49" charset="0"/>
-              </a:rPr>
-              <a:t> </a:t>
-            </a:r>
-            <a:r>
-              <a:rPr lang="en-US" sz="1800" b="0" dirty="0">
-                <a:solidFill>
-                  <a:srgbClr val="0000FF"/>
-                </a:solidFill>
-                <a:effectLst/>
-                <a:latin typeface="Cascadia Mono" panose="020B0609020000020004" pitchFamily="49" charset="0"/>
-              </a:rPr>
-              <a:t>int</a:t>
-            </a:r>
-            <a:r>
-              <a:rPr lang="en-US" sz="1800" b="0" dirty="0">
-                <a:solidFill>
-                  <a:srgbClr val="000000"/>
-                </a:solidFill>
-                <a:effectLst/>
-                <a:latin typeface="Cascadia Mono" panose="020B0609020000020004" pitchFamily="49" charset="0"/>
-              </a:rPr>
-              <a:t> </a:t>
-            </a:r>
-            <a:r>
-              <a:rPr lang="en-US" sz="1800" b="0" dirty="0">
-                <a:solidFill>
-                  <a:srgbClr val="001080"/>
-                </a:solidFill>
-                <a:effectLst/>
-                <a:latin typeface="Cascadia Mono" panose="020B0609020000020004" pitchFamily="49" charset="0"/>
-              </a:rPr>
-              <a:t>m</a:t>
-            </a:r>
-            <a:r>
-              <a:rPr lang="en-US" sz="1800" b="0" dirty="0">
-                <a:solidFill>
-                  <a:srgbClr val="000000"/>
-                </a:solidFill>
-                <a:effectLst/>
-                <a:latin typeface="Cascadia Mono" panose="020B0609020000020004" pitchFamily="49" charset="0"/>
-              </a:rPr>
-              <a:t> = </a:t>
-            </a:r>
-            <a:r>
-              <a:rPr lang="en-US" sz="1800" b="0" dirty="0">
-                <a:solidFill>
-                  <a:srgbClr val="098658"/>
-                </a:solidFill>
-                <a:effectLst/>
-                <a:latin typeface="Cascadia Mono" panose="020B0609020000020004" pitchFamily="49" charset="0"/>
-              </a:rPr>
-              <a:t>29</a:t>
-            </a:r>
-            <a:r>
-              <a:rPr lang="en-US" sz="1800" b="0" dirty="0">
-                <a:solidFill>
-                  <a:srgbClr val="000000"/>
-                </a:solidFill>
-                <a:effectLst/>
-                <a:latin typeface="Cascadia Mono" panose="020B0609020000020004" pitchFamily="49" charset="0"/>
-              </a:rPr>
-              <a:t>;</a:t>
-            </a:r>
-          </a:p>
-          <a:p>
-            <a:pPr marL="0" indent="0">
-              <a:buNone/>
-            </a:pPr>
-            <a:r>
-              <a:rPr lang="en-US" sz="1800" b="0" dirty="0">
-                <a:solidFill>
-                  <a:srgbClr val="000000"/>
-                </a:solidFill>
-                <a:effectLst/>
-                <a:latin typeface="Cascadia Mono" panose="020B0609020000020004" pitchFamily="49" charset="0"/>
-              </a:rPr>
-              <a:t>    </a:t>
-            </a:r>
-            <a:r>
-              <a:rPr lang="en-US" sz="1800" b="0" dirty="0">
-                <a:solidFill>
-                  <a:srgbClr val="AF00DB"/>
-                </a:solidFill>
-                <a:effectLst/>
-                <a:latin typeface="Cascadia Mono" panose="020B0609020000020004" pitchFamily="49" charset="0"/>
-              </a:rPr>
-              <a:t>return</a:t>
-            </a:r>
-            <a:r>
-              <a:rPr lang="en-US" sz="1800" b="0" dirty="0">
-                <a:solidFill>
-                  <a:srgbClr val="000000"/>
-                </a:solidFill>
-                <a:effectLst/>
-                <a:latin typeface="Cascadia Mono" panose="020B0609020000020004" pitchFamily="49" charset="0"/>
-              </a:rPr>
-              <a:t> </a:t>
-            </a:r>
-            <a:r>
-              <a:rPr lang="en-US" sz="1800" b="0" dirty="0">
-                <a:solidFill>
-                  <a:srgbClr val="001080"/>
-                </a:solidFill>
-                <a:effectLst/>
-                <a:latin typeface="Cascadia Mono" panose="020B0609020000020004" pitchFamily="49" charset="0"/>
-              </a:rPr>
-              <a:t>key</a:t>
-            </a:r>
-            <a:r>
-              <a:rPr lang="en-US" sz="1800" b="0" dirty="0">
-                <a:solidFill>
-                  <a:srgbClr val="000000"/>
-                </a:solidFill>
-                <a:effectLst/>
-                <a:latin typeface="Cascadia Mono" panose="020B0609020000020004" pitchFamily="49" charset="0"/>
-              </a:rPr>
-              <a:t> % </a:t>
-            </a:r>
-            <a:r>
-              <a:rPr lang="en-US" sz="1800" b="0" dirty="0">
-                <a:solidFill>
-                  <a:srgbClr val="001080"/>
-                </a:solidFill>
-                <a:effectLst/>
-                <a:latin typeface="Cascadia Mono" panose="020B0609020000020004" pitchFamily="49" charset="0"/>
-              </a:rPr>
-              <a:t>m</a:t>
-            </a:r>
-            <a:r>
-              <a:rPr lang="en-US" sz="1800" b="0" dirty="0">
-                <a:solidFill>
-                  <a:srgbClr val="000000"/>
-                </a:solidFill>
-                <a:effectLst/>
-                <a:latin typeface="Cascadia Mono" panose="020B0609020000020004" pitchFamily="49" charset="0"/>
-              </a:rPr>
-              <a:t>;</a:t>
-            </a:r>
-          </a:p>
-          <a:p>
-            <a:pPr marL="0" indent="0">
-              <a:buNone/>
-            </a:pPr>
-            <a:r>
-              <a:rPr lang="en-US" sz="1800" b="0" dirty="0">
-                <a:solidFill>
-                  <a:srgbClr val="000000"/>
-                </a:solidFill>
-                <a:effectLst/>
-                <a:latin typeface="Cascadia Mono" panose="020B0609020000020004" pitchFamily="49" charset="0"/>
-              </a:rPr>
-              <a:t>}</a:t>
-            </a:r>
+                <a:latin typeface="Cascadia Mono" panose="020B0609020000020004" pitchFamily="49" charset="0"/>
+              </a:rPr>
+              <a:t>1. Return key mod m.</a:t>
+            </a:r>
+            <a:endParaRPr lang="en-US" sz="1800" b="0" dirty="0">
+              <a:solidFill>
+                <a:srgbClr val="000000"/>
+              </a:solidFill>
+              <a:effectLst/>
+              <a:latin typeface="Cascadia Mono" panose="020B0609020000020004" pitchFamily="49" charset="0"/>
+            </a:endParaRPr>
           </a:p>
         </p:txBody>
       </p:sp>
@@ -26867,553 +26643,93 @@
               <a:buNone/>
             </a:pPr>
             <a:r>
-              <a:rPr lang="en-US" sz="1800" b="0" dirty="0">
+              <a:rPr lang="en-US" sz="1800" b="0" dirty="0" err="1">
                 <a:solidFill>
                   <a:srgbClr val="0000FF"/>
                 </a:solidFill>
                 <a:effectLst/>
                 <a:latin typeface="Cascadia Mono" panose="020B0609020000020004" pitchFamily="49" charset="0"/>
               </a:rPr>
-              <a:t>int</a:t>
-            </a:r>
-            <a:r>
-              <a:rPr lang="en-US" sz="1800" b="0" dirty="0">
-                <a:solidFill>
-                  <a:srgbClr val="000000"/>
-                </a:solidFill>
-                <a:effectLst/>
-                <a:latin typeface="Cascadia Mono" panose="020B0609020000020004" pitchFamily="49" charset="0"/>
-              </a:rPr>
-              <a:t> </a:t>
-            </a:r>
-            <a:r>
-              <a:rPr lang="en-US" sz="1800" b="0" dirty="0" err="1">
-                <a:solidFill>
-                  <a:srgbClr val="795E26"/>
-                </a:solidFill>
-                <a:effectLst/>
-                <a:latin typeface="Cascadia Mono" panose="020B0609020000020004" pitchFamily="49" charset="0"/>
-              </a:rPr>
               <a:t>multiplication_method</a:t>
             </a:r>
             <a:r>
-              <a:rPr lang="en-US" sz="1800" b="0" dirty="0">
-                <a:solidFill>
-                  <a:srgbClr val="000000"/>
-                </a:solidFill>
-                <a:effectLst/>
-                <a:latin typeface="Cascadia Mono" panose="020B0609020000020004" pitchFamily="49" charset="0"/>
-              </a:rPr>
-              <a:t>(</a:t>
-            </a:r>
-            <a:r>
-              <a:rPr lang="en-US" sz="1800" b="0" dirty="0">
+              <a:rPr lang="en-US" sz="1800" dirty="0">
                 <a:solidFill>
                   <a:srgbClr val="0000FF"/>
                 </a:solidFill>
-                <a:effectLst/>
-                <a:latin typeface="Cascadia Mono" panose="020B0609020000020004" pitchFamily="49" charset="0"/>
-              </a:rPr>
-              <a:t>int</a:t>
-            </a:r>
-            <a:r>
-              <a:rPr lang="en-US" sz="1800" b="0" dirty="0">
-                <a:solidFill>
-                  <a:srgbClr val="000000"/>
-                </a:solidFill>
-                <a:effectLst/>
-                <a:latin typeface="Cascadia Mono" panose="020B0609020000020004" pitchFamily="49" charset="0"/>
-              </a:rPr>
-              <a:t> </a:t>
-            </a:r>
-            <a:r>
-              <a:rPr lang="en-US" sz="1800" b="0" dirty="0">
-                <a:solidFill>
-                  <a:srgbClr val="001080"/>
-                </a:solidFill>
-                <a:effectLst/>
-                <a:latin typeface="Cascadia Mono" panose="020B0609020000020004" pitchFamily="49" charset="0"/>
-              </a:rPr>
-              <a:t>key</a:t>
-            </a:r>
-            <a:r>
-              <a:rPr lang="en-US" sz="1800" b="0" dirty="0">
-                <a:solidFill>
-                  <a:srgbClr val="000000"/>
-                </a:solidFill>
-                <a:effectLst/>
-                <a:latin typeface="Cascadia Mono" panose="020B0609020000020004" pitchFamily="49" charset="0"/>
-              </a:rPr>
-              <a:t>) {</a:t>
-            </a:r>
-          </a:p>
-          <a:p>
-            <a:pPr marL="0" indent="0">
-              <a:buNone/>
-            </a:pPr>
-            <a:r>
-              <a:rPr lang="en-US" sz="1800" b="0" dirty="0">
-                <a:solidFill>
-                  <a:srgbClr val="000000"/>
-                </a:solidFill>
-                <a:effectLst/>
-                <a:latin typeface="Cascadia Mono" panose="020B0609020000020004" pitchFamily="49" charset="0"/>
-              </a:rPr>
-              <a:t>    </a:t>
-            </a:r>
-            <a:r>
-              <a:rPr lang="en-US" sz="1800" b="0" dirty="0">
+                <a:latin typeface="Cascadia Mono" panose="020B0609020000020004" pitchFamily="49" charset="0"/>
+              </a:rPr>
+              <a:t>: key</a:t>
+            </a:r>
+          </a:p>
+          <a:p>
+            <a:pPr marL="0" indent="0">
+              <a:buNone/>
+            </a:pPr>
+            <a:r>
+              <a:rPr lang="en-US" sz="1800" dirty="0">
                 <a:solidFill>
                   <a:srgbClr val="0000FF"/>
                 </a:solidFill>
-                <a:effectLst/>
-                <a:latin typeface="Cascadia Mono" panose="020B0609020000020004" pitchFamily="49" charset="0"/>
-              </a:rPr>
-              <a:t>const</a:t>
-            </a:r>
-            <a:r>
-              <a:rPr lang="en-US" sz="1800" b="0" dirty="0">
-                <a:solidFill>
-                  <a:srgbClr val="000000"/>
-                </a:solidFill>
-                <a:effectLst/>
-                <a:latin typeface="Cascadia Mono" panose="020B0609020000020004" pitchFamily="49" charset="0"/>
-              </a:rPr>
-              <a:t> </a:t>
-            </a:r>
-            <a:r>
-              <a:rPr lang="en-US" sz="1800" b="0" dirty="0">
+                <a:latin typeface="Cascadia Mono" panose="020B0609020000020004" pitchFamily="49" charset="0"/>
+              </a:rPr>
+              <a:t>1. Find key * A.</a:t>
+            </a:r>
+          </a:p>
+          <a:p>
+            <a:pPr marL="0" indent="0">
+              <a:buNone/>
+            </a:pPr>
+            <a:r>
+              <a:rPr lang="en-US" sz="1800" dirty="0">
                 <a:solidFill>
                   <a:srgbClr val="0000FF"/>
                 </a:solidFill>
-                <a:effectLst/>
-                <a:latin typeface="Cascadia Mono" panose="020B0609020000020004" pitchFamily="49" charset="0"/>
-              </a:rPr>
-              <a:t>double</a:t>
-            </a:r>
-            <a:r>
-              <a:rPr lang="en-US" sz="1800" b="0" dirty="0">
-                <a:solidFill>
-                  <a:srgbClr val="000000"/>
-                </a:solidFill>
-                <a:effectLst/>
-                <a:latin typeface="Cascadia Mono" panose="020B0609020000020004" pitchFamily="49" charset="0"/>
-              </a:rPr>
-              <a:t> </a:t>
-            </a:r>
-            <a:r>
-              <a:rPr lang="en-US" sz="1800" b="0" dirty="0">
-                <a:solidFill>
-                  <a:srgbClr val="001080"/>
-                </a:solidFill>
-                <a:effectLst/>
-                <a:latin typeface="Cascadia Mono" panose="020B0609020000020004" pitchFamily="49" charset="0"/>
-              </a:rPr>
-              <a:t>A</a:t>
-            </a:r>
-            <a:r>
-              <a:rPr lang="en-US" sz="1800" b="0" dirty="0">
-                <a:solidFill>
-                  <a:srgbClr val="000000"/>
-                </a:solidFill>
-                <a:effectLst/>
-                <a:latin typeface="Cascadia Mono" panose="020B0609020000020004" pitchFamily="49" charset="0"/>
-              </a:rPr>
-              <a:t> = </a:t>
-            </a:r>
-            <a:r>
-              <a:rPr lang="en-US" sz="1800" b="0" dirty="0">
-                <a:solidFill>
-                  <a:srgbClr val="098658"/>
-                </a:solidFill>
-                <a:effectLst/>
-                <a:latin typeface="Cascadia Mono" panose="020B0609020000020004" pitchFamily="49" charset="0"/>
-              </a:rPr>
-              <a:t>0.6180339887</a:t>
-            </a:r>
-            <a:r>
-              <a:rPr lang="en-US" sz="1800" b="0" dirty="0">
-                <a:solidFill>
-                  <a:srgbClr val="000000"/>
-                </a:solidFill>
-                <a:effectLst/>
-                <a:latin typeface="Cascadia Mono" panose="020B0609020000020004" pitchFamily="49" charset="0"/>
-              </a:rPr>
-              <a:t>;</a:t>
-            </a:r>
-          </a:p>
-          <a:p>
-            <a:pPr marL="0" indent="0">
-              <a:buNone/>
-            </a:pPr>
-            <a:r>
-              <a:rPr lang="en-US" sz="1800" b="0" dirty="0">
-                <a:solidFill>
-                  <a:srgbClr val="000000"/>
-                </a:solidFill>
-                <a:effectLst/>
-                <a:latin typeface="Cascadia Mono" panose="020B0609020000020004" pitchFamily="49" charset="0"/>
-              </a:rPr>
-              <a:t>    </a:t>
-            </a:r>
-            <a:r>
-              <a:rPr lang="en-US" sz="1800" b="0" dirty="0">
+                <a:latin typeface="Cascadia Mono" panose="020B0609020000020004" pitchFamily="49" charset="0"/>
+              </a:rPr>
+              <a:t>2. Extract the part after the</a:t>
+            </a:r>
+          </a:p>
+          <a:p>
+            <a:pPr marL="0" indent="0">
+              <a:buNone/>
+            </a:pPr>
+            <a:r>
+              <a:rPr lang="en-US" sz="1800" dirty="0">
                 <a:solidFill>
                   <a:srgbClr val="0000FF"/>
                 </a:solidFill>
-                <a:effectLst/>
-                <a:latin typeface="Cascadia Mono" panose="020B0609020000020004" pitchFamily="49" charset="0"/>
-              </a:rPr>
-              <a:t>const</a:t>
-            </a:r>
-            <a:r>
-              <a:rPr lang="en-US" sz="1800" b="0" dirty="0">
-                <a:solidFill>
-                  <a:srgbClr val="000000"/>
-                </a:solidFill>
-                <a:effectLst/>
-                <a:latin typeface="Cascadia Mono" panose="020B0609020000020004" pitchFamily="49" charset="0"/>
-              </a:rPr>
-              <a:t> </a:t>
-            </a:r>
-            <a:r>
-              <a:rPr lang="en-US" sz="1800" b="0" dirty="0">
+                <a:latin typeface="Cascadia Mono" panose="020B0609020000020004" pitchFamily="49" charset="0"/>
+              </a:rPr>
+              <a:t>   floating point (:= extracted).</a:t>
+            </a:r>
+          </a:p>
+          <a:p>
+            <a:pPr marL="0" indent="0">
+              <a:buNone/>
+            </a:pPr>
+            <a:r>
+              <a:rPr lang="en-US" sz="1800" dirty="0">
                 <a:solidFill>
                   <a:srgbClr val="0000FF"/>
                 </a:solidFill>
-                <a:effectLst/>
-                <a:latin typeface="Cascadia Mono" panose="020B0609020000020004" pitchFamily="49" charset="0"/>
-              </a:rPr>
-              <a:t>int</a:t>
-            </a:r>
-            <a:r>
-              <a:rPr lang="en-US" sz="1800" b="0" dirty="0">
-                <a:solidFill>
-                  <a:srgbClr val="000000"/>
-                </a:solidFill>
-                <a:effectLst/>
-                <a:latin typeface="Cascadia Mono" panose="020B0609020000020004" pitchFamily="49" charset="0"/>
-              </a:rPr>
-              <a:t> </a:t>
-            </a:r>
-            <a:r>
-              <a:rPr lang="en-US" sz="1800" b="0" dirty="0">
-                <a:solidFill>
-                  <a:srgbClr val="001080"/>
-                </a:solidFill>
-                <a:effectLst/>
-                <a:latin typeface="Cascadia Mono" panose="020B0609020000020004" pitchFamily="49" charset="0"/>
-              </a:rPr>
-              <a:t>m</a:t>
-            </a:r>
-            <a:r>
-              <a:rPr lang="en-US" sz="1800" b="0" dirty="0">
-                <a:solidFill>
-                  <a:srgbClr val="000000"/>
-                </a:solidFill>
-                <a:effectLst/>
-                <a:latin typeface="Cascadia Mono" panose="020B0609020000020004" pitchFamily="49" charset="0"/>
-              </a:rPr>
-              <a:t> = </a:t>
-            </a:r>
-            <a:r>
-              <a:rPr lang="en-US" sz="1800" b="0" dirty="0">
-                <a:solidFill>
-                  <a:srgbClr val="098658"/>
-                </a:solidFill>
-                <a:effectLst/>
-                <a:latin typeface="Cascadia Mono" panose="020B0609020000020004" pitchFamily="49" charset="0"/>
-              </a:rPr>
-              <a:t>60</a:t>
-            </a:r>
-            <a:r>
-              <a:rPr lang="en-US" sz="1800" b="0" dirty="0">
-                <a:solidFill>
-                  <a:srgbClr val="000000"/>
-                </a:solidFill>
-                <a:effectLst/>
-                <a:latin typeface="Cascadia Mono" panose="020B0609020000020004" pitchFamily="49" charset="0"/>
-              </a:rPr>
-              <a:t>;</a:t>
-            </a:r>
-          </a:p>
-          <a:p>
-            <a:pPr marL="0" indent="0">
-              <a:buNone/>
-            </a:pPr>
-            <a:r>
-              <a:rPr lang="en-US" sz="1800" b="0" dirty="0">
-                <a:solidFill>
-                  <a:srgbClr val="000000"/>
-                </a:solidFill>
-                <a:effectLst/>
-                <a:latin typeface="Cascadia Mono" panose="020B0609020000020004" pitchFamily="49" charset="0"/>
-              </a:rPr>
-              <a:t>    </a:t>
-            </a:r>
-            <a:r>
-              <a:rPr lang="en-US" sz="1800" b="0" dirty="0">
+                <a:latin typeface="Cascadia Mono" panose="020B0609020000020004" pitchFamily="49" charset="0"/>
+              </a:rPr>
+              <a:t>3. Return the integer part of</a:t>
+            </a:r>
+          </a:p>
+          <a:p>
+            <a:pPr marL="0" indent="0">
+              <a:buNone/>
+            </a:pPr>
+            <a:r>
+              <a:rPr lang="en-US" sz="1800" dirty="0">
                 <a:solidFill>
                   <a:srgbClr val="0000FF"/>
                 </a:solidFill>
-                <a:effectLst/>
-                <a:latin typeface="Cascadia Mono" panose="020B0609020000020004" pitchFamily="49" charset="0"/>
-              </a:rPr>
-              <a:t>double</a:t>
-            </a:r>
-            <a:r>
-              <a:rPr lang="en-US" sz="1800" b="0" dirty="0">
-                <a:solidFill>
-                  <a:srgbClr val="000000"/>
-                </a:solidFill>
-                <a:effectLst/>
-                <a:latin typeface="Cascadia Mono" panose="020B0609020000020004" pitchFamily="49" charset="0"/>
-              </a:rPr>
-              <a:t> </a:t>
-            </a:r>
-            <a:r>
-              <a:rPr lang="en-US" sz="1800" b="0" dirty="0">
-                <a:solidFill>
-                  <a:srgbClr val="001080"/>
-                </a:solidFill>
-                <a:effectLst/>
-                <a:latin typeface="Cascadia Mono" panose="020B0609020000020004" pitchFamily="49" charset="0"/>
-              </a:rPr>
-              <a:t>extracted</a:t>
-            </a:r>
-            <a:r>
-              <a:rPr lang="en-US" sz="1800" b="0" dirty="0">
-                <a:solidFill>
-                  <a:srgbClr val="000000"/>
-                </a:solidFill>
-                <a:effectLst/>
-                <a:latin typeface="Cascadia Mono" panose="020B0609020000020004" pitchFamily="49" charset="0"/>
-              </a:rPr>
-              <a:t> = </a:t>
-            </a:r>
-            <a:r>
-              <a:rPr lang="en-US" sz="1800" b="0" dirty="0">
-                <a:solidFill>
-                  <a:srgbClr val="001080"/>
-                </a:solidFill>
-                <a:effectLst/>
-                <a:latin typeface="Cascadia Mono" panose="020B0609020000020004" pitchFamily="49" charset="0"/>
-              </a:rPr>
-              <a:t>A</a:t>
-            </a:r>
-            <a:r>
-              <a:rPr lang="en-US" sz="1800" b="0" dirty="0">
-                <a:solidFill>
-                  <a:srgbClr val="000000"/>
-                </a:solidFill>
-                <a:effectLst/>
-                <a:latin typeface="Cascadia Mono" panose="020B0609020000020004" pitchFamily="49" charset="0"/>
-              </a:rPr>
-              <a:t>*</a:t>
-            </a:r>
-            <a:r>
-              <a:rPr lang="en-US" sz="1800" b="0" dirty="0">
-                <a:solidFill>
-                  <a:srgbClr val="001080"/>
-                </a:solidFill>
-                <a:effectLst/>
-                <a:latin typeface="Cascadia Mono" panose="020B0609020000020004" pitchFamily="49" charset="0"/>
-              </a:rPr>
-              <a:t>key</a:t>
-            </a:r>
-            <a:r>
-              <a:rPr lang="en-US" sz="1800" b="0" dirty="0">
-                <a:solidFill>
-                  <a:srgbClr val="000000"/>
-                </a:solidFill>
-                <a:effectLst/>
-                <a:latin typeface="Cascadia Mono" panose="020B0609020000020004" pitchFamily="49" charset="0"/>
-              </a:rPr>
-              <a:t> –</a:t>
-            </a:r>
-          </a:p>
-          <a:p>
-            <a:pPr marL="0" indent="0">
-              <a:buNone/>
-            </a:pPr>
-            <a:r>
-              <a:rPr lang="en-US" sz="1800" b="0" dirty="0">
-                <a:solidFill>
-                  <a:srgbClr val="000000"/>
-                </a:solidFill>
-                <a:effectLst/>
-                <a:latin typeface="Cascadia Mono" panose="020B0609020000020004" pitchFamily="49" charset="0"/>
-              </a:rPr>
-              <a:t> </a:t>
-            </a:r>
-            <a:r>
-              <a:rPr lang="en-US" sz="1800" b="0" dirty="0">
-                <a:solidFill>
-                  <a:srgbClr val="795E26"/>
-                </a:solidFill>
-                <a:effectLst/>
-                <a:latin typeface="Cascadia Mono" panose="020B0609020000020004" pitchFamily="49" charset="0"/>
-              </a:rPr>
-              <a:t>floor</a:t>
-            </a:r>
-            <a:r>
-              <a:rPr lang="en-US" sz="1800" b="0" dirty="0">
-                <a:solidFill>
-                  <a:srgbClr val="000000"/>
-                </a:solidFill>
-                <a:effectLst/>
-                <a:latin typeface="Cascadia Mono" panose="020B0609020000020004" pitchFamily="49" charset="0"/>
-              </a:rPr>
-              <a:t>(</a:t>
-            </a:r>
-            <a:r>
-              <a:rPr lang="en-US" sz="1800" b="0" dirty="0">
-                <a:solidFill>
-                  <a:srgbClr val="001080"/>
-                </a:solidFill>
-                <a:effectLst/>
-                <a:latin typeface="Cascadia Mono" panose="020B0609020000020004" pitchFamily="49" charset="0"/>
-              </a:rPr>
-              <a:t>A</a:t>
-            </a:r>
-            <a:r>
-              <a:rPr lang="en-US" sz="1800" b="0" dirty="0">
-                <a:solidFill>
-                  <a:srgbClr val="000000"/>
-                </a:solidFill>
-                <a:effectLst/>
-                <a:latin typeface="Cascadia Mono" panose="020B0609020000020004" pitchFamily="49" charset="0"/>
-              </a:rPr>
-              <a:t>*</a:t>
-            </a:r>
-            <a:r>
-              <a:rPr lang="en-US" sz="1800" b="0" dirty="0">
-                <a:solidFill>
-                  <a:srgbClr val="001080"/>
-                </a:solidFill>
-                <a:effectLst/>
-                <a:latin typeface="Cascadia Mono" panose="020B0609020000020004" pitchFamily="49" charset="0"/>
-              </a:rPr>
-              <a:t>key</a:t>
-            </a:r>
-            <a:r>
-              <a:rPr lang="en-US" sz="1800" b="0" dirty="0">
-                <a:solidFill>
-                  <a:srgbClr val="000000"/>
-                </a:solidFill>
-                <a:effectLst/>
-                <a:latin typeface="Cascadia Mono" panose="020B0609020000020004" pitchFamily="49" charset="0"/>
-              </a:rPr>
-              <a:t>);</a:t>
-            </a:r>
-          </a:p>
-          <a:p>
-            <a:pPr marL="0" indent="0">
-              <a:buNone/>
-            </a:pPr>
-            <a:r>
-              <a:rPr lang="en-US" sz="1800" b="0" dirty="0">
-                <a:solidFill>
-                  <a:srgbClr val="000000"/>
-                </a:solidFill>
-                <a:effectLst/>
-                <a:latin typeface="Cascadia Mono" panose="020B0609020000020004" pitchFamily="49" charset="0"/>
-              </a:rPr>
-              <a:t>    </a:t>
-            </a:r>
-            <a:r>
-              <a:rPr lang="en-US" sz="1800" b="0" dirty="0">
-                <a:solidFill>
-                  <a:srgbClr val="AF00DB"/>
-                </a:solidFill>
-                <a:effectLst/>
-                <a:latin typeface="Cascadia Mono" panose="020B0609020000020004" pitchFamily="49" charset="0"/>
-              </a:rPr>
-              <a:t>return</a:t>
-            </a:r>
-            <a:r>
-              <a:rPr lang="en-US" sz="1800" dirty="0">
-                <a:solidFill>
-                  <a:srgbClr val="000000"/>
-                </a:solidFill>
-                <a:latin typeface="Cascadia Mono" panose="020B0609020000020004" pitchFamily="49" charset="0"/>
-              </a:rPr>
-              <a:t> </a:t>
-            </a:r>
-            <a:r>
-              <a:rPr lang="en-US" sz="1800" b="0" dirty="0">
-                <a:solidFill>
-                  <a:srgbClr val="795E26"/>
-                </a:solidFill>
-                <a:effectLst/>
-                <a:latin typeface="Cascadia Mono" panose="020B0609020000020004" pitchFamily="49" charset="0"/>
-              </a:rPr>
-              <a:t>floor</a:t>
-            </a:r>
-            <a:r>
-              <a:rPr lang="en-US" sz="1800" b="0" dirty="0">
-                <a:solidFill>
-                  <a:srgbClr val="000000"/>
-                </a:solidFill>
-                <a:effectLst/>
-                <a:latin typeface="Cascadia Mono" panose="020B0609020000020004" pitchFamily="49" charset="0"/>
-              </a:rPr>
-              <a:t>(</a:t>
-            </a:r>
-            <a:r>
-              <a:rPr lang="en-US" sz="1800" b="0" dirty="0">
-                <a:solidFill>
-                  <a:srgbClr val="001080"/>
-                </a:solidFill>
-                <a:effectLst/>
-                <a:latin typeface="Cascadia Mono" panose="020B0609020000020004" pitchFamily="49" charset="0"/>
-              </a:rPr>
-              <a:t>m</a:t>
-            </a:r>
-            <a:r>
-              <a:rPr lang="en-US" sz="1800" b="0" dirty="0">
-                <a:solidFill>
-                  <a:srgbClr val="000000"/>
-                </a:solidFill>
-                <a:effectLst/>
-                <a:latin typeface="Cascadia Mono" panose="020B0609020000020004" pitchFamily="49" charset="0"/>
-              </a:rPr>
-              <a:t>*</a:t>
-            </a:r>
-            <a:r>
-              <a:rPr lang="en-US" sz="1800" b="0" dirty="0">
-                <a:solidFill>
-                  <a:srgbClr val="001080"/>
-                </a:solidFill>
-                <a:effectLst/>
-                <a:latin typeface="Cascadia Mono" panose="020B0609020000020004" pitchFamily="49" charset="0"/>
-              </a:rPr>
-              <a:t>extracted</a:t>
-            </a:r>
-            <a:r>
-              <a:rPr lang="en-US" sz="1800" b="0" dirty="0">
-                <a:solidFill>
-                  <a:srgbClr val="000000"/>
-                </a:solidFill>
-                <a:effectLst/>
-                <a:latin typeface="Cascadia Mono" panose="020B0609020000020004" pitchFamily="49" charset="0"/>
-              </a:rPr>
-              <a:t>);</a:t>
-            </a:r>
-          </a:p>
-          <a:p>
-            <a:pPr marL="0" indent="0">
-              <a:buNone/>
-            </a:pPr>
-            <a:r>
-              <a:rPr lang="en-US" sz="1800" b="0" dirty="0">
-                <a:solidFill>
-                  <a:srgbClr val="000000"/>
-                </a:solidFill>
-                <a:effectLst/>
-                <a:latin typeface="Cascadia Mono" panose="020B0609020000020004" pitchFamily="49" charset="0"/>
-              </a:rPr>
-              <a:t>}</a:t>
+                <a:latin typeface="Cascadia Mono" panose="020B0609020000020004" pitchFamily="49" charset="0"/>
+              </a:rPr>
+              <a:t>   m * extracted.</a:t>
             </a:r>
           </a:p>
         </p:txBody>
@@ -27675,119 +26991,37 @@
               <a:buNone/>
             </a:pPr>
             <a:r>
-              <a:rPr lang="en-IN" sz="1800" b="0" dirty="0">
+              <a:rPr lang="en-IN" sz="1800" b="0" dirty="0" err="1">
                 <a:solidFill>
                   <a:srgbClr val="0000FF"/>
                 </a:solidFill>
                 <a:effectLst/>
                 <a:latin typeface="Cascadia Mono" panose="020B0609020000020004" pitchFamily="49" charset="0"/>
               </a:rPr>
-              <a:t>int</a:t>
-            </a:r>
-            <a:r>
-              <a:rPr lang="en-IN" sz="1800" b="0" dirty="0">
-                <a:solidFill>
-                  <a:srgbClr val="000000"/>
-                </a:solidFill>
-                <a:effectLst/>
-                <a:latin typeface="Cascadia Mono" panose="020B0609020000020004" pitchFamily="49" charset="0"/>
-              </a:rPr>
-              <a:t> </a:t>
-            </a:r>
-            <a:r>
-              <a:rPr lang="en-IN" sz="1800" b="0" dirty="0" err="1">
-                <a:solidFill>
-                  <a:srgbClr val="795E26"/>
-                </a:solidFill>
-                <a:effectLst/>
-                <a:latin typeface="Cascadia Mono" panose="020B0609020000020004" pitchFamily="49" charset="0"/>
-              </a:rPr>
-              <a:t>midsquare_method</a:t>
-            </a:r>
-            <a:r>
-              <a:rPr lang="en-IN" sz="1800" b="0" dirty="0">
-                <a:solidFill>
-                  <a:srgbClr val="000000"/>
-                </a:solidFill>
-                <a:effectLst/>
-                <a:latin typeface="Cascadia Mono" panose="020B0609020000020004" pitchFamily="49" charset="0"/>
-              </a:rPr>
-              <a:t>(</a:t>
-            </a:r>
-            <a:r>
-              <a:rPr lang="en-IN" sz="1800" b="0" dirty="0">
+              <a:t>mid_square_method</a:t>
+            </a:r>
+            <a:r>
+              <a:rPr lang="en-IN" sz="1800" dirty="0">
                 <a:solidFill>
                   <a:srgbClr val="0000FF"/>
                 </a:solidFill>
-                <a:effectLst/>
-                <a:latin typeface="Cascadia Mono" panose="020B0609020000020004" pitchFamily="49" charset="0"/>
-              </a:rPr>
-              <a:t>int</a:t>
-            </a:r>
-            <a:r>
-              <a:rPr lang="en-IN" sz="1800" b="0" dirty="0">
-                <a:solidFill>
-                  <a:srgbClr val="000000"/>
-                </a:solidFill>
-                <a:effectLst/>
-                <a:latin typeface="Cascadia Mono" panose="020B0609020000020004" pitchFamily="49" charset="0"/>
-              </a:rPr>
-              <a:t> </a:t>
-            </a:r>
-            <a:r>
-              <a:rPr lang="en-IN" sz="1800" b="0" dirty="0">
-                <a:solidFill>
-                  <a:srgbClr val="001080"/>
-                </a:solidFill>
-                <a:effectLst/>
-                <a:latin typeface="Cascadia Mono" panose="020B0609020000020004" pitchFamily="49" charset="0"/>
-              </a:rPr>
-              <a:t>key</a:t>
-            </a:r>
-            <a:r>
-              <a:rPr lang="en-IN" sz="1800" b="0" dirty="0">
-                <a:solidFill>
-                  <a:srgbClr val="000000"/>
-                </a:solidFill>
-                <a:effectLst/>
-                <a:latin typeface="Cascadia Mono" panose="020B0609020000020004" pitchFamily="49" charset="0"/>
-              </a:rPr>
-              <a:t>) {</a:t>
-            </a:r>
-          </a:p>
-          <a:p>
-            <a:pPr marL="0" indent="0">
-              <a:buNone/>
-            </a:pPr>
-            <a:r>
-              <a:rPr lang="en-IN" sz="1800" b="0" dirty="0">
-                <a:solidFill>
-                  <a:srgbClr val="000000"/>
-                </a:solidFill>
-                <a:effectLst/>
-                <a:latin typeface="Cascadia Mono" panose="020B0609020000020004" pitchFamily="49" charset="0"/>
-              </a:rPr>
-              <a:t>    </a:t>
-            </a:r>
-            <a:r>
-              <a:rPr lang="en-IN" sz="1800" b="0" dirty="0" err="1">
+                <a:latin typeface="Cascadia Mono" panose="020B0609020000020004" pitchFamily="49" charset="0"/>
+              </a:rPr>
+              <a:t>: key</a:t>
+            </a:r>
+          </a:p>
+          <a:p>
+            <a:pPr marL="0" indent="0">
+              <a:buNone/>
+            </a:pPr>
+            <a:r>
+              <a:rPr lang="en-IN" sz="1800" dirty="0">
                 <a:solidFill>
                   <a:srgbClr val="0000FF"/>
                 </a:solidFill>
-                <a:effectLst/>
-                <a:latin typeface="Cascadia Mono" panose="020B0609020000020004" pitchFamily="49" charset="0"/>
-              </a:rPr>
-              <a:t>const</a:t>
-            </a:r>
-            <a:r>
-              <a:rPr lang="en-IN" sz="1800" b="0" dirty="0">
-                <a:solidFill>
-                  <a:srgbClr val="000000"/>
-                </a:solidFill>
-                <a:effectLst/>
-                <a:latin typeface="Cascadia Mono" panose="020B0609020000020004" pitchFamily="49" charset="0"/>
-              </a:rPr>
-              <a:t> </a:t>
+                <a:latin typeface="Cascadia Mono" panose="020B0609020000020004" pitchFamily="49" charset="0"/>
+              </a:rPr>
+              <a:t>1. </a:t>
             </a:r>
             <a:r>
               <a:rPr lang="en-IN" sz="1800" b="0" dirty="0">
@@ -27797,73 +27031,13 @@
                 <a:effectLst/>
                 <a:latin typeface="Cascadia Mono" panose="020B0609020000020004" pitchFamily="49" charset="0"/>
               </a:rPr>
-              <a:t>int</a:t>
-            </a:r>
-            <a:r>
-              <a:rPr lang="en-IN" sz="1800" b="0" dirty="0">
-                <a:solidFill>
-                  <a:srgbClr val="000000"/>
-                </a:solidFill>
-                <a:effectLst/>
-                <a:latin typeface="Cascadia Mono" panose="020B0609020000020004" pitchFamily="49" charset="0"/>
-              </a:rPr>
-              <a:t> </a:t>
-            </a:r>
-            <a:r>
-              <a:rPr lang="en-IN" sz="1800" b="0" dirty="0">
-                <a:solidFill>
-                  <a:srgbClr val="001080"/>
-                </a:solidFill>
-                <a:effectLst/>
-                <a:latin typeface="Cascadia Mono" panose="020B0609020000020004" pitchFamily="49" charset="0"/>
-              </a:rPr>
-              <a:t>r</a:t>
-            </a:r>
-            <a:r>
-              <a:rPr lang="en-IN" sz="1800" b="0" dirty="0">
-                <a:solidFill>
-                  <a:srgbClr val="000000"/>
-                </a:solidFill>
-                <a:effectLst/>
-                <a:latin typeface="Cascadia Mono" panose="020B0609020000020004" pitchFamily="49" charset="0"/>
-              </a:rPr>
-              <a:t> = </a:t>
-            </a:r>
-            <a:r>
-              <a:rPr lang="en-IN" sz="1800" b="0" dirty="0">
-                <a:solidFill>
-                  <a:srgbClr val="098658"/>
-                </a:solidFill>
-                <a:effectLst/>
-                <a:latin typeface="Cascadia Mono" panose="020B0609020000020004" pitchFamily="49" charset="0"/>
-              </a:rPr>
-              <a:t>3</a:t>
-            </a:r>
-            <a:r>
-              <a:rPr lang="en-IN" sz="1800" b="0" dirty="0">
-                <a:solidFill>
-                  <a:srgbClr val="000000"/>
-                </a:solidFill>
-                <a:effectLst/>
-                <a:latin typeface="Cascadia Mono" panose="020B0609020000020004" pitchFamily="49" charset="0"/>
-              </a:rPr>
-              <a:t>;</a:t>
-            </a:r>
-          </a:p>
-          <a:p>
-            <a:pPr marL="0" indent="0">
-              <a:buNone/>
-            </a:pPr>
-            <a:r>
-              <a:rPr lang="en-IN" sz="1800" b="0" dirty="0">
-                <a:solidFill>
-                  <a:srgbClr val="000000"/>
-                </a:solidFill>
-                <a:effectLst/>
-                <a:latin typeface="Cascadia Mono" panose="020B0609020000020004" pitchFamily="49" charset="0"/>
-              </a:rPr>
-              <a:t>    </a:t>
-            </a:r>
+              <a:t>Find the square of key.</a:t>
+            </a:r>
+          </a:p>
+          <a:p>
+            <a:pPr marL="0" indent="0">
+              <a:buNone/>
+            </a:pPr>
             <a:r>
               <a:rPr lang="en-IN" sz="1800" b="0" dirty="0">
                 <a:solidFill>
@@ -27872,541 +27046,54 @@
                 <a:effectLst/>
                 <a:latin typeface="Cascadia Mono" panose="020B0609020000020004" pitchFamily="49" charset="0"/>
               </a:rPr>
-              <a:t>int</a:t>
-            </a:r>
-            <a:r>
-              <a:rPr lang="en-IN" sz="1800" b="0" dirty="0">
-                <a:solidFill>
-                  <a:srgbClr val="000000"/>
-                </a:solidFill>
-                <a:effectLst/>
-                <a:latin typeface="Cascadia Mono" panose="020B0609020000020004" pitchFamily="49" charset="0"/>
-              </a:rPr>
-              <a:t> </a:t>
-            </a:r>
-            <a:r>
-              <a:rPr lang="en-IN" sz="1800" b="0" dirty="0" err="1">
-                <a:solidFill>
-                  <a:srgbClr val="001080"/>
-                </a:solidFill>
-                <a:effectLst/>
-                <a:latin typeface="Cascadia Mono" panose="020B0609020000020004" pitchFamily="49" charset="0"/>
-              </a:rPr>
-              <a:t>key_sq</a:t>
-            </a:r>
-            <a:r>
-              <a:rPr lang="en-IN" sz="1800" b="0" dirty="0">
-                <a:solidFill>
-                  <a:srgbClr val="000000"/>
-                </a:solidFill>
-                <a:effectLst/>
-                <a:latin typeface="Cascadia Mono" panose="020B0609020000020004" pitchFamily="49" charset="0"/>
-              </a:rPr>
-              <a:t> = </a:t>
-            </a:r>
-            <a:r>
-              <a:rPr lang="en-IN" sz="1800" b="0" dirty="0">
-                <a:solidFill>
-                  <a:srgbClr val="001080"/>
-                </a:solidFill>
-                <a:effectLst/>
-                <a:latin typeface="Cascadia Mono" panose="020B0609020000020004" pitchFamily="49" charset="0"/>
-              </a:rPr>
-              <a:t>key</a:t>
-            </a:r>
-            <a:r>
-              <a:rPr lang="en-IN" sz="1800" b="0" dirty="0">
-                <a:solidFill>
-                  <a:srgbClr val="000000"/>
-                </a:solidFill>
-                <a:effectLst/>
-                <a:latin typeface="Cascadia Mono" panose="020B0609020000020004" pitchFamily="49" charset="0"/>
-              </a:rPr>
-              <a:t> * </a:t>
-            </a:r>
-            <a:r>
-              <a:rPr lang="en-IN" sz="1800" b="0" dirty="0">
-                <a:solidFill>
-                  <a:srgbClr val="001080"/>
-                </a:solidFill>
-                <a:effectLst/>
-                <a:latin typeface="Cascadia Mono" panose="020B0609020000020004" pitchFamily="49" charset="0"/>
-              </a:rPr>
-              <a:t>key</a:t>
-            </a:r>
-            <a:r>
-              <a:rPr lang="en-IN" sz="1800" b="0" dirty="0">
-                <a:solidFill>
-                  <a:srgbClr val="000000"/>
-                </a:solidFill>
-                <a:effectLst/>
-                <a:latin typeface="Cascadia Mono" panose="020B0609020000020004" pitchFamily="49" charset="0"/>
-              </a:rPr>
-              <a:t>;</a:t>
-            </a:r>
-          </a:p>
-          <a:p>
-            <a:pPr marL="0" indent="0">
-              <a:buNone/>
-            </a:pPr>
-            <a:r>
-              <a:rPr lang="en-IN" sz="1800" b="0" dirty="0">
-                <a:solidFill>
-                  <a:srgbClr val="000000"/>
-                </a:solidFill>
-                <a:effectLst/>
-                <a:latin typeface="Cascadia Mono" panose="020B0609020000020004" pitchFamily="49" charset="0"/>
-              </a:rPr>
-              <a:t>    </a:t>
-            </a:r>
-            <a:r>
-              <a:rPr lang="en-IN" sz="1800" b="0" dirty="0">
+              <a:t>2. Slice the mid</a:t>
+            </a:r>
+            <a:r>
+              <a:rPr lang="en-IN" sz="1800" dirty="0">
                 <a:solidFill>
                   <a:srgbClr val="0000FF"/>
                 </a:solidFill>
-                <a:effectLst/>
-                <a:latin typeface="Cascadia Mono" panose="020B0609020000020004" pitchFamily="49" charset="0"/>
-              </a:rPr>
-              <a:t>int</a:t>
-            </a:r>
-            <a:r>
-              <a:rPr lang="en-IN" sz="1800" b="0" dirty="0">
-                <a:solidFill>
-                  <a:srgbClr val="000000"/>
-                </a:solidFill>
-                <a:effectLst/>
-                <a:latin typeface="Cascadia Mono" panose="020B0609020000020004" pitchFamily="49" charset="0"/>
-              </a:rPr>
-              <a:t> </a:t>
-            </a:r>
-            <a:r>
-              <a:rPr lang="en-IN" sz="1800" b="0" dirty="0">
-                <a:solidFill>
-                  <a:srgbClr val="001080"/>
-                </a:solidFill>
-                <a:effectLst/>
-                <a:latin typeface="Cascadia Mono" panose="020B0609020000020004" pitchFamily="49" charset="0"/>
-              </a:rPr>
-              <a:t>n</a:t>
-            </a:r>
-            <a:r>
-              <a:rPr lang="en-IN" sz="1800" b="0" dirty="0">
-                <a:solidFill>
-                  <a:srgbClr val="000000"/>
-                </a:solidFill>
-                <a:effectLst/>
-                <a:latin typeface="Cascadia Mono" panose="020B0609020000020004" pitchFamily="49" charset="0"/>
-              </a:rPr>
-              <a:t> = </a:t>
-            </a:r>
-            <a:r>
-              <a:rPr lang="en-IN" sz="1800" b="0" dirty="0" err="1">
-                <a:solidFill>
-                  <a:srgbClr val="795E26"/>
-                </a:solidFill>
-                <a:effectLst/>
-                <a:latin typeface="Cascadia Mono" panose="020B0609020000020004" pitchFamily="49" charset="0"/>
-              </a:rPr>
-              <a:t>count_digits</a:t>
-            </a:r>
-            <a:r>
-              <a:rPr lang="en-IN" sz="1800" b="0" dirty="0">
-                <a:solidFill>
-                  <a:srgbClr val="000000"/>
-                </a:solidFill>
-                <a:effectLst/>
-                <a:latin typeface="Cascadia Mono" panose="020B0609020000020004" pitchFamily="49" charset="0"/>
-              </a:rPr>
-              <a:t>(</a:t>
-            </a:r>
-            <a:r>
-              <a:rPr lang="en-IN" sz="1800" b="0" dirty="0" err="1">
-                <a:solidFill>
-                  <a:srgbClr val="001080"/>
-                </a:solidFill>
-                <a:effectLst/>
-                <a:latin typeface="Cascadia Mono" panose="020B0609020000020004" pitchFamily="49" charset="0"/>
-              </a:rPr>
-              <a:t>key_sq</a:t>
-            </a:r>
-            <a:r>
-              <a:rPr lang="en-IN" sz="1800" b="0" dirty="0">
-                <a:solidFill>
-                  <a:srgbClr val="000000"/>
-                </a:solidFill>
-                <a:effectLst/>
-                <a:latin typeface="Cascadia Mono" panose="020B0609020000020004" pitchFamily="49" charset="0"/>
-              </a:rPr>
-              <a:t>);</a:t>
-            </a:r>
-          </a:p>
-          <a:p>
-            <a:pPr marL="0" indent="0">
-              <a:buNone/>
-            </a:pPr>
-            <a:r>
-              <a:rPr lang="en-IN" sz="1800" b="0" dirty="0">
-                <a:solidFill>
-                  <a:srgbClr val="000000"/>
-                </a:solidFill>
-                <a:effectLst/>
-                <a:latin typeface="Cascadia Mono" panose="020B0609020000020004" pitchFamily="49" charset="0"/>
-              </a:rPr>
-              <a:t>    </a:t>
-            </a:r>
-            <a:r>
-              <a:rPr lang="en-IN" sz="1800" b="0" dirty="0">
+                <a:latin typeface="Cascadia Mono" panose="020B0609020000020004" pitchFamily="49" charset="0"/>
+              </a:rPr>
+              <a:t>dle r digits from the</a:t>
+            </a:r>
+          </a:p>
+          <a:p>
+            <a:pPr marL="0" indent="0">
+              <a:buNone/>
+            </a:pPr>
+            <a:r>
+              <a:rPr lang="en-IN" sz="1800" dirty="0">
                 <a:solidFill>
                   <a:srgbClr val="0000FF"/>
                 </a:solidFill>
-                <a:effectLst/>
-                <a:latin typeface="Cascadia Mono" panose="020B0609020000020004" pitchFamily="49" charset="0"/>
-              </a:rPr>
-              <a:t>int</a:t>
-            </a:r>
-            <a:r>
-              <a:rPr lang="en-IN" sz="1800" b="0" dirty="0">
-                <a:solidFill>
-                  <a:srgbClr val="000000"/>
-                </a:solidFill>
-                <a:effectLst/>
-                <a:latin typeface="Cascadia Mono" panose="020B0609020000020004" pitchFamily="49" charset="0"/>
-              </a:rPr>
-              <a:t> </a:t>
-            </a:r>
-            <a:r>
-              <a:rPr lang="en-IN" sz="1800" b="0" dirty="0">
-                <a:solidFill>
-                  <a:srgbClr val="001080"/>
-                </a:solidFill>
-                <a:effectLst/>
-                <a:latin typeface="Cascadia Mono" panose="020B0609020000020004" pitchFamily="49" charset="0"/>
-              </a:rPr>
-              <a:t>start</a:t>
-            </a:r>
-            <a:r>
-              <a:rPr lang="en-IN" sz="1800" b="0" dirty="0">
-                <a:solidFill>
-                  <a:srgbClr val="000000"/>
-                </a:solidFill>
-                <a:effectLst/>
-                <a:latin typeface="Cascadia Mono" panose="020B0609020000020004" pitchFamily="49" charset="0"/>
-              </a:rPr>
-              <a:t> = (</a:t>
-            </a:r>
-            <a:r>
-              <a:rPr lang="en-IN" sz="1800" b="0" dirty="0">
-                <a:solidFill>
-                  <a:srgbClr val="001080"/>
-                </a:solidFill>
-                <a:effectLst/>
-                <a:latin typeface="Cascadia Mono" panose="020B0609020000020004" pitchFamily="49" charset="0"/>
-              </a:rPr>
-              <a:t>n-r</a:t>
-            </a:r>
-            <a:r>
-              <a:rPr lang="en-IN" sz="1800" b="0" dirty="0">
-                <a:solidFill>
-                  <a:srgbClr val="000000"/>
-                </a:solidFill>
-                <a:effectLst/>
-                <a:latin typeface="Cascadia Mono" panose="020B0609020000020004" pitchFamily="49" charset="0"/>
-              </a:rPr>
-              <a:t>) / </a:t>
-            </a:r>
-            <a:r>
-              <a:rPr lang="en-IN" sz="1800" b="0" dirty="0">
-                <a:solidFill>
-                  <a:srgbClr val="098658"/>
-                </a:solidFill>
-                <a:effectLst/>
-                <a:latin typeface="Cascadia Mono" panose="020B0609020000020004" pitchFamily="49" charset="0"/>
-              </a:rPr>
-              <a:t>2</a:t>
-            </a:r>
-            <a:r>
-              <a:rPr lang="en-IN" sz="1800" b="0" dirty="0">
-                <a:solidFill>
-                  <a:srgbClr val="000000"/>
-                </a:solidFill>
-                <a:effectLst/>
-                <a:latin typeface="Cascadia Mono" panose="020B0609020000020004" pitchFamily="49" charset="0"/>
-              </a:rPr>
-              <a:t>;</a:t>
-            </a:r>
-          </a:p>
-          <a:p>
-            <a:pPr marL="0" indent="0">
-              <a:buNone/>
-            </a:pPr>
-            <a:r>
-              <a:rPr lang="en-IN" sz="1800" b="0" dirty="0">
-                <a:solidFill>
-                  <a:srgbClr val="000000"/>
-                </a:solidFill>
-                <a:effectLst/>
-                <a:latin typeface="Cascadia Mono" panose="020B0609020000020004" pitchFamily="49" charset="0"/>
-              </a:rPr>
-              <a:t>    </a:t>
-            </a:r>
-            <a:r>
-              <a:rPr lang="en-IN" sz="1800" b="0" dirty="0" err="1">
-                <a:solidFill>
-                  <a:srgbClr val="001080"/>
-                </a:solidFill>
-                <a:effectLst/>
-                <a:latin typeface="Cascadia Mono" panose="020B0609020000020004" pitchFamily="49" charset="0"/>
-              </a:rPr>
-              <a:t>key_sq</a:t>
-            </a:r>
-            <a:r>
-              <a:rPr lang="en-IN" sz="1800" b="0" dirty="0">
-                <a:solidFill>
-                  <a:srgbClr val="000000"/>
-                </a:solidFill>
-                <a:effectLst/>
-                <a:latin typeface="Cascadia Mono" panose="020B0609020000020004" pitchFamily="49" charset="0"/>
-              </a:rPr>
-              <a:t> /= </a:t>
-            </a:r>
-            <a:r>
-              <a:rPr lang="en-IN" sz="1800" b="0" dirty="0" err="1">
-                <a:solidFill>
-                  <a:srgbClr val="795E26"/>
-                </a:solidFill>
-                <a:effectLst/>
-                <a:latin typeface="Cascadia Mono" panose="020B0609020000020004" pitchFamily="49" charset="0"/>
-              </a:rPr>
-              <a:t>ten_raised</a:t>
-            </a:r>
-            <a:r>
-              <a:rPr lang="en-IN" sz="1800" b="0" dirty="0">
-                <a:solidFill>
-                  <a:srgbClr val="000000"/>
-                </a:solidFill>
-                <a:effectLst/>
-                <a:latin typeface="Cascadia Mono" panose="020B0609020000020004" pitchFamily="49" charset="0"/>
-              </a:rPr>
-              <a:t>(</a:t>
-            </a:r>
-            <a:r>
-              <a:rPr lang="en-IN" sz="1800" b="0" dirty="0">
-                <a:solidFill>
-                  <a:srgbClr val="001080"/>
-                </a:solidFill>
-                <a:effectLst/>
-                <a:latin typeface="Cascadia Mono" panose="020B0609020000020004" pitchFamily="49" charset="0"/>
-              </a:rPr>
-              <a:t>start</a:t>
-            </a:r>
-            <a:r>
-              <a:rPr lang="en-IN" sz="1800" b="0" dirty="0">
-                <a:solidFill>
-                  <a:srgbClr val="000000"/>
-                </a:solidFill>
-                <a:effectLst/>
-                <a:latin typeface="Cascadia Mono" panose="020B0609020000020004" pitchFamily="49" charset="0"/>
-              </a:rPr>
-              <a:t>);</a:t>
-            </a:r>
-          </a:p>
-          <a:p>
-            <a:pPr marL="0" indent="0">
-              <a:buNone/>
-            </a:pPr>
-            <a:r>
-              <a:rPr lang="en-IN" sz="1800" b="0" dirty="0">
-                <a:solidFill>
-                  <a:srgbClr val="000000"/>
-                </a:solidFill>
-                <a:effectLst/>
-                <a:latin typeface="Cascadia Mono" panose="020B0609020000020004" pitchFamily="49" charset="0"/>
-              </a:rPr>
-              <a:t>    </a:t>
-            </a:r>
-            <a:r>
-              <a:rPr lang="en-IN" sz="1800" b="0" dirty="0">
-                <a:solidFill>
-                  <a:srgbClr val="AF00DB"/>
-                </a:solidFill>
-                <a:effectLst/>
-                <a:latin typeface="Cascadia Mono" panose="020B0609020000020004" pitchFamily="49" charset="0"/>
-              </a:rPr>
-              <a:t>return</a:t>
-            </a:r>
-            <a:r>
-              <a:rPr lang="en-IN" sz="1800" b="0" dirty="0">
-                <a:solidFill>
-                  <a:srgbClr val="000000"/>
-                </a:solidFill>
-                <a:effectLst/>
-                <a:latin typeface="Cascadia Mono" panose="020B0609020000020004" pitchFamily="49" charset="0"/>
-              </a:rPr>
-              <a:t> </a:t>
-            </a:r>
-            <a:r>
-              <a:rPr lang="en-IN" sz="1800" b="0" dirty="0" err="1">
-                <a:solidFill>
-                  <a:srgbClr val="001080"/>
-                </a:solidFill>
-                <a:effectLst/>
-                <a:latin typeface="Cascadia Mono" panose="020B0609020000020004" pitchFamily="49" charset="0"/>
-              </a:rPr>
-              <a:t>key_sq</a:t>
-            </a:r>
-            <a:r>
-              <a:rPr lang="en-IN" sz="1800" b="0" dirty="0">
-                <a:solidFill>
-                  <a:srgbClr val="000000"/>
-                </a:solidFill>
-                <a:effectLst/>
-                <a:latin typeface="Cascadia Mono" panose="020B0609020000020004" pitchFamily="49" charset="0"/>
-              </a:rPr>
-              <a:t> – </a:t>
-            </a:r>
-          </a:p>
-          <a:p>
-            <a:pPr marL="0" indent="0">
-              <a:buNone/>
-            </a:pPr>
-            <a:r>
-              <a:rPr lang="en-IN" sz="1800" b="0" dirty="0">
-                <a:solidFill>
-                  <a:srgbClr val="000000"/>
-                </a:solidFill>
-                <a:effectLst/>
-                <a:latin typeface="Cascadia Mono" panose="020B0609020000020004" pitchFamily="49" charset="0"/>
-              </a:rPr>
-              <a:t>(</a:t>
-            </a:r>
-            <a:r>
-              <a:rPr lang="en-IN" sz="1800" b="0" dirty="0" err="1">
-                <a:solidFill>
-                  <a:srgbClr val="001080"/>
-                </a:solidFill>
-                <a:effectLst/>
-                <a:latin typeface="Cascadia Mono" panose="020B0609020000020004" pitchFamily="49" charset="0"/>
-              </a:rPr>
-              <a:t>key_sq</a:t>
-            </a:r>
-            <a:r>
-              <a:rPr lang="en-IN" sz="1800" b="0" dirty="0">
-                <a:solidFill>
-                  <a:srgbClr val="000000"/>
-                </a:solidFill>
-                <a:effectLst/>
-                <a:latin typeface="Cascadia Mono" panose="020B0609020000020004" pitchFamily="49" charset="0"/>
-              </a:rPr>
-              <a:t>/</a:t>
-            </a:r>
-            <a:r>
-              <a:rPr lang="en-IN" sz="1800" b="0" dirty="0" err="1">
-                <a:solidFill>
-                  <a:srgbClr val="795E26"/>
-                </a:solidFill>
-                <a:effectLst/>
-                <a:latin typeface="Cascadia Mono" panose="020B0609020000020004" pitchFamily="49" charset="0"/>
-              </a:rPr>
-              <a:t>ten_raised</a:t>
-            </a:r>
-            <a:r>
-              <a:rPr lang="en-IN" sz="1800" b="0" dirty="0">
-                <a:solidFill>
-                  <a:srgbClr val="000000"/>
-                </a:solidFill>
-                <a:effectLst/>
-                <a:latin typeface="Cascadia Mono" panose="020B0609020000020004" pitchFamily="49" charset="0"/>
-              </a:rPr>
-              <a:t>(</a:t>
-            </a:r>
-            <a:r>
-              <a:rPr lang="en-IN" sz="1800" b="0" dirty="0">
-                <a:solidFill>
-                  <a:srgbClr val="001080"/>
-                </a:solidFill>
-                <a:effectLst/>
-                <a:latin typeface="Cascadia Mono" panose="020B0609020000020004" pitchFamily="49" charset="0"/>
-              </a:rPr>
-              <a:t>r</a:t>
-            </a:r>
-            <a:r>
-              <a:rPr lang="en-IN" sz="1800" b="0" dirty="0">
-                <a:solidFill>
-                  <a:srgbClr val="000000"/>
-                </a:solidFill>
-                <a:effectLst/>
-                <a:latin typeface="Cascadia Mono" panose="020B0609020000020004" pitchFamily="49" charset="0"/>
-              </a:rPr>
-              <a:t>)) * </a:t>
-            </a:r>
-          </a:p>
-          <a:p>
-            <a:pPr marL="0" indent="0">
-              <a:buNone/>
-            </a:pPr>
-            <a:r>
-              <a:rPr lang="en-IN" sz="1800" dirty="0" err="1">
-                <a:solidFill>
-                  <a:srgbClr val="795E26"/>
-                </a:solidFill>
-                <a:latin typeface="Cascadia Mono" panose="020B0609020000020004" pitchFamily="49" charset="0"/>
-              </a:rPr>
-              <a:t>t</a:t>
-            </a:r>
-            <a:r>
-              <a:rPr lang="en-IN" sz="1800" b="0" dirty="0" err="1">
-                <a:solidFill>
-                  <a:srgbClr val="795E26"/>
-                </a:solidFill>
-                <a:effectLst/>
-                <a:latin typeface="Cascadia Mono" panose="020B0609020000020004" pitchFamily="49" charset="0"/>
-              </a:rPr>
-              <a:t>en_raised</a:t>
-            </a:r>
-            <a:r>
-              <a:rPr lang="en-IN" sz="1800" b="0" dirty="0">
-                <a:solidFill>
-                  <a:srgbClr val="000000"/>
-                </a:solidFill>
-                <a:effectLst/>
-                <a:latin typeface="Cascadia Mono" panose="020B0609020000020004" pitchFamily="49" charset="0"/>
-              </a:rPr>
-              <a:t>(</a:t>
-            </a:r>
-            <a:r>
-              <a:rPr lang="en-IN" sz="1800" b="0" dirty="0">
-                <a:solidFill>
-                  <a:srgbClr val="001080"/>
-                </a:solidFill>
-                <a:effectLst/>
-                <a:latin typeface="Cascadia Mono" panose="020B0609020000020004" pitchFamily="49" charset="0"/>
-              </a:rPr>
-              <a:t>r</a:t>
-            </a:r>
-            <a:r>
-              <a:rPr lang="en-IN" sz="1800" b="0" dirty="0">
-                <a:solidFill>
-                  <a:srgbClr val="000000"/>
-                </a:solidFill>
-                <a:effectLst/>
-                <a:latin typeface="Cascadia Mono" panose="020B0609020000020004" pitchFamily="49" charset="0"/>
-              </a:rPr>
-              <a:t>);</a:t>
-            </a:r>
-          </a:p>
-          <a:p>
-            <a:pPr marL="0" indent="0">
-              <a:buNone/>
-            </a:pPr>
-            <a:r>
-              <a:rPr lang="en-IN" sz="1800" b="0" dirty="0">
-                <a:solidFill>
-                  <a:srgbClr val="000000"/>
-                </a:solidFill>
-                <a:effectLst/>
-                <a:latin typeface="Cascadia Mono" panose="020B0609020000020004" pitchFamily="49" charset="0"/>
-              </a:rPr>
-              <a:t>}</a:t>
+                <a:latin typeface="Cascadia Mono" panose="020B0609020000020004" pitchFamily="49" charset="0"/>
+              </a:rPr>
+              <a:t>   </a:t>
+            </a:r>
+            <a:r>
+              <a:rPr lang="en-IN" sz="1800" b="0" dirty="0">
+                <a:solidFill>
+                  <a:srgbClr val="0000FF"/>
+                </a:solidFill>
+                <a:effectLst/>
+                <a:latin typeface="Cascadia Mono" panose="020B0609020000020004" pitchFamily="49" charset="0"/>
+              </a:rPr>
+              <a:t>squared key.</a:t>
+            </a:r>
+          </a:p>
+          <a:p>
+            <a:pPr marL="0" indent="0">
+              <a:buNone/>
+            </a:pPr>
+            <a:r>
+              <a:rPr lang="en-IN" sz="1800" dirty="0">
+                <a:solidFill>
+                  <a:srgbClr val="0000FF"/>
+                </a:solidFill>
+                <a:latin typeface="Cascadia Mono" panose="020B0609020000020004" pitchFamily="49" charset="0"/>
+              </a:rPr>
+              <a:t>3. Return the slice.</a:t>
             </a:r>
           </a:p>
         </p:txBody>
@@ -28947,6 +27634,25 @@
               <a:buNone/>
             </a:pPr>
             <a:r>
+              <a:rPr lang="en-US" sz="1800" dirty="0" err="1">
+                <a:solidFill>
+                  <a:srgbClr val="0000FF"/>
+                </a:solidFill>
+                <a:latin typeface="Cascadia Mono" panose="020B0609020000020004" pitchFamily="49" charset="0"/>
+              </a:rPr>
+              <a:t>f</a:t>
+            </a:r>
+            <a:r>
+              <a:rPr lang="en-US" sz="1800" b="0" dirty="0" err="1">
+                <a:solidFill>
+                  <a:srgbClr val="0000FF"/>
+                </a:solidFill>
+                <a:effectLst/>
+                <a:latin typeface="Cascadia Mono" panose="020B0609020000020004" pitchFamily="49" charset="0"/>
+              </a:rPr>
+              <a:t>olding_method</a:t>
+            </a:r>
+            <a:r>
               <a:rPr lang="en-US" sz="1800" b="0" dirty="0">
                 <a:solidFill>
                   <a:srgbClr val="0000FF"/>
@@ -28954,38 +27660,80 @@
                 <a:effectLst/>
                 <a:latin typeface="Cascadia Mono" panose="020B0609020000020004" pitchFamily="49" charset="0"/>
               </a:rPr>
-              <a:t>int</a:t>
-            </a:r>
+              <a:t>: key</a:t>
+            </a:r>
+          </a:p>
+          <a:p>
+            <a:pPr marL="0" indent="0">
+              <a:buNone/>
+            </a:pPr>
+            <a:r>
+              <a:rPr lang="en-US" sz="1800" dirty="0">
+                <a:solidFill>
+                  <a:srgbClr val="0000FF"/>
+                </a:solidFill>
+                <a:latin typeface="Cascadia Mono" panose="020B0609020000020004" pitchFamily="49" charset="0"/>
+              </a:rPr>
+              <a:t>1. Select a partition size (:= m).</a:t>
+            </a:r>
+          </a:p>
+          <a:p>
+            <a:pPr marL="0" indent="0">
+              <a:buNone/>
+            </a:pPr>
             <a:r>
               <a:rPr lang="en-US" sz="1800" b="0" dirty="0">
                 <a:solidFill>
-                  <a:srgbClr val="000000"/>
-                </a:solidFill>
-                <a:effectLst/>
-                <a:latin typeface="Cascadia Mono" panose="020B0609020000020004" pitchFamily="49" charset="0"/>
-              </a:rPr>
-              <a:t> </a:t>
-            </a:r>
-            <a:r>
-              <a:rPr lang="en-US" sz="1800" b="0" dirty="0" err="1">
-                <a:solidFill>
-                  <a:srgbClr val="795E26"/>
-                </a:solidFill>
-                <a:effectLst/>
-                <a:latin typeface="Cascadia Mono" panose="020B0609020000020004" pitchFamily="49" charset="0"/>
-              </a:rPr>
-              <a:t>folding_method</a:t>
-            </a:r>
+                  <a:srgbClr val="0000FF"/>
+                </a:solidFill>
+                <a:effectLst/>
+                <a:latin typeface="Cascadia Mono" panose="020B0609020000020004" pitchFamily="49" charset="0"/>
+              </a:rPr>
+              <a:t>2. Wh</a:t>
+            </a:r>
+            <a:r>
+              <a:rPr lang="en-US" sz="1800" dirty="0">
+                <a:solidFill>
+                  <a:srgbClr val="0000FF"/>
+                </a:solidFill>
+                <a:latin typeface="Cascadia Mono" panose="020B0609020000020004" pitchFamily="49" charset="0"/>
+              </a:rPr>
+              <a:t>ile key is not 0</a:t>
+            </a:r>
+          </a:p>
+          <a:p>
+            <a:pPr marL="0" indent="0">
+              <a:buNone/>
+            </a:pPr>
             <a:r>
               <a:rPr lang="en-US" sz="1800" b="0" dirty="0">
                 <a:solidFill>
-                  <a:srgbClr val="000000"/>
-                </a:solidFill>
-                <a:effectLst/>
-                <a:latin typeface="Cascadia Mono" panose="020B0609020000020004" pitchFamily="49" charset="0"/>
-              </a:rPr>
-              <a:t>(</a:t>
-            </a:r>
+                  <a:srgbClr val="0000FF"/>
+                </a:solidFill>
+                <a:effectLst/>
+                <a:latin typeface="Cascadia Mono" panose="020B0609020000020004" pitchFamily="49" charset="0"/>
+              </a:rPr>
+              <a:t>     a. Add key mod m to hash.</a:t>
+            </a:r>
+          </a:p>
+          <a:p>
+            <a:pPr marL="0" indent="0">
+              <a:buNone/>
+            </a:pPr>
+            <a:r>
+              <a:rPr lang="en-US" sz="1800" dirty="0">
+                <a:solidFill>
+                  <a:srgbClr val="0000FF"/>
+                </a:solidFill>
+                <a:latin typeface="Cascadia Mono" panose="020B0609020000020004" pitchFamily="49" charset="0"/>
+              </a:rPr>
+              <a:t>     b. Change key to key quotient m.</a:t>
+            </a:r>
+          </a:p>
+          <a:p>
+            <a:pPr marL="0" indent="0">
+              <a:buNone/>
+            </a:pPr>
             <a:r>
               <a:rPr lang="en-US" sz="1800" b="0" dirty="0">
                 <a:solidFill>
@@ -28994,528 +27742,15 @@
                 <a:effectLst/>
                 <a:latin typeface="Cascadia Mono" panose="020B0609020000020004" pitchFamily="49" charset="0"/>
               </a:rPr>
-              <a:t>int</a:t>
-            </a:r>
-            <a:r>
-              <a:rPr lang="en-US" sz="1800" b="0" dirty="0">
-                <a:solidFill>
-                  <a:srgbClr val="000000"/>
-                </a:solidFill>
-                <a:effectLst/>
-                <a:latin typeface="Cascadia Mono" panose="020B0609020000020004" pitchFamily="49" charset="0"/>
-              </a:rPr>
-              <a:t> </a:t>
-            </a:r>
-            <a:r>
-              <a:rPr lang="en-US" sz="1800" b="0" dirty="0">
-                <a:solidFill>
-                  <a:srgbClr val="001080"/>
-                </a:solidFill>
-                <a:effectLst/>
-                <a:latin typeface="Cascadia Mono" panose="020B0609020000020004" pitchFamily="49" charset="0"/>
-              </a:rPr>
-              <a:t>key</a:t>
-            </a:r>
-            <a:r>
-              <a:rPr lang="en-US" sz="1800" b="0" dirty="0">
-                <a:solidFill>
-                  <a:srgbClr val="000000"/>
-                </a:solidFill>
-                <a:effectLst/>
-                <a:latin typeface="Cascadia Mono" panose="020B0609020000020004" pitchFamily="49" charset="0"/>
-              </a:rPr>
-              <a:t>) {</a:t>
-            </a:r>
-          </a:p>
-          <a:p>
-            <a:pPr marL="0" indent="0">
-              <a:buNone/>
-            </a:pPr>
-            <a:r>
-              <a:rPr lang="en-US" sz="1800" b="0" dirty="0">
-                <a:solidFill>
-                  <a:srgbClr val="000000"/>
-                </a:solidFill>
-                <a:effectLst/>
-                <a:latin typeface="Cascadia Mono" panose="020B0609020000020004" pitchFamily="49" charset="0"/>
-              </a:rPr>
-              <a:t>    </a:t>
-            </a:r>
-            <a:r>
-              <a:rPr lang="en-US" sz="1800" b="0" dirty="0">
-                <a:solidFill>
-                  <a:srgbClr val="0000FF"/>
-                </a:solidFill>
-                <a:effectLst/>
-                <a:latin typeface="Cascadia Mono" panose="020B0609020000020004" pitchFamily="49" charset="0"/>
-              </a:rPr>
-              <a:t>const</a:t>
-            </a:r>
-            <a:r>
-              <a:rPr lang="en-US" sz="1800" b="0" dirty="0">
-                <a:solidFill>
-                  <a:srgbClr val="000000"/>
-                </a:solidFill>
-                <a:effectLst/>
-                <a:latin typeface="Cascadia Mono" panose="020B0609020000020004" pitchFamily="49" charset="0"/>
-              </a:rPr>
-              <a:t> </a:t>
-            </a:r>
-            <a:r>
-              <a:rPr lang="en-US" sz="1800" b="0" dirty="0">
-                <a:solidFill>
-                  <a:srgbClr val="0000FF"/>
-                </a:solidFill>
-                <a:effectLst/>
-                <a:latin typeface="Cascadia Mono" panose="020B0609020000020004" pitchFamily="49" charset="0"/>
-              </a:rPr>
-              <a:t>int</a:t>
-            </a:r>
-            <a:r>
-              <a:rPr lang="en-US" sz="1800" b="0" dirty="0">
-                <a:solidFill>
-                  <a:srgbClr val="000000"/>
-                </a:solidFill>
-                <a:effectLst/>
-                <a:latin typeface="Cascadia Mono" panose="020B0609020000020004" pitchFamily="49" charset="0"/>
-              </a:rPr>
-              <a:t> </a:t>
-            </a:r>
-            <a:r>
-              <a:rPr lang="en-US" sz="1800" b="0" dirty="0" err="1">
-                <a:solidFill>
-                  <a:srgbClr val="001080"/>
-                </a:solidFill>
-                <a:effectLst/>
-                <a:latin typeface="Cascadia Mono" panose="020B0609020000020004" pitchFamily="49" charset="0"/>
-              </a:rPr>
-              <a:t>partition_size</a:t>
-            </a:r>
-            <a:r>
-              <a:rPr lang="en-US" sz="1800" b="0" dirty="0">
-                <a:solidFill>
-                  <a:srgbClr val="000000"/>
-                </a:solidFill>
-                <a:effectLst/>
-                <a:latin typeface="Cascadia Mono" panose="020B0609020000020004" pitchFamily="49" charset="0"/>
-              </a:rPr>
-              <a:t> = </a:t>
-            </a:r>
-          </a:p>
-          <a:p>
-            <a:pPr marL="0" indent="0">
-              <a:buNone/>
-            </a:pPr>
-            <a:r>
-              <a:rPr lang="en-US" sz="1800" b="0" dirty="0">
-                <a:solidFill>
-                  <a:srgbClr val="098658"/>
-                </a:solidFill>
-                <a:effectLst/>
-                <a:latin typeface="Cascadia Mono" panose="020B0609020000020004" pitchFamily="49" charset="0"/>
-              </a:rPr>
-              <a:t>100</a:t>
-            </a:r>
-            <a:r>
-              <a:rPr lang="en-US" sz="1800" b="0" dirty="0">
-                <a:solidFill>
-                  <a:srgbClr val="000000"/>
-                </a:solidFill>
-                <a:effectLst/>
-                <a:latin typeface="Cascadia Mono" panose="020B0609020000020004" pitchFamily="49" charset="0"/>
-              </a:rPr>
-              <a:t>;</a:t>
-            </a:r>
-          </a:p>
-          <a:p>
-            <a:pPr marL="0" indent="0">
-              <a:buNone/>
-            </a:pPr>
-            <a:r>
-              <a:rPr lang="en-US" sz="1800" b="0" dirty="0">
-                <a:solidFill>
-                  <a:srgbClr val="000000"/>
-                </a:solidFill>
-                <a:effectLst/>
-                <a:latin typeface="Cascadia Mono" panose="020B0609020000020004" pitchFamily="49" charset="0"/>
-              </a:rPr>
-              <a:t>    </a:t>
-            </a:r>
-            <a:r>
-              <a:rPr lang="en-US" sz="1800" b="0" dirty="0">
-                <a:solidFill>
-                  <a:srgbClr val="0000FF"/>
-                </a:solidFill>
-                <a:effectLst/>
-                <a:latin typeface="Cascadia Mono" panose="020B0609020000020004" pitchFamily="49" charset="0"/>
-              </a:rPr>
-              <a:t>int</a:t>
-            </a:r>
-            <a:r>
-              <a:rPr lang="en-US" sz="1800" b="0" dirty="0">
-                <a:solidFill>
-                  <a:srgbClr val="000000"/>
-                </a:solidFill>
-                <a:effectLst/>
-                <a:latin typeface="Cascadia Mono" panose="020B0609020000020004" pitchFamily="49" charset="0"/>
-              </a:rPr>
-              <a:t> </a:t>
-            </a:r>
-            <a:r>
-              <a:rPr lang="en-US" sz="1800" b="0" dirty="0">
-                <a:solidFill>
-                  <a:srgbClr val="001080"/>
-                </a:solidFill>
-                <a:effectLst/>
-                <a:latin typeface="Cascadia Mono" panose="020B0609020000020004" pitchFamily="49" charset="0"/>
-              </a:rPr>
-              <a:t>hash</a:t>
-            </a:r>
-            <a:r>
-              <a:rPr lang="en-US" sz="1800" b="0" dirty="0">
-                <a:solidFill>
-                  <a:srgbClr val="000000"/>
-                </a:solidFill>
-                <a:effectLst/>
-                <a:latin typeface="Cascadia Mono" panose="020B0609020000020004" pitchFamily="49" charset="0"/>
-              </a:rPr>
-              <a:t> = </a:t>
-            </a:r>
-            <a:r>
-              <a:rPr lang="en-US" sz="1800" b="0" dirty="0">
-                <a:solidFill>
-                  <a:srgbClr val="098658"/>
-                </a:solidFill>
-                <a:effectLst/>
-                <a:latin typeface="Cascadia Mono" panose="020B0609020000020004" pitchFamily="49" charset="0"/>
-              </a:rPr>
-              <a:t>0</a:t>
-            </a:r>
-            <a:r>
-              <a:rPr lang="en-US" sz="1800" b="0" dirty="0">
-                <a:solidFill>
-                  <a:srgbClr val="000000"/>
-                </a:solidFill>
-                <a:effectLst/>
-                <a:latin typeface="Cascadia Mono" panose="020B0609020000020004" pitchFamily="49" charset="0"/>
-              </a:rPr>
-              <a:t>;</a:t>
-            </a:r>
-          </a:p>
-          <a:p>
-            <a:pPr marL="0" indent="0">
-              <a:buNone/>
-            </a:pPr>
-            <a:r>
-              <a:rPr lang="en-US" sz="1800" b="0" dirty="0">
-                <a:solidFill>
-                  <a:srgbClr val="000000"/>
-                </a:solidFill>
-                <a:effectLst/>
-                <a:latin typeface="Cascadia Mono" panose="020B0609020000020004" pitchFamily="49" charset="0"/>
-              </a:rPr>
-              <a:t>    </a:t>
-            </a:r>
-            <a:r>
-              <a:rPr lang="en-US" sz="1800" b="0" dirty="0">
-                <a:solidFill>
-                  <a:srgbClr val="AF00DB"/>
-                </a:solidFill>
-                <a:effectLst/>
-                <a:latin typeface="Cascadia Mono" panose="020B0609020000020004" pitchFamily="49" charset="0"/>
-              </a:rPr>
-              <a:t>while</a:t>
-            </a:r>
-            <a:r>
-              <a:rPr lang="en-US" sz="1800" b="0" dirty="0">
-                <a:solidFill>
-                  <a:srgbClr val="000000"/>
-                </a:solidFill>
-                <a:effectLst/>
-                <a:latin typeface="Cascadia Mono" panose="020B0609020000020004" pitchFamily="49" charset="0"/>
-              </a:rPr>
-              <a:t> (</a:t>
-            </a:r>
-            <a:r>
-              <a:rPr lang="en-US" sz="1800" b="0" dirty="0">
-                <a:solidFill>
-                  <a:srgbClr val="001080"/>
-                </a:solidFill>
-                <a:effectLst/>
-                <a:latin typeface="Cascadia Mono" panose="020B0609020000020004" pitchFamily="49" charset="0"/>
-              </a:rPr>
-              <a:t>key</a:t>
-            </a:r>
-            <a:r>
-              <a:rPr lang="en-US" sz="1800" b="0" dirty="0">
-                <a:solidFill>
-                  <a:srgbClr val="000000"/>
-                </a:solidFill>
-                <a:effectLst/>
-                <a:latin typeface="Cascadia Mono" panose="020B0609020000020004" pitchFamily="49" charset="0"/>
-              </a:rPr>
-              <a:t> &gt; </a:t>
-            </a:r>
-            <a:r>
-              <a:rPr lang="en-US" sz="1800" b="0" dirty="0">
-                <a:solidFill>
-                  <a:srgbClr val="098658"/>
-                </a:solidFill>
-                <a:effectLst/>
-                <a:latin typeface="Cascadia Mono" panose="020B0609020000020004" pitchFamily="49" charset="0"/>
-              </a:rPr>
-              <a:t>0</a:t>
-            </a:r>
-            <a:r>
-              <a:rPr lang="en-US" sz="1800" b="0" dirty="0">
-                <a:solidFill>
-                  <a:srgbClr val="000000"/>
-                </a:solidFill>
-                <a:effectLst/>
-                <a:latin typeface="Cascadia Mono" panose="020B0609020000020004" pitchFamily="49" charset="0"/>
-              </a:rPr>
-              <a:t>) {</a:t>
-            </a:r>
-          </a:p>
-          <a:p>
-            <a:pPr marL="0" indent="0">
-              <a:buNone/>
-            </a:pPr>
-            <a:r>
-              <a:rPr lang="en-US" sz="1800" b="0" dirty="0">
-                <a:solidFill>
-                  <a:srgbClr val="000000"/>
-                </a:solidFill>
-                <a:effectLst/>
-                <a:latin typeface="Cascadia Mono" panose="020B0609020000020004" pitchFamily="49" charset="0"/>
-              </a:rPr>
-              <a:t>        </a:t>
-            </a:r>
-            <a:r>
-              <a:rPr lang="en-US" sz="1800" b="0" dirty="0">
-                <a:solidFill>
-                  <a:srgbClr val="001080"/>
-                </a:solidFill>
-                <a:effectLst/>
-                <a:latin typeface="Cascadia Mono" panose="020B0609020000020004" pitchFamily="49" charset="0"/>
-              </a:rPr>
-              <a:t>hash</a:t>
-            </a:r>
-            <a:r>
-              <a:rPr lang="en-US" sz="1800" b="0" dirty="0">
-                <a:solidFill>
-                  <a:srgbClr val="000000"/>
-                </a:solidFill>
-                <a:effectLst/>
-                <a:latin typeface="Cascadia Mono" panose="020B0609020000020004" pitchFamily="49" charset="0"/>
-              </a:rPr>
-              <a:t> += </a:t>
-            </a:r>
-            <a:r>
-              <a:rPr lang="en-US" sz="1800" b="0" dirty="0">
-                <a:solidFill>
-                  <a:srgbClr val="001080"/>
-                </a:solidFill>
-                <a:effectLst/>
-                <a:latin typeface="Cascadia Mono" panose="020B0609020000020004" pitchFamily="49" charset="0"/>
-              </a:rPr>
-              <a:t>key</a:t>
-            </a:r>
-            <a:r>
-              <a:rPr lang="en-US" sz="1800" b="0" dirty="0">
-                <a:solidFill>
-                  <a:srgbClr val="000000"/>
-                </a:solidFill>
-                <a:effectLst/>
-                <a:latin typeface="Cascadia Mono" panose="020B0609020000020004" pitchFamily="49" charset="0"/>
-              </a:rPr>
-              <a:t> % </a:t>
-            </a:r>
-          </a:p>
-          <a:p>
-            <a:pPr marL="0" indent="0">
-              <a:buNone/>
-            </a:pPr>
-            <a:r>
-              <a:rPr lang="en-US" sz="1800" b="0" dirty="0" err="1">
-                <a:solidFill>
-                  <a:srgbClr val="001080"/>
-                </a:solidFill>
-                <a:effectLst/>
-                <a:latin typeface="Cascadia Mono" panose="020B0609020000020004" pitchFamily="49" charset="0"/>
-              </a:rPr>
-              <a:t>partition_size</a:t>
-            </a:r>
-            <a:r>
-              <a:rPr lang="en-US" sz="1800" b="0" dirty="0">
-                <a:solidFill>
-                  <a:srgbClr val="000000"/>
-                </a:solidFill>
-                <a:effectLst/>
-                <a:latin typeface="Cascadia Mono" panose="020B0609020000020004" pitchFamily="49" charset="0"/>
-              </a:rPr>
-              <a:t>;</a:t>
-            </a:r>
-          </a:p>
-          <a:p>
-            <a:pPr marL="0" indent="0">
-              <a:buNone/>
-            </a:pPr>
-            <a:r>
-              <a:rPr lang="en-US" sz="1800" b="0" dirty="0">
-                <a:solidFill>
-                  <a:srgbClr val="000000"/>
-                </a:solidFill>
-                <a:effectLst/>
-                <a:latin typeface="Cascadia Mono" panose="020B0609020000020004" pitchFamily="49" charset="0"/>
-              </a:rPr>
-              <a:t>        </a:t>
-            </a:r>
-            <a:r>
-              <a:rPr lang="en-US" sz="1800" b="0" dirty="0">
-                <a:solidFill>
-                  <a:srgbClr val="001080"/>
-                </a:solidFill>
-                <a:effectLst/>
-                <a:latin typeface="Cascadia Mono" panose="020B0609020000020004" pitchFamily="49" charset="0"/>
-              </a:rPr>
-              <a:t>key</a:t>
-            </a:r>
-            <a:r>
-              <a:rPr lang="en-US" sz="1800" b="0" dirty="0">
-                <a:solidFill>
-                  <a:srgbClr val="000000"/>
-                </a:solidFill>
-                <a:effectLst/>
-                <a:latin typeface="Cascadia Mono" panose="020B0609020000020004" pitchFamily="49" charset="0"/>
-              </a:rPr>
-              <a:t> /= </a:t>
-            </a:r>
-            <a:r>
-              <a:rPr lang="en-US" sz="1800" b="0" dirty="0" err="1">
-                <a:solidFill>
-                  <a:srgbClr val="001080"/>
-                </a:solidFill>
-                <a:effectLst/>
-                <a:latin typeface="Cascadia Mono" panose="020B0609020000020004" pitchFamily="49" charset="0"/>
-              </a:rPr>
-              <a:t>partition_size</a:t>
-            </a:r>
-            <a:r>
-              <a:rPr lang="en-US" sz="1800" b="0" dirty="0">
-                <a:solidFill>
-                  <a:srgbClr val="000000"/>
-                </a:solidFill>
-                <a:effectLst/>
-                <a:latin typeface="Cascadia Mono" panose="020B0609020000020004" pitchFamily="49" charset="0"/>
-              </a:rPr>
-              <a:t>;</a:t>
-            </a:r>
-          </a:p>
-          <a:p>
-            <a:pPr marL="0" indent="0">
-              <a:buNone/>
-            </a:pPr>
-            <a:r>
-              <a:rPr lang="en-US" sz="1800" b="0" dirty="0">
-                <a:solidFill>
-                  <a:srgbClr val="000000"/>
-                </a:solidFill>
-                <a:effectLst/>
-                <a:latin typeface="Cascadia Mono" panose="020B0609020000020004" pitchFamily="49" charset="0"/>
-              </a:rPr>
-              <a:t>    }</a:t>
-            </a:r>
-          </a:p>
-          <a:p>
-            <a:pPr marL="0" indent="0">
-              <a:buNone/>
-            </a:pPr>
-            <a:r>
-              <a:rPr lang="en-US" sz="1800" b="0" dirty="0">
-                <a:solidFill>
-                  <a:srgbClr val="000000"/>
-                </a:solidFill>
-                <a:effectLst/>
-                <a:latin typeface="Cascadia Mono" panose="020B0609020000020004" pitchFamily="49" charset="0"/>
-              </a:rPr>
-              <a:t>    </a:t>
-            </a:r>
-            <a:r>
-              <a:rPr lang="en-US" sz="1800" b="0" dirty="0">
-                <a:solidFill>
-                  <a:srgbClr val="AF00DB"/>
-                </a:solidFill>
-                <a:effectLst/>
-                <a:latin typeface="Cascadia Mono" panose="020B0609020000020004" pitchFamily="49" charset="0"/>
-              </a:rPr>
-              <a:t>return</a:t>
-            </a:r>
-            <a:r>
-              <a:rPr lang="en-US" sz="1800" b="0" dirty="0">
-                <a:solidFill>
-                  <a:srgbClr val="000000"/>
-                </a:solidFill>
-                <a:effectLst/>
-                <a:latin typeface="Cascadia Mono" panose="020B0609020000020004" pitchFamily="49" charset="0"/>
-              </a:rPr>
-              <a:t> </a:t>
-            </a:r>
-            <a:r>
-              <a:rPr lang="en-US" sz="1800" b="0" dirty="0">
-                <a:solidFill>
-                  <a:srgbClr val="001080"/>
-                </a:solidFill>
-                <a:effectLst/>
-                <a:latin typeface="Cascadia Mono" panose="020B0609020000020004" pitchFamily="49" charset="0"/>
-              </a:rPr>
-              <a:t>hash</a:t>
-            </a:r>
-            <a:r>
-              <a:rPr lang="en-US" sz="1800" b="0" dirty="0">
-                <a:solidFill>
-                  <a:srgbClr val="000000"/>
-                </a:solidFill>
-                <a:effectLst/>
-                <a:latin typeface="Cascadia Mono" panose="020B0609020000020004" pitchFamily="49" charset="0"/>
-              </a:rPr>
-              <a:t> % </a:t>
-            </a:r>
-            <a:r>
-              <a:rPr lang="en-US" sz="1800" b="0" dirty="0" err="1">
-                <a:solidFill>
-                  <a:srgbClr val="001080"/>
-                </a:solidFill>
-                <a:effectLst/>
-                <a:latin typeface="Cascadia Mono" panose="020B0609020000020004" pitchFamily="49" charset="0"/>
-              </a:rPr>
-              <a:t>partition_size</a:t>
-            </a:r>
-            <a:r>
-              <a:rPr lang="en-US" sz="1800" b="0" dirty="0">
-                <a:solidFill>
-                  <a:srgbClr val="000000"/>
-                </a:solidFill>
-                <a:effectLst/>
-                <a:latin typeface="Cascadia Mono" panose="020B0609020000020004" pitchFamily="49" charset="0"/>
-              </a:rPr>
-              <a:t>;</a:t>
-            </a:r>
-          </a:p>
-          <a:p>
-            <a:pPr marL="0" indent="0">
-              <a:buNone/>
-            </a:pPr>
-            <a:r>
-              <a:rPr lang="en-US" sz="1800" b="0" dirty="0">
-                <a:solidFill>
-                  <a:srgbClr val="000000"/>
-                </a:solidFill>
-                <a:effectLst/>
-                <a:latin typeface="Cascadia Mono" panose="020B0609020000020004" pitchFamily="49" charset="0"/>
-              </a:rPr>
-              <a:t>}</a:t>
-            </a:r>
+              <a:t>3. Return key mod m.</a:t>
+            </a:r>
+            <a:endParaRPr lang="en-US" sz="1800" b="0" dirty="0">
+              <a:solidFill>
+                <a:srgbClr val="000000"/>
+              </a:solidFill>
+              <a:effectLst/>
+              <a:latin typeface="Cascadia Mono" panose="020B0609020000020004" pitchFamily="49" charset="0"/>
+            </a:endParaRPr>
           </a:p>
           <a:p>
             <a:endParaRPr lang="en-IN" sz="1800" dirty="0"/>
@@ -29785,7 +28020,7 @@
                 <a:effectLst/>
                 <a:latin typeface="Cascadia Mono" panose="020B0609020000020004" pitchFamily="49" charset="0"/>
               </a:rPr>
-              <a:t>uint</a:t>
+              <a:t>bsd_checksum</a:t>
             </a:r>
             <a:r>
               <a:rPr lang="en-US" sz="1900" b="0" dirty="0">
@@ -29795,587 +28030,130 @@
                 <a:effectLst/>
                 <a:latin typeface="Cascadia Mono" panose="020B0609020000020004" pitchFamily="49" charset="0"/>
               </a:rPr>
-              <a:t> </a:t>
-            </a:r>
-            <a:r>
-              <a:rPr lang="en-US" sz="1900" b="0" dirty="0" err="1">
-                <a:solidFill>
-                  <a:srgbClr val="795E26"/>
-                </a:solidFill>
-                <a:effectLst/>
-                <a:latin typeface="Cascadia Mono" panose="020B0609020000020004" pitchFamily="49" charset="0"/>
-              </a:rPr>
-              <a:t>bsd_checksum</a:t>
-            </a:r>
+              <a:t>: key</a:t>
+            </a:r>
+          </a:p>
+          <a:p>
+            <a:pPr marL="457200" indent="-457200">
+              <a:buAutoNum type="arabicPeriod"/>
+            </a:pPr>
+            <a:r>
+              <a:rPr lang="en-US" sz="1900" dirty="0">
+                <a:solidFill>
+                  <a:srgbClr val="267F99"/>
+                </a:solidFill>
+                <a:latin typeface="Cascadia Mono" panose="020B0609020000020004" pitchFamily="49" charset="0"/>
+              </a:rPr>
+              <a:t>While the character at key is</a:t>
+            </a:r>
+          </a:p>
+          <a:p>
+            <a:pPr marL="0" indent="0">
+              <a:buNone/>
+            </a:pPr>
             <a:r>
               <a:rPr lang="en-US" sz="1900" b="0" dirty="0">
                 <a:solidFill>
-                  <a:srgbClr val="000000"/>
-                </a:solidFill>
-                <a:effectLst/>
-                <a:latin typeface="Cascadia Mono" panose="020B0609020000020004" pitchFamily="49" charset="0"/>
-              </a:rPr>
-              <a:t>(</a:t>
-            </a:r>
+                  <a:srgbClr val="267F99"/>
+                </a:solidFill>
+                <a:effectLst/>
+                <a:latin typeface="Cascadia Mono" panose="020B0609020000020004" pitchFamily="49" charset="0"/>
+              </a:rPr>
+              <a:t>   not null character</a:t>
+            </a:r>
+          </a:p>
+          <a:p>
+            <a:pPr marL="0" indent="0">
+              <a:buNone/>
+            </a:pPr>
+            <a:r>
+              <a:rPr lang="en-US" sz="1900" dirty="0">
+                <a:solidFill>
+                  <a:srgbClr val="267F99"/>
+                </a:solidFill>
+                <a:latin typeface="Cascadia Mono" panose="020B0609020000020004" pitchFamily="49" charset="0"/>
+              </a:rPr>
+              <a:t>     a. Circular shift hash by a </a:t>
+            </a:r>
+          </a:p>
+          <a:p>
+            <a:pPr marL="0" indent="0">
+              <a:buNone/>
+            </a:pPr>
+            <a:r>
+              <a:rPr lang="en-US" sz="1900" dirty="0">
+                <a:solidFill>
+                  <a:srgbClr val="267F99"/>
+                </a:solidFill>
+                <a:latin typeface="Cascadia Mono" panose="020B0609020000020004" pitchFamily="49" charset="0"/>
+              </a:rPr>
+              <a:t>        bit.</a:t>
+            </a:r>
+          </a:p>
+          <a:p>
+            <a:pPr marL="0" indent="0">
+              <a:buNone/>
+            </a:pPr>
+            <a:r>
+              <a:rPr lang="en-US" sz="1900" dirty="0">
+                <a:solidFill>
+                  <a:srgbClr val="267F99"/>
+                </a:solidFill>
+                <a:latin typeface="Cascadia Mono" panose="020B0609020000020004" pitchFamily="49" charset="0"/>
+              </a:rPr>
+              <a:t>     b. Add the ascii of the</a:t>
+            </a:r>
+          </a:p>
+          <a:p>
+            <a:pPr marL="0" indent="0">
+              <a:buNone/>
+            </a:pPr>
             <a:r>
               <a:rPr lang="en-US" sz="1900" b="0" dirty="0">
                 <a:solidFill>
-                  <a:srgbClr val="0000FF"/>
-                </a:solidFill>
-                <a:effectLst/>
-                <a:latin typeface="Cascadia Mono" panose="020B0609020000020004" pitchFamily="49" charset="0"/>
-              </a:rPr>
-              <a:t>const</a:t>
-            </a:r>
+                  <a:srgbClr val="267F99"/>
+                </a:solidFill>
+                <a:effectLst/>
+                <a:latin typeface="Cascadia Mono" panose="020B0609020000020004" pitchFamily="49" charset="0"/>
+              </a:rPr>
+              <a:t>        character to hash.</a:t>
+            </a:r>
+          </a:p>
+          <a:p>
+            <a:pPr marL="0" indent="0">
+              <a:buNone/>
+            </a:pPr>
+            <a:r>
+              <a:rPr lang="en-US" sz="1900" dirty="0">
+                <a:solidFill>
+                  <a:srgbClr val="267F99"/>
+                </a:solidFill>
+                <a:latin typeface="Cascadia Mono" panose="020B0609020000020004" pitchFamily="49" charset="0"/>
+              </a:rPr>
+              <a:t>     c. Mask the hash.</a:t>
+            </a:r>
+          </a:p>
+          <a:p>
+            <a:pPr marL="0" indent="0">
+              <a:buNone/>
+            </a:pPr>
             <a:r>
               <a:rPr lang="en-US" sz="1900" b="0" dirty="0">
                 <a:solidFill>
-                  <a:srgbClr val="000000"/>
-                </a:solidFill>
-                <a:effectLst/>
-                <a:latin typeface="Cascadia Mono" panose="020B0609020000020004" pitchFamily="49" charset="0"/>
-              </a:rPr>
-              <a:t> </a:t>
-            </a:r>
-          </a:p>
-          <a:p>
-            <a:pPr marL="0" indent="0">
-              <a:buNone/>
-            </a:pPr>
-            <a:r>
-              <a:rPr lang="en-US" sz="1900" b="0" dirty="0">
-                <a:solidFill>
-                  <a:srgbClr val="0000FF"/>
-                </a:solidFill>
-                <a:effectLst/>
-                <a:latin typeface="Cascadia Mono" panose="020B0609020000020004" pitchFamily="49" charset="0"/>
-              </a:rPr>
-              <a:t>char</a:t>
-            </a:r>
-            <a:r>
-              <a:rPr lang="en-US" sz="1900" b="0" dirty="0">
-                <a:solidFill>
-                  <a:srgbClr val="000000"/>
-                </a:solidFill>
-                <a:effectLst/>
-                <a:latin typeface="Cascadia Mono" panose="020B0609020000020004" pitchFamily="49" charset="0"/>
-              </a:rPr>
-              <a:t> *</a:t>
-            </a:r>
-            <a:r>
-              <a:rPr lang="en-US" sz="1900" b="0" dirty="0">
-                <a:solidFill>
-                  <a:srgbClr val="001080"/>
-                </a:solidFill>
-                <a:effectLst/>
-                <a:latin typeface="Cascadia Mono" panose="020B0609020000020004" pitchFamily="49" charset="0"/>
-              </a:rPr>
-              <a:t>key</a:t>
-            </a:r>
-            <a:r>
-              <a:rPr lang="en-US" sz="1900" b="0" dirty="0">
-                <a:solidFill>
-                  <a:srgbClr val="000000"/>
-                </a:solidFill>
-                <a:effectLst/>
-                <a:latin typeface="Cascadia Mono" panose="020B0609020000020004" pitchFamily="49" charset="0"/>
-              </a:rPr>
-              <a:t>) {</a:t>
-            </a:r>
-          </a:p>
-          <a:p>
-            <a:pPr marL="0" indent="0">
-              <a:buNone/>
-            </a:pPr>
-            <a:r>
-              <a:rPr lang="en-US" sz="1900" b="0" dirty="0">
-                <a:solidFill>
-                  <a:srgbClr val="000000"/>
-                </a:solidFill>
-                <a:effectLst/>
-                <a:latin typeface="Cascadia Mono" panose="020B0609020000020004" pitchFamily="49" charset="0"/>
-              </a:rPr>
-              <a:t>    </a:t>
-            </a:r>
-            <a:r>
-              <a:rPr lang="en-US" sz="1900" b="0" dirty="0" err="1">
-                <a:solidFill>
                   <a:srgbClr val="267F99"/>
                 </a:solidFill>
                 <a:effectLst/>
                 <a:latin typeface="Cascadia Mono" panose="020B0609020000020004" pitchFamily="49" charset="0"/>
               </a:rPr>
-              <a:t>uint</a:t>
-            </a:r>
-            <a:r>
-              <a:rPr lang="en-US" sz="1900" b="0" dirty="0">
-                <a:solidFill>
-                  <a:srgbClr val="000000"/>
-                </a:solidFill>
-                <a:effectLst/>
-                <a:latin typeface="Cascadia Mono" panose="020B0609020000020004" pitchFamily="49" charset="0"/>
-              </a:rPr>
-              <a:t> </a:t>
-            </a:r>
-            <a:r>
-              <a:rPr lang="en-US" sz="1900" b="0" dirty="0">
-                <a:solidFill>
-                  <a:srgbClr val="001080"/>
-                </a:solidFill>
-                <a:effectLst/>
-                <a:latin typeface="Cascadia Mono" panose="020B0609020000020004" pitchFamily="49" charset="0"/>
-              </a:rPr>
-              <a:t>hash</a:t>
-            </a:r>
-            <a:r>
-              <a:rPr lang="en-US" sz="1900" b="0" dirty="0">
-                <a:solidFill>
-                  <a:srgbClr val="000000"/>
-                </a:solidFill>
-                <a:effectLst/>
-                <a:latin typeface="Cascadia Mono" panose="020B0609020000020004" pitchFamily="49" charset="0"/>
-              </a:rPr>
-              <a:t> = </a:t>
-            </a:r>
-            <a:r>
-              <a:rPr lang="en-US" sz="1900" b="0" dirty="0">
-                <a:solidFill>
-                  <a:srgbClr val="098658"/>
-                </a:solidFill>
-                <a:effectLst/>
-                <a:latin typeface="Cascadia Mono" panose="020B0609020000020004" pitchFamily="49" charset="0"/>
-              </a:rPr>
-              <a:t>0</a:t>
-            </a:r>
-            <a:r>
-              <a:rPr lang="en-US" sz="1900" b="0" dirty="0">
-                <a:solidFill>
-                  <a:srgbClr val="000000"/>
-                </a:solidFill>
-                <a:effectLst/>
-                <a:latin typeface="Cascadia Mono" panose="020B0609020000020004" pitchFamily="49" charset="0"/>
-              </a:rPr>
-              <a:t>;</a:t>
-            </a:r>
-          </a:p>
-          <a:p>
-            <a:pPr marL="0" indent="0">
-              <a:buNone/>
-            </a:pPr>
-            <a:r>
-              <a:rPr lang="en-US" sz="1900" b="0" dirty="0">
-                <a:solidFill>
-                  <a:srgbClr val="000000"/>
-                </a:solidFill>
-                <a:effectLst/>
-                <a:latin typeface="Cascadia Mono" panose="020B0609020000020004" pitchFamily="49" charset="0"/>
-              </a:rPr>
-              <a:t>    </a:t>
-            </a:r>
-            <a:r>
-              <a:rPr lang="en-US" sz="1900" b="0" dirty="0">
-                <a:solidFill>
-                  <a:srgbClr val="AF00DB"/>
-                </a:solidFill>
-                <a:effectLst/>
-                <a:latin typeface="Cascadia Mono" panose="020B0609020000020004" pitchFamily="49" charset="0"/>
-              </a:rPr>
-              <a:t>while</a:t>
-            </a:r>
-            <a:r>
-              <a:rPr lang="en-US" sz="1900" b="0" dirty="0">
-                <a:solidFill>
-                  <a:srgbClr val="000000"/>
-                </a:solidFill>
-                <a:effectLst/>
-                <a:latin typeface="Cascadia Mono" panose="020B0609020000020004" pitchFamily="49" charset="0"/>
-              </a:rPr>
-              <a:t> (*</a:t>
-            </a:r>
-            <a:r>
-              <a:rPr lang="en-US" sz="1900" b="0" dirty="0">
-                <a:solidFill>
-                  <a:srgbClr val="001080"/>
-                </a:solidFill>
-                <a:effectLst/>
-                <a:latin typeface="Cascadia Mono" panose="020B0609020000020004" pitchFamily="49" charset="0"/>
-              </a:rPr>
-              <a:t>key</a:t>
-            </a:r>
-            <a:r>
-              <a:rPr lang="en-US" sz="1900" b="0" dirty="0">
-                <a:solidFill>
-                  <a:srgbClr val="000000"/>
-                </a:solidFill>
-                <a:effectLst/>
-                <a:latin typeface="Cascadia Mono" panose="020B0609020000020004" pitchFamily="49" charset="0"/>
-              </a:rPr>
-              <a:t>) {</a:t>
-            </a:r>
-          </a:p>
-          <a:p>
-            <a:pPr marL="0" indent="0">
-              <a:buNone/>
-            </a:pPr>
-            <a:r>
-              <a:rPr lang="en-US" sz="1900" b="0" dirty="0">
-                <a:solidFill>
-                  <a:srgbClr val="000000"/>
-                </a:solidFill>
-                <a:effectLst/>
-                <a:latin typeface="Cascadia Mono" panose="020B0609020000020004" pitchFamily="49" charset="0"/>
-              </a:rPr>
-              <a:t>        </a:t>
-            </a:r>
-            <a:r>
-              <a:rPr lang="en-US" sz="1900" b="0" dirty="0">
-                <a:solidFill>
-                  <a:srgbClr val="001080"/>
-                </a:solidFill>
-                <a:effectLst/>
-                <a:latin typeface="Cascadia Mono" panose="020B0609020000020004" pitchFamily="49" charset="0"/>
-              </a:rPr>
-              <a:t>hash</a:t>
-            </a:r>
-            <a:r>
-              <a:rPr lang="en-US" sz="1900" b="0" dirty="0">
-                <a:solidFill>
-                  <a:srgbClr val="000000"/>
-                </a:solidFill>
-                <a:effectLst/>
-                <a:latin typeface="Cascadia Mono" panose="020B0609020000020004" pitchFamily="49" charset="0"/>
-              </a:rPr>
-              <a:t> = (</a:t>
-            </a:r>
-            <a:r>
-              <a:rPr lang="en-US" sz="1900" b="0" dirty="0">
-                <a:solidFill>
-                  <a:srgbClr val="001080"/>
-                </a:solidFill>
-                <a:effectLst/>
-                <a:latin typeface="Cascadia Mono" panose="020B0609020000020004" pitchFamily="49" charset="0"/>
-              </a:rPr>
-              <a:t>hash</a:t>
-            </a:r>
-            <a:r>
-              <a:rPr lang="en-US" sz="1900" b="0" dirty="0">
-                <a:solidFill>
-                  <a:srgbClr val="000000"/>
-                </a:solidFill>
-                <a:effectLst/>
-                <a:latin typeface="Cascadia Mono" panose="020B0609020000020004" pitchFamily="49" charset="0"/>
-              </a:rPr>
-              <a:t> &gt;&gt; </a:t>
-            </a:r>
-            <a:r>
-              <a:rPr lang="en-US" sz="1900" b="0" dirty="0">
-                <a:solidFill>
-                  <a:srgbClr val="098658"/>
-                </a:solidFill>
-                <a:effectLst/>
-                <a:latin typeface="Cascadia Mono" panose="020B0609020000020004" pitchFamily="49" charset="0"/>
-              </a:rPr>
-              <a:t>1</a:t>
-            </a:r>
-            <a:r>
-              <a:rPr lang="en-US" sz="1900" b="0" dirty="0">
-                <a:solidFill>
-                  <a:srgbClr val="000000"/>
-                </a:solidFill>
-                <a:effectLst/>
-                <a:latin typeface="Cascadia Mono" panose="020B0609020000020004" pitchFamily="49" charset="0"/>
-              </a:rPr>
-              <a:t>) </a:t>
-            </a:r>
-            <a:r>
-              <a:rPr lang="en-US" sz="1900" dirty="0">
-                <a:solidFill>
-                  <a:srgbClr val="000000"/>
-                </a:solidFill>
-                <a:latin typeface="Cascadia Mono" panose="020B0609020000020004" pitchFamily="49" charset="0"/>
-              </a:rPr>
-              <a:t>|</a:t>
-            </a:r>
-            <a:r>
-              <a:rPr lang="en-US" sz="1900" b="0" dirty="0">
-                <a:solidFill>
-                  <a:srgbClr val="000000"/>
-                </a:solidFill>
-                <a:effectLst/>
-                <a:latin typeface="Cascadia Mono" panose="020B0609020000020004" pitchFamily="49" charset="0"/>
-              </a:rPr>
-              <a:t> </a:t>
-            </a:r>
-          </a:p>
-          <a:p>
-            <a:pPr marL="0" indent="0">
-              <a:buNone/>
-            </a:pPr>
-            <a:r>
-              <a:rPr lang="en-US" sz="1900" b="0" dirty="0">
-                <a:solidFill>
-                  <a:srgbClr val="000000"/>
-                </a:solidFill>
-                <a:effectLst/>
-                <a:latin typeface="Cascadia Mono" panose="020B0609020000020004" pitchFamily="49" charset="0"/>
-              </a:rPr>
-              <a:t>((</a:t>
-            </a:r>
-            <a:r>
-              <a:rPr lang="en-US" sz="1900" b="0" dirty="0">
-                <a:solidFill>
-                  <a:srgbClr val="001080"/>
-                </a:solidFill>
-                <a:effectLst/>
-                <a:latin typeface="Cascadia Mono" panose="020B0609020000020004" pitchFamily="49" charset="0"/>
-              </a:rPr>
-              <a:t>hash</a:t>
-            </a:r>
-            <a:r>
-              <a:rPr lang="en-US" sz="1900" b="0" dirty="0">
-                <a:solidFill>
-                  <a:srgbClr val="000000"/>
-                </a:solidFill>
-                <a:effectLst/>
-                <a:latin typeface="Cascadia Mono" panose="020B0609020000020004" pitchFamily="49" charset="0"/>
-              </a:rPr>
-              <a:t> &amp; </a:t>
-            </a:r>
-            <a:r>
-              <a:rPr lang="en-US" sz="1900" b="0" dirty="0">
-                <a:solidFill>
-                  <a:srgbClr val="098658"/>
-                </a:solidFill>
-                <a:effectLst/>
-                <a:latin typeface="Cascadia Mono" panose="020B0609020000020004" pitchFamily="49" charset="0"/>
-              </a:rPr>
-              <a:t>1</a:t>
-            </a:r>
-            <a:r>
-              <a:rPr lang="en-US" sz="1900" b="0" dirty="0">
-                <a:solidFill>
-                  <a:srgbClr val="000000"/>
-                </a:solidFill>
-                <a:effectLst/>
-                <a:latin typeface="Cascadia Mono" panose="020B0609020000020004" pitchFamily="49" charset="0"/>
-              </a:rPr>
-              <a:t>) &lt;&lt; </a:t>
-            </a:r>
-            <a:r>
-              <a:rPr lang="en-US" sz="1900" b="0" dirty="0">
-                <a:solidFill>
-                  <a:srgbClr val="098658"/>
-                </a:solidFill>
-                <a:effectLst/>
-                <a:latin typeface="Cascadia Mono" panose="020B0609020000020004" pitchFamily="49" charset="0"/>
-              </a:rPr>
-              <a:t>15</a:t>
-            </a:r>
-            <a:r>
-              <a:rPr lang="en-US" sz="1900" b="0" dirty="0">
-                <a:solidFill>
-                  <a:srgbClr val="000000"/>
-                </a:solidFill>
-                <a:effectLst/>
-                <a:latin typeface="Cascadia Mono" panose="020B0609020000020004" pitchFamily="49" charset="0"/>
-              </a:rPr>
-              <a:t>);</a:t>
-            </a:r>
-          </a:p>
-          <a:p>
-            <a:pPr marL="0" indent="0">
-              <a:buNone/>
-            </a:pPr>
-            <a:r>
-              <a:rPr lang="en-US" sz="1900" b="0" dirty="0">
-                <a:solidFill>
-                  <a:srgbClr val="000000"/>
-                </a:solidFill>
-                <a:effectLst/>
-                <a:latin typeface="Cascadia Mono" panose="020B0609020000020004" pitchFamily="49" charset="0"/>
-              </a:rPr>
-              <a:t>        </a:t>
-            </a:r>
-            <a:r>
-              <a:rPr lang="en-US" sz="1900" b="0" dirty="0">
-                <a:solidFill>
-                  <a:srgbClr val="001080"/>
-                </a:solidFill>
-                <a:effectLst/>
-                <a:latin typeface="Cascadia Mono" panose="020B0609020000020004" pitchFamily="49" charset="0"/>
-              </a:rPr>
-              <a:t>hash</a:t>
-            </a:r>
-            <a:r>
-              <a:rPr lang="en-US" sz="1900" b="0" dirty="0">
-                <a:solidFill>
-                  <a:srgbClr val="000000"/>
-                </a:solidFill>
-                <a:effectLst/>
-                <a:latin typeface="Cascadia Mono" panose="020B0609020000020004" pitchFamily="49" charset="0"/>
-              </a:rPr>
-              <a:t> += *</a:t>
-            </a:r>
-            <a:r>
-              <a:rPr lang="en-US" sz="1900" b="0" dirty="0">
-                <a:solidFill>
-                  <a:srgbClr val="001080"/>
-                </a:solidFill>
-                <a:effectLst/>
-                <a:latin typeface="Cascadia Mono" panose="020B0609020000020004" pitchFamily="49" charset="0"/>
-              </a:rPr>
-              <a:t>key</a:t>
-            </a:r>
-            <a:r>
-              <a:rPr lang="en-US" sz="1900" b="0" dirty="0">
-                <a:solidFill>
-                  <a:srgbClr val="000000"/>
-                </a:solidFill>
-                <a:effectLst/>
-                <a:latin typeface="Cascadia Mono" panose="020B0609020000020004" pitchFamily="49" charset="0"/>
-              </a:rPr>
-              <a:t>++;</a:t>
-            </a:r>
-          </a:p>
-          <a:p>
-            <a:pPr marL="0" indent="0">
-              <a:buNone/>
-            </a:pPr>
-            <a:r>
-              <a:rPr lang="en-US" sz="1900" b="0" dirty="0">
-                <a:solidFill>
-                  <a:srgbClr val="000000"/>
-                </a:solidFill>
-                <a:effectLst/>
-                <a:latin typeface="Cascadia Mono" panose="020B0609020000020004" pitchFamily="49" charset="0"/>
-              </a:rPr>
-              <a:t>        </a:t>
-            </a:r>
-            <a:r>
-              <a:rPr lang="en-US" sz="1900" b="0" dirty="0">
-                <a:solidFill>
-                  <a:srgbClr val="001080"/>
-                </a:solidFill>
-                <a:effectLst/>
-                <a:latin typeface="Cascadia Mono" panose="020B0609020000020004" pitchFamily="49" charset="0"/>
-              </a:rPr>
-              <a:t>hash</a:t>
-            </a:r>
-            <a:r>
-              <a:rPr lang="en-US" sz="1900" b="0" dirty="0">
-                <a:solidFill>
-                  <a:srgbClr val="000000"/>
-                </a:solidFill>
-                <a:effectLst/>
-                <a:latin typeface="Cascadia Mono" panose="020B0609020000020004" pitchFamily="49" charset="0"/>
-              </a:rPr>
-              <a:t> &amp;= </a:t>
-            </a:r>
-            <a:r>
-              <a:rPr lang="en-US" sz="1900" b="0" dirty="0">
-                <a:solidFill>
-                  <a:srgbClr val="098658"/>
-                </a:solidFill>
-                <a:effectLst/>
-                <a:latin typeface="Cascadia Mono" panose="020B0609020000020004" pitchFamily="49" charset="0"/>
-              </a:rPr>
-              <a:t>0xffff</a:t>
-            </a:r>
-            <a:r>
-              <a:rPr lang="en-US" sz="1900" b="0" dirty="0">
-                <a:solidFill>
-                  <a:srgbClr val="000000"/>
-                </a:solidFill>
-                <a:effectLst/>
-                <a:latin typeface="Cascadia Mono" panose="020B0609020000020004" pitchFamily="49" charset="0"/>
-              </a:rPr>
-              <a:t>;</a:t>
-            </a:r>
-          </a:p>
-          <a:p>
-            <a:pPr marL="0" indent="0">
-              <a:buNone/>
-            </a:pPr>
-            <a:r>
-              <a:rPr lang="en-US" sz="1900" b="0" dirty="0">
-                <a:solidFill>
-                  <a:srgbClr val="000000"/>
-                </a:solidFill>
-                <a:effectLst/>
-                <a:latin typeface="Cascadia Mono" panose="020B0609020000020004" pitchFamily="49" charset="0"/>
-              </a:rPr>
-              <a:t>    }</a:t>
-            </a:r>
-          </a:p>
-          <a:p>
-            <a:pPr marL="0" indent="0">
-              <a:buNone/>
-            </a:pPr>
-            <a:r>
-              <a:rPr lang="en-US" sz="1900" b="0" dirty="0">
-                <a:solidFill>
-                  <a:srgbClr val="000000"/>
-                </a:solidFill>
-                <a:effectLst/>
-                <a:latin typeface="Cascadia Mono" panose="020B0609020000020004" pitchFamily="49" charset="0"/>
-              </a:rPr>
-              <a:t>    </a:t>
-            </a:r>
-            <a:r>
-              <a:rPr lang="en-US" sz="1900" b="0" dirty="0">
-                <a:solidFill>
-                  <a:srgbClr val="AF00DB"/>
-                </a:solidFill>
-                <a:effectLst/>
-                <a:latin typeface="Cascadia Mono" panose="020B0609020000020004" pitchFamily="49" charset="0"/>
-              </a:rPr>
-              <a:t>return</a:t>
-            </a:r>
-            <a:r>
-              <a:rPr lang="en-US" sz="1900" b="0" dirty="0">
-                <a:solidFill>
-                  <a:srgbClr val="000000"/>
-                </a:solidFill>
-                <a:effectLst/>
-                <a:latin typeface="Cascadia Mono" panose="020B0609020000020004" pitchFamily="49" charset="0"/>
-              </a:rPr>
-              <a:t> </a:t>
-            </a:r>
-            <a:r>
-              <a:rPr lang="en-US" sz="1900" b="0" dirty="0">
-                <a:solidFill>
-                  <a:srgbClr val="001080"/>
-                </a:solidFill>
-                <a:effectLst/>
-                <a:latin typeface="Cascadia Mono" panose="020B0609020000020004" pitchFamily="49" charset="0"/>
-              </a:rPr>
-              <a:t>hash</a:t>
-            </a:r>
-            <a:r>
-              <a:rPr lang="en-US" sz="1900" b="0" dirty="0">
-                <a:solidFill>
-                  <a:srgbClr val="000000"/>
-                </a:solidFill>
-                <a:effectLst/>
-                <a:latin typeface="Cascadia Mono" panose="020B0609020000020004" pitchFamily="49" charset="0"/>
-              </a:rPr>
-              <a:t>;</a:t>
-            </a:r>
-          </a:p>
-          <a:p>
-            <a:pPr marL="0" indent="0">
-              <a:buNone/>
-            </a:pPr>
-            <a:r>
-              <a:rPr lang="en-US" sz="1900" b="0" dirty="0">
-                <a:solidFill>
-                  <a:srgbClr val="000000"/>
-                </a:solidFill>
-                <a:effectLst/>
-                <a:latin typeface="Cascadia Mono" panose="020B0609020000020004" pitchFamily="49" charset="0"/>
-              </a:rPr>
-              <a:t>}</a:t>
-            </a:r>
+              <a:t>2. Return hash.</a:t>
+            </a:r>
+            <a:endParaRPr lang="en-US" sz="1900" b="0" dirty="0">
+              <a:solidFill>
+                <a:srgbClr val="000000"/>
+              </a:solidFill>
+              <a:effectLst/>
+              <a:latin typeface="Cascadia Mono" panose="020B0609020000020004" pitchFamily="49" charset="0"/>
+            </a:endParaRPr>
           </a:p>
           <a:p>
             <a:endParaRPr lang="en-IN" dirty="0"/>
